--- a/1주차.pptx
+++ b/1주차.pptx
@@ -127,7 +127,7 @@
   </p:defaultTextStyle>
   <p:extLst>
     <p:ext uri="{EFAFB233-063F-42B5-8137-9DF3F51BA10A}">
-      <p15:sldGuideLst xmlns:p15="http://schemas.microsoft.com/office/powerpoint/2012/main" xmlns="">
+      <p15:sldGuideLst xmlns:p15="http://schemas.microsoft.com/office/powerpoint/2012/main">
         <p15:guide id="1" orient="horz" pos="1847">
           <p15:clr>
             <a:srgbClr val="A4A3A4"/>
@@ -138,10 +138,20 @@
             <a:srgbClr val="A4A3A4"/>
           </p15:clr>
         </p15:guide>
+        <p15:guide id="3" orient="horz" pos="3239">
+          <p15:clr>
+            <a:srgbClr val="A4A3A4"/>
+          </p15:clr>
+        </p15:guide>
+        <p15:guide id="4" pos="3929">
+          <p15:clr>
+            <a:srgbClr val="A4A3A4"/>
+          </p15:clr>
+        </p15:guide>
       </p15:sldGuideLst>
     </p:ext>
     <p:ext uri="{2D200454-40CA-4A62-9FC3-DE9A4176ACB9}">
-      <p15:notesGuideLst xmlns:p15="http://schemas.microsoft.com/office/powerpoint/2012/main" xmlns="">
+      <p15:notesGuideLst xmlns:p15="http://schemas.microsoft.com/office/powerpoint/2012/main">
         <p15:guide id="1" orient="horz" pos="2880">
           <p15:clr>
             <a:srgbClr val="A4A3A4"/>
@@ -1956,50 +1966,50 @@
           <a:lstStyle/>
           <a:p>
             <a:r>
-              <a:rPr lang="en-US" altLang="ko-KR" dirty="0" smtClean="0"/>
+              <a:rPr lang="en-US" altLang="ko-KR" dirty="0"/>
               <a:t>-20</a:t>
             </a:r>
             <a:r>
-              <a:rPr lang="ko-KR" altLang="en-US" dirty="0" smtClean="0"/>
+              <a:rPr lang="ko-KR" altLang="en-US" dirty="0"/>
               <a:t>은 </a:t>
             </a:r>
             <a:r>
-              <a:rPr lang="en-US" altLang="ko-KR" dirty="0" smtClean="0"/>
+              <a:rPr lang="en-US" altLang="ko-KR" dirty="0"/>
               <a:t>20</a:t>
             </a:r>
             <a:r>
-              <a:rPr lang="ko-KR" altLang="en-US" dirty="0" smtClean="0"/>
+              <a:rPr lang="ko-KR" altLang="en-US" dirty="0"/>
               <a:t>칸을 만들고 왼쪽부터 글자를 </a:t>
             </a:r>
             <a:r>
-              <a:rPr lang="ko-KR" altLang="en-US" dirty="0" err="1" smtClean="0"/>
+              <a:rPr lang="ko-KR" altLang="en-US" dirty="0" err="1"/>
               <a:t>채워넣음</a:t>
             </a:r>
-            <a:endParaRPr lang="en-US" altLang="ko-KR" dirty="0" smtClean="0"/>
-          </a:p>
-          <a:p>
-            <a:r>
-              <a:rPr lang="en-US" altLang="ko-KR" dirty="0" smtClean="0"/>
+            <a:endParaRPr lang="en-US" altLang="ko-KR" dirty="0"/>
+          </a:p>
+          <a:p>
+            <a:r>
+              <a:rPr lang="en-US" altLang="ko-KR" dirty="0"/>
               <a:t>30</a:t>
             </a:r>
             <a:r>
-              <a:rPr lang="ko-KR" altLang="en-US" dirty="0" smtClean="0"/>
+              <a:rPr lang="ko-KR" altLang="en-US" dirty="0"/>
               <a:t>은 </a:t>
             </a:r>
             <a:r>
-              <a:rPr lang="en-US" altLang="ko-KR" dirty="0" smtClean="0"/>
+              <a:rPr lang="en-US" altLang="ko-KR" dirty="0"/>
               <a:t>30</a:t>
             </a:r>
             <a:r>
-              <a:rPr lang="ko-KR" altLang="en-US" dirty="0" smtClean="0"/>
+              <a:rPr lang="ko-KR" altLang="en-US" dirty="0"/>
               <a:t>칸을 만들고 오른쪽부터 글자를 </a:t>
             </a:r>
             <a:r>
-              <a:rPr lang="ko-KR" altLang="en-US" dirty="0" err="1" smtClean="0"/>
+              <a:rPr lang="ko-KR" altLang="en-US" dirty="0" err="1"/>
               <a:t>채워넣는다</a:t>
             </a:r>
             <a:r>
-              <a:rPr lang="en-US" altLang="ko-KR" dirty="0" smtClean="0"/>
+              <a:rPr lang="en-US" altLang="ko-KR" dirty="0"/>
               <a:t>.</a:t>
             </a:r>
             <a:endParaRPr lang="ko-KR" altLang="en-US" dirty="0"/>
@@ -6515,7 +6525,7 @@
           <p:cNvPr id="4" name="직선 연결선 3">
             <a:extLst>
               <a:ext uri="{FF2B5EF4-FFF2-40B4-BE49-F238E27FC236}">
-                <a16:creationId xmlns:a16="http://schemas.microsoft.com/office/drawing/2014/main" xmlns="" id="{8F39F5B7-40A4-49C1-BFB1-9FAFD5A9F098}"/>
+                <a16:creationId xmlns:a16="http://schemas.microsoft.com/office/drawing/2014/main" id="{8F39F5B7-40A4-49C1-BFB1-9FAFD5A9F098}"/>
               </a:ext>
             </a:extLst>
           </p:cNvPr>
@@ -6558,7 +6568,7 @@
           <p:cNvPr id="5" name="직선 연결선 4">
             <a:extLst>
               <a:ext uri="{FF2B5EF4-FFF2-40B4-BE49-F238E27FC236}">
-                <a16:creationId xmlns:a16="http://schemas.microsoft.com/office/drawing/2014/main" xmlns="" id="{ECD2CB5B-2829-4444-AE9A-20F5FBB8A32B}"/>
+                <a16:creationId xmlns:a16="http://schemas.microsoft.com/office/drawing/2014/main" id="{ECD2CB5B-2829-4444-AE9A-20F5FBB8A32B}"/>
               </a:ext>
             </a:extLst>
           </p:cNvPr>
@@ -6601,7 +6611,7 @@
           <p:cNvPr id="8" name="직사각형 7">
             <a:extLst>
               <a:ext uri="{FF2B5EF4-FFF2-40B4-BE49-F238E27FC236}">
-                <a16:creationId xmlns:a16="http://schemas.microsoft.com/office/drawing/2014/main" xmlns="" id="{3D7FA208-A66D-4451-898D-9A95CD548BC5}"/>
+                <a16:creationId xmlns:a16="http://schemas.microsoft.com/office/drawing/2014/main" id="{3D7FA208-A66D-4451-898D-9A95CD548BC5}"/>
               </a:ext>
             </a:extLst>
           </p:cNvPr>
@@ -6678,7 +6688,7 @@
           <p:cNvPr id="13" name="화살표: 갈매기형 수장 12">
             <a:extLst>
               <a:ext uri="{FF2B5EF4-FFF2-40B4-BE49-F238E27FC236}">
-                <a16:creationId xmlns:a16="http://schemas.microsoft.com/office/drawing/2014/main" xmlns="" id="{1A711834-EE74-4195-91B3-DAEA8F6A75A2}"/>
+                <a16:creationId xmlns:a16="http://schemas.microsoft.com/office/drawing/2014/main" id="{1A711834-EE74-4195-91B3-DAEA8F6A75A2}"/>
               </a:ext>
             </a:extLst>
           </p:cNvPr>
@@ -6767,7 +6777,7 @@
           <p:cNvPr id="17" name="직사각형 16">
             <a:extLst>
               <a:ext uri="{FF2B5EF4-FFF2-40B4-BE49-F238E27FC236}">
-                <a16:creationId xmlns:a16="http://schemas.microsoft.com/office/drawing/2014/main" xmlns="" id="{3D7FA208-A66D-4451-898D-9A95CD548BC5}"/>
+                <a16:creationId xmlns:a16="http://schemas.microsoft.com/office/drawing/2014/main" id="{3D7FA208-A66D-4451-898D-9A95CD548BC5}"/>
               </a:ext>
             </a:extLst>
           </p:cNvPr>
@@ -6844,7 +6854,7 @@
           <p:cNvPr id="18" name="직사각형 17">
             <a:extLst>
               <a:ext uri="{FF2B5EF4-FFF2-40B4-BE49-F238E27FC236}">
-                <a16:creationId xmlns:a16="http://schemas.microsoft.com/office/drawing/2014/main" xmlns="" id="{3D7FA208-A66D-4451-898D-9A95CD548BC5}"/>
+                <a16:creationId xmlns:a16="http://schemas.microsoft.com/office/drawing/2014/main" id="{3D7FA208-A66D-4451-898D-9A95CD548BC5}"/>
               </a:ext>
             </a:extLst>
           </p:cNvPr>
@@ -6921,7 +6931,7 @@
           <p:cNvPr id="19" name="직사각형 18">
             <a:extLst>
               <a:ext uri="{FF2B5EF4-FFF2-40B4-BE49-F238E27FC236}">
-                <a16:creationId xmlns:a16="http://schemas.microsoft.com/office/drawing/2014/main" xmlns="" id="{3D7FA208-A66D-4451-898D-9A95CD548BC5}"/>
+                <a16:creationId xmlns:a16="http://schemas.microsoft.com/office/drawing/2014/main" id="{3D7FA208-A66D-4451-898D-9A95CD548BC5}"/>
               </a:ext>
             </a:extLst>
           </p:cNvPr>
@@ -6998,7 +7008,7 @@
           <p:cNvPr id="2" name="TextBox 1">
             <a:extLst>
               <a:ext uri="{FF2B5EF4-FFF2-40B4-BE49-F238E27FC236}">
-                <a16:creationId xmlns:a16="http://schemas.microsoft.com/office/drawing/2014/main" xmlns="" id="{E4D75CB6-89F6-484A-8087-62CA89C64361}"/>
+                <a16:creationId xmlns:a16="http://schemas.microsoft.com/office/drawing/2014/main" id="{E4D75CB6-89F6-484A-8087-62CA89C64361}"/>
               </a:ext>
             </a:extLst>
           </p:cNvPr>
@@ -7034,7 +7044,7 @@
           <p:cNvPr id="3" name="TextBox 2">
             <a:extLst>
               <a:ext uri="{FF2B5EF4-FFF2-40B4-BE49-F238E27FC236}">
-                <a16:creationId xmlns:a16="http://schemas.microsoft.com/office/drawing/2014/main" xmlns="" id="{04D8C3B0-4F42-44DA-A4AD-21D8E929E195}"/>
+                <a16:creationId xmlns:a16="http://schemas.microsoft.com/office/drawing/2014/main" id="{04D8C3B0-4F42-44DA-A4AD-21D8E929E195}"/>
               </a:ext>
             </a:extLst>
           </p:cNvPr>
@@ -7067,7 +7077,7 @@
     </p:spTree>
     <p:extLst>
       <p:ext uri="{BB962C8B-B14F-4D97-AF65-F5344CB8AC3E}">
-        <p14:creationId xmlns:p14="http://schemas.microsoft.com/office/powerpoint/2010/main" xmlns="" val="2918031539"/>
+        <p14:creationId xmlns:p14="http://schemas.microsoft.com/office/powerpoint/2010/main" val="2918031539"/>
       </p:ext>
     </p:extLst>
   </p:cSld>
@@ -7129,7 +7139,7 @@
           <p:cNvPr id="5" name="그룹 5">
             <a:extLst>
               <a:ext uri="{FF2B5EF4-FFF2-40B4-BE49-F238E27FC236}">
-                <a16:creationId xmlns:a16="http://schemas.microsoft.com/office/drawing/2014/main" xmlns="" id="{44F5B724-E981-4F07-8699-85332FC5EF5A}"/>
+                <a16:creationId xmlns:a16="http://schemas.microsoft.com/office/drawing/2014/main" id="{44F5B724-E981-4F07-8699-85332FC5EF5A}"/>
               </a:ext>
             </a:extLst>
           </p:cNvPr>
@@ -7149,7 +7159,7 @@
             <p:cNvPr id="6" name="사각형: 둥근 모서리 6">
               <a:extLst>
                 <a:ext uri="{FF2B5EF4-FFF2-40B4-BE49-F238E27FC236}">
-                  <a16:creationId xmlns:a16="http://schemas.microsoft.com/office/drawing/2014/main" xmlns="" id="{0BA180D6-86CE-44E2-BB38-2511C93DED47}"/>
+                  <a16:creationId xmlns:a16="http://schemas.microsoft.com/office/drawing/2014/main" id="{0BA180D6-86CE-44E2-BB38-2511C93DED47}"/>
                 </a:ext>
               </a:extLst>
             </p:cNvPr>
@@ -7201,7 +7211,7 @@
             <p:cNvPr id="7" name="사각형: 둥근 모서리 7">
               <a:extLst>
                 <a:ext uri="{FF2B5EF4-FFF2-40B4-BE49-F238E27FC236}">
-                  <a16:creationId xmlns:a16="http://schemas.microsoft.com/office/drawing/2014/main" xmlns="" id="{00DA7CDB-E243-47B7-9A5C-6C6E008940D9}"/>
+                  <a16:creationId xmlns:a16="http://schemas.microsoft.com/office/drawing/2014/main" id="{00DA7CDB-E243-47B7-9A5C-6C6E008940D9}"/>
                 </a:ext>
               </a:extLst>
             </p:cNvPr>
@@ -7255,7 +7265,7 @@
             <p:cNvPr id="8" name="TextBox 7">
               <a:extLst>
                 <a:ext uri="{FF2B5EF4-FFF2-40B4-BE49-F238E27FC236}">
-                  <a16:creationId xmlns:a16="http://schemas.microsoft.com/office/drawing/2014/main" xmlns="" id="{CDDB91A3-B27F-4B00-A98D-FB4B45061C21}"/>
+                  <a16:creationId xmlns:a16="http://schemas.microsoft.com/office/drawing/2014/main" id="{CDDB91A3-B27F-4B00-A98D-FB4B45061C21}"/>
                 </a:ext>
               </a:extLst>
             </p:cNvPr>
@@ -7378,7 +7388,7 @@
           <p:cNvPr id="13" name="직선 연결선 12">
             <a:extLst>
               <a:ext uri="{FF2B5EF4-FFF2-40B4-BE49-F238E27FC236}">
-                <a16:creationId xmlns:a16="http://schemas.microsoft.com/office/drawing/2014/main" xmlns="" id="{8F39F5B7-40A4-49C1-BFB1-9FAFD5A9F098}"/>
+                <a16:creationId xmlns:a16="http://schemas.microsoft.com/office/drawing/2014/main" id="{8F39F5B7-40A4-49C1-BFB1-9FAFD5A9F098}"/>
               </a:ext>
             </a:extLst>
           </p:cNvPr>
@@ -7817,7 +7827,7 @@
           <p:cNvPr id="37" name="직사각형 36">
             <a:extLst>
               <a:ext uri="{FF2B5EF4-FFF2-40B4-BE49-F238E27FC236}">
-                <a16:creationId xmlns:a16="http://schemas.microsoft.com/office/drawing/2014/main" xmlns="" id="{29A6586C-3E4B-4001-ADA0-BFBCF5FA3B9B}"/>
+                <a16:creationId xmlns:a16="http://schemas.microsoft.com/office/drawing/2014/main" id="{29A6586C-3E4B-4001-ADA0-BFBCF5FA3B9B}"/>
               </a:ext>
             </a:extLst>
           </p:cNvPr>
@@ -7869,7 +7879,7 @@
           <p:cNvPr id="6" name="그룹 5">
             <a:extLst>
               <a:ext uri="{FF2B5EF4-FFF2-40B4-BE49-F238E27FC236}">
-                <a16:creationId xmlns:a16="http://schemas.microsoft.com/office/drawing/2014/main" xmlns="" id="{44F5B724-E981-4F07-8699-85332FC5EF5A}"/>
+                <a16:creationId xmlns:a16="http://schemas.microsoft.com/office/drawing/2014/main" id="{44F5B724-E981-4F07-8699-85332FC5EF5A}"/>
               </a:ext>
             </a:extLst>
           </p:cNvPr>
@@ -7889,7 +7899,7 @@
             <p:cNvPr id="7" name="사각형: 둥근 모서리 6">
               <a:extLst>
                 <a:ext uri="{FF2B5EF4-FFF2-40B4-BE49-F238E27FC236}">
-                  <a16:creationId xmlns:a16="http://schemas.microsoft.com/office/drawing/2014/main" xmlns="" id="{0BA180D6-86CE-44E2-BB38-2511C93DED47}"/>
+                  <a16:creationId xmlns:a16="http://schemas.microsoft.com/office/drawing/2014/main" id="{0BA180D6-86CE-44E2-BB38-2511C93DED47}"/>
                 </a:ext>
               </a:extLst>
             </p:cNvPr>
@@ -7941,7 +7951,7 @@
             <p:cNvPr id="8" name="사각형: 둥근 모서리 7">
               <a:extLst>
                 <a:ext uri="{FF2B5EF4-FFF2-40B4-BE49-F238E27FC236}">
-                  <a16:creationId xmlns:a16="http://schemas.microsoft.com/office/drawing/2014/main" xmlns="" id="{00DA7CDB-E243-47B7-9A5C-6C6E008940D9}"/>
+                  <a16:creationId xmlns:a16="http://schemas.microsoft.com/office/drawing/2014/main" id="{00DA7CDB-E243-47B7-9A5C-6C6E008940D9}"/>
                 </a:ext>
               </a:extLst>
             </p:cNvPr>
@@ -7995,7 +8005,7 @@
             <p:cNvPr id="9" name="TextBox 8">
               <a:extLst>
                 <a:ext uri="{FF2B5EF4-FFF2-40B4-BE49-F238E27FC236}">
-                  <a16:creationId xmlns:a16="http://schemas.microsoft.com/office/drawing/2014/main" xmlns="" id="{CDDB91A3-B27F-4B00-A98D-FB4B45061C21}"/>
+                  <a16:creationId xmlns:a16="http://schemas.microsoft.com/office/drawing/2014/main" id="{CDDB91A3-B27F-4B00-A98D-FB4B45061C21}"/>
                 </a:ext>
               </a:extLst>
             </p:cNvPr>
@@ -10199,7 +10209,7 @@
           <p:cNvPr id="2" name="그룹 1">
             <a:extLst>
               <a:ext uri="{FF2B5EF4-FFF2-40B4-BE49-F238E27FC236}">
-                <a16:creationId xmlns:a16="http://schemas.microsoft.com/office/drawing/2014/main" xmlns="" id="{083A8CC8-66F9-4073-8508-0ED4EFB5CC78}"/>
+                <a16:creationId xmlns:a16="http://schemas.microsoft.com/office/drawing/2014/main" id="{083A8CC8-66F9-4073-8508-0ED4EFB5CC78}"/>
               </a:ext>
             </a:extLst>
           </p:cNvPr>
@@ -10560,7 +10570,7 @@
           <p:cNvPr id="83" name="직선 연결선 82">
             <a:extLst>
               <a:ext uri="{FF2B5EF4-FFF2-40B4-BE49-F238E27FC236}">
-                <a16:creationId xmlns:a16="http://schemas.microsoft.com/office/drawing/2014/main" xmlns="" id="{B99003BB-0AEB-4C09-BD33-41ACD0C35E1D}"/>
+                <a16:creationId xmlns:a16="http://schemas.microsoft.com/office/drawing/2014/main" id="{B99003BB-0AEB-4C09-BD33-41ACD0C35E1D}"/>
               </a:ext>
             </a:extLst>
           </p:cNvPr>
@@ -10603,7 +10613,7 @@
           <p:cNvPr id="84" name="TextBox 83">
             <a:extLst>
               <a:ext uri="{FF2B5EF4-FFF2-40B4-BE49-F238E27FC236}">
-                <a16:creationId xmlns:a16="http://schemas.microsoft.com/office/drawing/2014/main" xmlns="" id="{BF0D09A7-E95B-424F-9182-BD8200B777D5}"/>
+                <a16:creationId xmlns:a16="http://schemas.microsoft.com/office/drawing/2014/main" id="{BF0D09A7-E95B-424F-9182-BD8200B777D5}"/>
               </a:ext>
             </a:extLst>
           </p:cNvPr>
@@ -10639,7 +10649,7 @@
           <p:cNvPr id="85" name="그룹 84">
             <a:extLst>
               <a:ext uri="{FF2B5EF4-FFF2-40B4-BE49-F238E27FC236}">
-                <a16:creationId xmlns:a16="http://schemas.microsoft.com/office/drawing/2014/main" xmlns="" id="{596ECF74-079A-404F-BEEE-0E3DFBF558D0}"/>
+                <a16:creationId xmlns:a16="http://schemas.microsoft.com/office/drawing/2014/main" id="{596ECF74-079A-404F-BEEE-0E3DFBF558D0}"/>
               </a:ext>
             </a:extLst>
           </p:cNvPr>
@@ -10659,7 +10669,7 @@
             <p:cNvPr id="86" name="그룹 85">
               <a:extLst>
                 <a:ext uri="{FF2B5EF4-FFF2-40B4-BE49-F238E27FC236}">
-                  <a16:creationId xmlns:a16="http://schemas.microsoft.com/office/drawing/2014/main" xmlns="" id="{FE006298-81AC-4197-8483-6172C136A71A}"/>
+                  <a16:creationId xmlns:a16="http://schemas.microsoft.com/office/drawing/2014/main" id="{FE006298-81AC-4197-8483-6172C136A71A}"/>
                 </a:ext>
               </a:extLst>
             </p:cNvPr>
@@ -10679,7 +10689,7 @@
               <p:cNvPr id="88" name="직선 연결선 87">
                 <a:extLst>
                   <a:ext uri="{FF2B5EF4-FFF2-40B4-BE49-F238E27FC236}">
-                    <a16:creationId xmlns:a16="http://schemas.microsoft.com/office/drawing/2014/main" xmlns="" id="{8F4BCC46-DAB9-44D5-B00C-D77E0DC10F5D}"/>
+                    <a16:creationId xmlns:a16="http://schemas.microsoft.com/office/drawing/2014/main" id="{8F4BCC46-DAB9-44D5-B00C-D77E0DC10F5D}"/>
                   </a:ext>
                 </a:extLst>
               </p:cNvPr>
@@ -10720,7 +10730,7 @@
               <p:cNvPr id="115" name="직선 연결선 114">
                 <a:extLst>
                   <a:ext uri="{FF2B5EF4-FFF2-40B4-BE49-F238E27FC236}">
-                    <a16:creationId xmlns:a16="http://schemas.microsoft.com/office/drawing/2014/main" xmlns="" id="{611FEBC9-A3C0-45E2-8DC7-8174AA5F8BA3}"/>
+                    <a16:creationId xmlns:a16="http://schemas.microsoft.com/office/drawing/2014/main" id="{611FEBC9-A3C0-45E2-8DC7-8174AA5F8BA3}"/>
                   </a:ext>
                 </a:extLst>
               </p:cNvPr>
@@ -10761,7 +10771,7 @@
               <p:cNvPr id="116" name="직선 연결선 115">
                 <a:extLst>
                   <a:ext uri="{FF2B5EF4-FFF2-40B4-BE49-F238E27FC236}">
-                    <a16:creationId xmlns:a16="http://schemas.microsoft.com/office/drawing/2014/main" xmlns="" id="{5F02C61C-CE93-4F74-8B2C-140A600817E5}"/>
+                    <a16:creationId xmlns:a16="http://schemas.microsoft.com/office/drawing/2014/main" id="{5F02C61C-CE93-4F74-8B2C-140A600817E5}"/>
                   </a:ext>
                 </a:extLst>
               </p:cNvPr>
@@ -10802,7 +10812,7 @@
               <p:cNvPr id="117" name="직선 연결선 116">
                 <a:extLst>
                   <a:ext uri="{FF2B5EF4-FFF2-40B4-BE49-F238E27FC236}">
-                    <a16:creationId xmlns:a16="http://schemas.microsoft.com/office/drawing/2014/main" xmlns="" id="{B785BA3D-3725-432E-B3E1-D2F5C541BB95}"/>
+                    <a16:creationId xmlns:a16="http://schemas.microsoft.com/office/drawing/2014/main" id="{B785BA3D-3725-432E-B3E1-D2F5C541BB95}"/>
                   </a:ext>
                 </a:extLst>
               </p:cNvPr>
@@ -10843,7 +10853,7 @@
               <p:cNvPr id="118" name="직선 연결선 117">
                 <a:extLst>
                   <a:ext uri="{FF2B5EF4-FFF2-40B4-BE49-F238E27FC236}">
-                    <a16:creationId xmlns:a16="http://schemas.microsoft.com/office/drawing/2014/main" xmlns="" id="{9A9B83BB-AA46-4104-AC23-4CE8BE0B97E1}"/>
+                    <a16:creationId xmlns:a16="http://schemas.microsoft.com/office/drawing/2014/main" id="{9A9B83BB-AA46-4104-AC23-4CE8BE0B97E1}"/>
                   </a:ext>
                 </a:extLst>
               </p:cNvPr>
@@ -10885,7 +10895,7 @@
             <p:cNvPr id="87" name="TextBox 86">
               <a:extLst>
                 <a:ext uri="{FF2B5EF4-FFF2-40B4-BE49-F238E27FC236}">
-                  <a16:creationId xmlns:a16="http://schemas.microsoft.com/office/drawing/2014/main" xmlns="" id="{42EEB621-8B4C-4A27-8975-65D2F02E00D4}"/>
+                  <a16:creationId xmlns:a16="http://schemas.microsoft.com/office/drawing/2014/main" id="{42EEB621-8B4C-4A27-8975-65D2F02E00D4}"/>
                 </a:ext>
               </a:extLst>
             </p:cNvPr>
@@ -10922,7 +10932,7 @@
           <p:cNvPr id="119" name="그룹 118">
             <a:extLst>
               <a:ext uri="{FF2B5EF4-FFF2-40B4-BE49-F238E27FC236}">
-                <a16:creationId xmlns:a16="http://schemas.microsoft.com/office/drawing/2014/main" xmlns="" id="{3EA04417-E1EF-44A7-B270-11ED92F38048}"/>
+                <a16:creationId xmlns:a16="http://schemas.microsoft.com/office/drawing/2014/main" id="{3EA04417-E1EF-44A7-B270-11ED92F38048}"/>
               </a:ext>
             </a:extLst>
           </p:cNvPr>
@@ -10942,7 +10952,7 @@
             <p:cNvPr id="120" name="그룹 119">
               <a:extLst>
                 <a:ext uri="{FF2B5EF4-FFF2-40B4-BE49-F238E27FC236}">
-                  <a16:creationId xmlns:a16="http://schemas.microsoft.com/office/drawing/2014/main" xmlns="" id="{AA6D0FA4-E622-4F7D-BB42-97BD345C3587}"/>
+                  <a16:creationId xmlns:a16="http://schemas.microsoft.com/office/drawing/2014/main" id="{AA6D0FA4-E622-4F7D-BB42-97BD345C3587}"/>
                 </a:ext>
               </a:extLst>
             </p:cNvPr>
@@ -10962,7 +10972,7 @@
               <p:cNvPr id="126" name="직선 연결선 125">
                 <a:extLst>
                   <a:ext uri="{FF2B5EF4-FFF2-40B4-BE49-F238E27FC236}">
-                    <a16:creationId xmlns:a16="http://schemas.microsoft.com/office/drawing/2014/main" xmlns="" id="{17AC753C-D9C7-4E2B-A56E-36D6A9E3A5AC}"/>
+                    <a16:creationId xmlns:a16="http://schemas.microsoft.com/office/drawing/2014/main" id="{17AC753C-D9C7-4E2B-A56E-36D6A9E3A5AC}"/>
                   </a:ext>
                 </a:extLst>
               </p:cNvPr>
@@ -11003,7 +11013,7 @@
               <p:cNvPr id="127" name="직선 연결선 126">
                 <a:extLst>
                   <a:ext uri="{FF2B5EF4-FFF2-40B4-BE49-F238E27FC236}">
-                    <a16:creationId xmlns:a16="http://schemas.microsoft.com/office/drawing/2014/main" xmlns="" id="{30908EDF-50D8-475B-B345-9D8894D76716}"/>
+                    <a16:creationId xmlns:a16="http://schemas.microsoft.com/office/drawing/2014/main" id="{30908EDF-50D8-475B-B345-9D8894D76716}"/>
                   </a:ext>
                 </a:extLst>
               </p:cNvPr>
@@ -11044,7 +11054,7 @@
               <p:cNvPr id="128" name="직선 연결선 127">
                 <a:extLst>
                   <a:ext uri="{FF2B5EF4-FFF2-40B4-BE49-F238E27FC236}">
-                    <a16:creationId xmlns:a16="http://schemas.microsoft.com/office/drawing/2014/main" xmlns="" id="{F6153AE8-E6FE-4DDB-A65B-5C71430BC585}"/>
+                    <a16:creationId xmlns:a16="http://schemas.microsoft.com/office/drawing/2014/main" id="{F6153AE8-E6FE-4DDB-A65B-5C71430BC585}"/>
                   </a:ext>
                 </a:extLst>
               </p:cNvPr>
@@ -11085,7 +11095,7 @@
               <p:cNvPr id="129" name="직선 연결선 128">
                 <a:extLst>
                   <a:ext uri="{FF2B5EF4-FFF2-40B4-BE49-F238E27FC236}">
-                    <a16:creationId xmlns:a16="http://schemas.microsoft.com/office/drawing/2014/main" xmlns="" id="{6F888CBF-9A0A-42A6-9C98-8E4D21B4602A}"/>
+                    <a16:creationId xmlns:a16="http://schemas.microsoft.com/office/drawing/2014/main" id="{6F888CBF-9A0A-42A6-9C98-8E4D21B4602A}"/>
                   </a:ext>
                 </a:extLst>
               </p:cNvPr>
@@ -11126,7 +11136,7 @@
               <p:cNvPr id="130" name="직선 연결선 129">
                 <a:extLst>
                   <a:ext uri="{FF2B5EF4-FFF2-40B4-BE49-F238E27FC236}">
-                    <a16:creationId xmlns:a16="http://schemas.microsoft.com/office/drawing/2014/main" xmlns="" id="{6F2EC5C8-7C97-4A90-AAC0-570B23D2BB44}"/>
+                    <a16:creationId xmlns:a16="http://schemas.microsoft.com/office/drawing/2014/main" id="{6F2EC5C8-7C97-4A90-AAC0-570B23D2BB44}"/>
                   </a:ext>
                 </a:extLst>
               </p:cNvPr>
@@ -11168,7 +11178,7 @@
             <p:cNvPr id="121" name="TextBox 120">
               <a:extLst>
                 <a:ext uri="{FF2B5EF4-FFF2-40B4-BE49-F238E27FC236}">
-                  <a16:creationId xmlns:a16="http://schemas.microsoft.com/office/drawing/2014/main" xmlns="" id="{2E5C0D19-2ACF-4EA9-B3A0-4641889B3B72}"/>
+                  <a16:creationId xmlns:a16="http://schemas.microsoft.com/office/drawing/2014/main" id="{2E5C0D19-2ACF-4EA9-B3A0-4641889B3B72}"/>
                 </a:ext>
               </a:extLst>
             </p:cNvPr>
@@ -11205,7 +11215,7 @@
           <p:cNvPr id="3" name="화살표: 오른쪽 2">
             <a:extLst>
               <a:ext uri="{FF2B5EF4-FFF2-40B4-BE49-F238E27FC236}">
-                <a16:creationId xmlns:a16="http://schemas.microsoft.com/office/drawing/2014/main" xmlns="" id="{67772EB0-FB3A-435C-8AE8-7FF070602324}"/>
+                <a16:creationId xmlns:a16="http://schemas.microsoft.com/office/drawing/2014/main" id="{67772EB0-FB3A-435C-8AE8-7FF070602324}"/>
               </a:ext>
             </a:extLst>
           </p:cNvPr>
@@ -11257,7 +11267,7 @@
           <p:cNvPr id="131" name="화살표: 오른쪽 130">
             <a:extLst>
               <a:ext uri="{FF2B5EF4-FFF2-40B4-BE49-F238E27FC236}">
-                <a16:creationId xmlns:a16="http://schemas.microsoft.com/office/drawing/2014/main" xmlns="" id="{0D97FCE4-CA44-494E-B1AD-A8748EE1F093}"/>
+                <a16:creationId xmlns:a16="http://schemas.microsoft.com/office/drawing/2014/main" id="{0D97FCE4-CA44-494E-B1AD-A8748EE1F093}"/>
               </a:ext>
             </a:extLst>
           </p:cNvPr>
@@ -11309,7 +11319,7 @@
           <p:cNvPr id="133" name="화살표: 오른쪽 132">
             <a:extLst>
               <a:ext uri="{FF2B5EF4-FFF2-40B4-BE49-F238E27FC236}">
-                <a16:creationId xmlns:a16="http://schemas.microsoft.com/office/drawing/2014/main" xmlns="" id="{AC79EC25-70A5-4A41-9A95-816C3FE35564}"/>
+                <a16:creationId xmlns:a16="http://schemas.microsoft.com/office/drawing/2014/main" id="{AC79EC25-70A5-4A41-9A95-816C3FE35564}"/>
               </a:ext>
             </a:extLst>
           </p:cNvPr>
@@ -11361,7 +11371,7 @@
           <p:cNvPr id="134" name="화살표: 오른쪽 133">
             <a:extLst>
               <a:ext uri="{FF2B5EF4-FFF2-40B4-BE49-F238E27FC236}">
-                <a16:creationId xmlns:a16="http://schemas.microsoft.com/office/drawing/2014/main" xmlns="" id="{4D4795CF-BA3C-45CD-B4ED-690511315559}"/>
+                <a16:creationId xmlns:a16="http://schemas.microsoft.com/office/drawing/2014/main" id="{4D4795CF-BA3C-45CD-B4ED-690511315559}"/>
               </a:ext>
             </a:extLst>
           </p:cNvPr>
@@ -11413,7 +11423,7 @@
           <p:cNvPr id="135" name="꺾인 연결선 40">
             <a:extLst>
               <a:ext uri="{FF2B5EF4-FFF2-40B4-BE49-F238E27FC236}">
-                <a16:creationId xmlns:a16="http://schemas.microsoft.com/office/drawing/2014/main" xmlns="" id="{AE4B218B-58AA-442E-AA4B-4AD61CFA0A26}"/>
+                <a16:creationId xmlns:a16="http://schemas.microsoft.com/office/drawing/2014/main" id="{AE4B218B-58AA-442E-AA4B-4AD61CFA0A26}"/>
               </a:ext>
             </a:extLst>
           </p:cNvPr>
@@ -11457,7 +11467,7 @@
           <p:cNvPr id="136" name="꺾인 연결선 40">
             <a:extLst>
               <a:ext uri="{FF2B5EF4-FFF2-40B4-BE49-F238E27FC236}">
-                <a16:creationId xmlns:a16="http://schemas.microsoft.com/office/drawing/2014/main" xmlns="" id="{4AD73874-FE2A-4E9F-B9EA-9EB4BE1957C9}"/>
+                <a16:creationId xmlns:a16="http://schemas.microsoft.com/office/drawing/2014/main" id="{4AD73874-FE2A-4E9F-B9EA-9EB4BE1957C9}"/>
               </a:ext>
             </a:extLst>
           </p:cNvPr>
@@ -11501,7 +11511,7 @@
           <p:cNvPr id="137" name="원호 136">
             <a:extLst>
               <a:ext uri="{FF2B5EF4-FFF2-40B4-BE49-F238E27FC236}">
-                <a16:creationId xmlns:a16="http://schemas.microsoft.com/office/drawing/2014/main" xmlns="" id="{A0D7A4F1-99C8-4C09-B18D-3A885DE430E9}"/>
+                <a16:creationId xmlns:a16="http://schemas.microsoft.com/office/drawing/2014/main" id="{A0D7A4F1-99C8-4C09-B18D-3A885DE430E9}"/>
               </a:ext>
             </a:extLst>
           </p:cNvPr>
@@ -11551,7 +11561,7 @@
           <p:cNvPr id="138" name="이등변 삼각형 137">
             <a:extLst>
               <a:ext uri="{FF2B5EF4-FFF2-40B4-BE49-F238E27FC236}">
-                <a16:creationId xmlns:a16="http://schemas.microsoft.com/office/drawing/2014/main" xmlns="" id="{98B0BBBC-3FF6-4187-947D-592088A67B53}"/>
+                <a16:creationId xmlns:a16="http://schemas.microsoft.com/office/drawing/2014/main" id="{98B0BBBC-3FF6-4187-947D-592088A67B53}"/>
               </a:ext>
             </a:extLst>
           </p:cNvPr>
@@ -11600,7 +11610,7 @@
           <p:cNvPr id="39" name="그룹 38">
             <a:extLst>
               <a:ext uri="{FF2B5EF4-FFF2-40B4-BE49-F238E27FC236}">
-                <a16:creationId xmlns:a16="http://schemas.microsoft.com/office/drawing/2014/main" xmlns="" id="{B5AE6D76-60FA-4B33-85A1-ADD33FC884B6}"/>
+                <a16:creationId xmlns:a16="http://schemas.microsoft.com/office/drawing/2014/main" id="{B5AE6D76-60FA-4B33-85A1-ADD33FC884B6}"/>
               </a:ext>
             </a:extLst>
           </p:cNvPr>
@@ -11620,7 +11630,7 @@
             <p:cNvPr id="139" name="원호 138">
               <a:extLst>
                 <a:ext uri="{FF2B5EF4-FFF2-40B4-BE49-F238E27FC236}">
-                  <a16:creationId xmlns:a16="http://schemas.microsoft.com/office/drawing/2014/main" xmlns="" id="{464F2629-448F-4B14-A6DA-D349EF237A74}"/>
+                  <a16:creationId xmlns:a16="http://schemas.microsoft.com/office/drawing/2014/main" id="{464F2629-448F-4B14-A6DA-D349EF237A74}"/>
                 </a:ext>
               </a:extLst>
             </p:cNvPr>
@@ -11670,7 +11680,7 @@
             <p:cNvPr id="140" name="이등변 삼각형 139">
               <a:extLst>
                 <a:ext uri="{FF2B5EF4-FFF2-40B4-BE49-F238E27FC236}">
-                  <a16:creationId xmlns:a16="http://schemas.microsoft.com/office/drawing/2014/main" xmlns="" id="{029C87DE-8A8C-43C2-B211-B6B5CAD034B8}"/>
+                  <a16:creationId xmlns:a16="http://schemas.microsoft.com/office/drawing/2014/main" id="{029C87DE-8A8C-43C2-B211-B6B5CAD034B8}"/>
                 </a:ext>
               </a:extLst>
             </p:cNvPr>
@@ -11720,7 +11730,7 @@
           <p:cNvPr id="141" name="TextBox 140">
             <a:extLst>
               <a:ext uri="{FF2B5EF4-FFF2-40B4-BE49-F238E27FC236}">
-                <a16:creationId xmlns:a16="http://schemas.microsoft.com/office/drawing/2014/main" xmlns="" id="{1F643CA9-F43F-4149-871B-DDEBD18D9FA5}"/>
+                <a16:creationId xmlns:a16="http://schemas.microsoft.com/office/drawing/2014/main" id="{1F643CA9-F43F-4149-871B-DDEBD18D9FA5}"/>
               </a:ext>
             </a:extLst>
           </p:cNvPr>
@@ -11756,7 +11766,7 @@
           <p:cNvPr id="142" name="TextBox 141">
             <a:extLst>
               <a:ext uri="{FF2B5EF4-FFF2-40B4-BE49-F238E27FC236}">
-                <a16:creationId xmlns:a16="http://schemas.microsoft.com/office/drawing/2014/main" xmlns="" id="{768A9B48-3B2E-4977-953B-8A4FA614364B}"/>
+                <a16:creationId xmlns:a16="http://schemas.microsoft.com/office/drawing/2014/main" id="{768A9B48-3B2E-4977-953B-8A4FA614364B}"/>
               </a:ext>
             </a:extLst>
           </p:cNvPr>
@@ -12013,7 +12023,7 @@
           <p:cNvPr id="11" name="그룹 5">
             <a:extLst>
               <a:ext uri="{FF2B5EF4-FFF2-40B4-BE49-F238E27FC236}">
-                <a16:creationId xmlns:a16="http://schemas.microsoft.com/office/drawing/2014/main" xmlns="" id="{44F5B724-E981-4F07-8699-85332FC5EF5A}"/>
+                <a16:creationId xmlns:a16="http://schemas.microsoft.com/office/drawing/2014/main" id="{44F5B724-E981-4F07-8699-85332FC5EF5A}"/>
               </a:ext>
             </a:extLst>
           </p:cNvPr>
@@ -12033,7 +12043,7 @@
             <p:cNvPr id="12" name="사각형: 둥근 모서리 6">
               <a:extLst>
                 <a:ext uri="{FF2B5EF4-FFF2-40B4-BE49-F238E27FC236}">
-                  <a16:creationId xmlns:a16="http://schemas.microsoft.com/office/drawing/2014/main" xmlns="" id="{0BA180D6-86CE-44E2-BB38-2511C93DED47}"/>
+                  <a16:creationId xmlns:a16="http://schemas.microsoft.com/office/drawing/2014/main" id="{0BA180D6-86CE-44E2-BB38-2511C93DED47}"/>
                 </a:ext>
               </a:extLst>
             </p:cNvPr>
@@ -12085,7 +12095,7 @@
             <p:cNvPr id="13" name="사각형: 둥근 모서리 7">
               <a:extLst>
                 <a:ext uri="{FF2B5EF4-FFF2-40B4-BE49-F238E27FC236}">
-                  <a16:creationId xmlns:a16="http://schemas.microsoft.com/office/drawing/2014/main" xmlns="" id="{00DA7CDB-E243-47B7-9A5C-6C6E008940D9}"/>
+                  <a16:creationId xmlns:a16="http://schemas.microsoft.com/office/drawing/2014/main" id="{00DA7CDB-E243-47B7-9A5C-6C6E008940D9}"/>
                 </a:ext>
               </a:extLst>
             </p:cNvPr>
@@ -12139,7 +12149,7 @@
             <p:cNvPr id="14" name="TextBox 13">
               <a:extLst>
                 <a:ext uri="{FF2B5EF4-FFF2-40B4-BE49-F238E27FC236}">
-                  <a16:creationId xmlns:a16="http://schemas.microsoft.com/office/drawing/2014/main" xmlns="" id="{CDDB91A3-B27F-4B00-A98D-FB4B45061C21}"/>
+                  <a16:creationId xmlns:a16="http://schemas.microsoft.com/office/drawing/2014/main" id="{CDDB91A3-B27F-4B00-A98D-FB4B45061C21}"/>
                 </a:ext>
               </a:extLst>
             </p:cNvPr>
@@ -12221,7 +12231,7 @@
           <p:cNvPr id="17" name="직선 연결선 16">
             <a:extLst>
               <a:ext uri="{FF2B5EF4-FFF2-40B4-BE49-F238E27FC236}">
-                <a16:creationId xmlns:a16="http://schemas.microsoft.com/office/drawing/2014/main" xmlns="" id="{8F39F5B7-40A4-49C1-BFB1-9FAFD5A9F098}"/>
+                <a16:creationId xmlns:a16="http://schemas.microsoft.com/office/drawing/2014/main" id="{8F39F5B7-40A4-49C1-BFB1-9FAFD5A9F098}"/>
               </a:ext>
             </a:extLst>
           </p:cNvPr>
@@ -12282,74 +12292,74 @@
           <a:lstStyle/>
           <a:p>
             <a:r>
-              <a:rPr lang="en-US" altLang="ko-KR" sz="1000" dirty="0" smtClean="0"/>
+              <a:rPr lang="en-US" altLang="ko-KR" sz="1000" dirty="0"/>
               <a:t>    </a:t>
             </a:r>
             <a:r>
-              <a:rPr lang="en-US" altLang="ko-KR" sz="1000" dirty="0" err="1" smtClean="0"/>
+              <a:rPr lang="en-US" altLang="ko-KR" sz="1000" dirty="0" err="1"/>
               <a:t>sbyte</a:t>
             </a:r>
             <a:r>
-              <a:rPr lang="en-US" altLang="ko-KR" sz="1000" dirty="0" smtClean="0"/>
+              <a:rPr lang="en-US" altLang="ko-KR" sz="1000" dirty="0"/>
               <a:t> a = 127;     </a:t>
             </a:r>
-            <a:endParaRPr lang="ko-KR" altLang="en-US" sz="1000" dirty="0" smtClean="0"/>
-          </a:p>
-          <a:p>
-            <a:r>
-              <a:rPr lang="ko-KR" altLang="en-US" sz="1000" dirty="0" smtClean="0"/>
+            <a:endParaRPr lang="ko-KR" altLang="en-US" sz="1000" dirty="0"/>
+          </a:p>
+          <a:p>
+            <a:r>
+              <a:rPr lang="ko-KR" altLang="en-US" sz="1000" dirty="0"/>
               <a:t>    </a:t>
             </a:r>
             <a:r>
-              <a:rPr lang="en-US" altLang="ko-KR" sz="1000" dirty="0" err="1" smtClean="0"/>
+              <a:rPr lang="en-US" altLang="ko-KR" sz="1000" dirty="0" err="1"/>
               <a:t>WriteLine</a:t>
             </a:r>
             <a:r>
-              <a:rPr lang="en-US" altLang="ko-KR" sz="1000" dirty="0" smtClean="0"/>
+              <a:rPr lang="en-US" altLang="ko-KR" sz="1000" dirty="0"/>
               <a:t>(a);	</a:t>
             </a:r>
           </a:p>
           <a:p>
-            <a:endParaRPr lang="en-US" altLang="ko-KR" sz="1000" dirty="0" smtClean="0"/>
-          </a:p>
-          <a:p>
-            <a:r>
-              <a:rPr lang="en-US" altLang="ko-KR" sz="1000" dirty="0" smtClean="0"/>
+            <a:endParaRPr lang="en-US" altLang="ko-KR" sz="1000" dirty="0"/>
+          </a:p>
+          <a:p>
+            <a:r>
+              <a:rPr lang="en-US" altLang="ko-KR" sz="1000" dirty="0"/>
               <a:t>    </a:t>
             </a:r>
             <a:r>
-              <a:rPr lang="en-US" altLang="ko-KR" sz="1000" dirty="0" err="1" smtClean="0"/>
+              <a:rPr lang="en-US" altLang="ko-KR" sz="1000" dirty="0" err="1"/>
               <a:t>int</a:t>
             </a:r>
             <a:r>
-              <a:rPr lang="en-US" altLang="ko-KR" sz="1000" dirty="0" smtClean="0"/>
+              <a:rPr lang="en-US" altLang="ko-KR" sz="1000" dirty="0"/>
               <a:t> b = (</a:t>
             </a:r>
             <a:r>
-              <a:rPr lang="en-US" altLang="ko-KR" sz="1000" dirty="0" err="1" smtClean="0"/>
+              <a:rPr lang="en-US" altLang="ko-KR" sz="1000" dirty="0" err="1"/>
               <a:t>int</a:t>
             </a:r>
             <a:r>
-              <a:rPr lang="en-US" altLang="ko-KR" sz="1000" dirty="0" smtClean="0"/>
+              <a:rPr lang="en-US" altLang="ko-KR" sz="1000" dirty="0"/>
               <a:t>)a;     </a:t>
             </a:r>
-            <a:endParaRPr lang="ko-KR" altLang="en-US" sz="1000" dirty="0" smtClean="0"/>
-          </a:p>
-          <a:p>
-            <a:r>
-              <a:rPr lang="ko-KR" altLang="en-US" sz="1000" dirty="0" smtClean="0"/>
+            <a:endParaRPr lang="ko-KR" altLang="en-US" sz="1000" dirty="0"/>
+          </a:p>
+          <a:p>
+            <a:r>
+              <a:rPr lang="ko-KR" altLang="en-US" sz="1000" dirty="0"/>
               <a:t>    </a:t>
             </a:r>
             <a:r>
-              <a:rPr lang="en-US" altLang="ko-KR" sz="1000" dirty="0" err="1" smtClean="0"/>
+              <a:rPr lang="en-US" altLang="ko-KR" sz="1000" dirty="0" err="1"/>
               <a:t>WriteLine</a:t>
             </a:r>
             <a:r>
-              <a:rPr lang="en-US" altLang="ko-KR" sz="1000" dirty="0" smtClean="0"/>
+              <a:rPr lang="en-US" altLang="ko-KR" sz="1000" dirty="0"/>
               <a:t>(b);		</a:t>
             </a:r>
             <a:r>
-              <a:rPr lang="en-US" altLang="ko-KR" sz="1000" dirty="0" smtClean="0">
+              <a:rPr lang="en-US" altLang="ko-KR" sz="1000" dirty="0">
                 <a:solidFill>
                   <a:srgbClr val="FF8184"/>
                 </a:solidFill>
@@ -12358,82 +12368,77 @@
             </a:r>
           </a:p>
           <a:p>
-            <a:endParaRPr lang="en-US" altLang="ko-KR" sz="1000" dirty="0" smtClean="0"/>
-          </a:p>
-          <a:p>
-            <a:r>
-              <a:rPr lang="en-US" altLang="ko-KR" sz="1000" dirty="0" smtClean="0"/>
+            <a:endParaRPr lang="en-US" altLang="ko-KR" sz="1000" dirty="0"/>
+          </a:p>
+          <a:p>
+            <a:r>
+              <a:rPr lang="en-US" altLang="ko-KR" sz="1000" dirty="0"/>
               <a:t>    </a:t>
             </a:r>
             <a:r>
-              <a:rPr lang="en-US" altLang="ko-KR" sz="1000" dirty="0" err="1" smtClean="0"/>
+              <a:rPr lang="en-US" altLang="ko-KR" sz="1000" dirty="0" err="1"/>
               <a:t>int</a:t>
             </a:r>
             <a:r>
-              <a:rPr lang="en-US" altLang="ko-KR" sz="1000" dirty="0" smtClean="0"/>
+              <a:rPr lang="en-US" altLang="ko-KR" sz="1000" dirty="0"/>
               <a:t> x = 130;        </a:t>
             </a:r>
-            <a:endParaRPr lang="ko-KR" altLang="en-US" sz="1000" dirty="0" smtClean="0"/>
-          </a:p>
-          <a:p>
-            <a:r>
-              <a:rPr lang="ko-KR" altLang="en-US" sz="1000" dirty="0" smtClean="0"/>
+            <a:endParaRPr lang="ko-KR" altLang="en-US" sz="1000" dirty="0"/>
+          </a:p>
+          <a:p>
+            <a:r>
+              <a:rPr lang="ko-KR" altLang="en-US" sz="1000" dirty="0"/>
               <a:t>    </a:t>
             </a:r>
-            <a:endParaRPr lang="en-US" altLang="ko-KR" sz="1000" dirty="0" smtClean="0"/>
-          </a:p>
-          <a:p>
-            <a:endParaRPr lang="en-US" altLang="ko-KR" sz="1000" dirty="0" smtClean="0"/>
-          </a:p>
-          <a:p>
-            <a:r>
-              <a:rPr lang="en-US" altLang="ko-KR" sz="1000" dirty="0" smtClean="0"/>
+            <a:endParaRPr lang="en-US" altLang="ko-KR" sz="1000" dirty="0"/>
+          </a:p>
+          <a:p>
+            <a:endParaRPr lang="en-US" altLang="ko-KR" sz="1000" dirty="0"/>
+          </a:p>
+          <a:p>
+            <a:r>
+              <a:rPr lang="en-US" altLang="ko-KR" sz="1000" dirty="0"/>
               <a:t>    </a:t>
             </a:r>
             <a:r>
-              <a:rPr lang="en-US" altLang="ko-KR" sz="1000" dirty="0" err="1" smtClean="0"/>
+              <a:rPr lang="en-US" altLang="ko-KR" sz="1000" dirty="0" err="1"/>
               <a:t>sbyte</a:t>
             </a:r>
             <a:r>
-              <a:rPr lang="en-US" altLang="ko-KR" sz="1000" dirty="0" smtClean="0"/>
+              <a:rPr lang="en-US" altLang="ko-KR" sz="1000" dirty="0"/>
               <a:t> y = (</a:t>
             </a:r>
             <a:r>
-              <a:rPr lang="en-US" altLang="ko-KR" sz="1000" dirty="0" err="1" smtClean="0"/>
+              <a:rPr lang="en-US" altLang="ko-KR" sz="1000" dirty="0" err="1"/>
               <a:t>sbyte</a:t>
             </a:r>
             <a:r>
-              <a:rPr lang="en-US" altLang="ko-KR" sz="1000" dirty="0" smtClean="0"/>
+              <a:rPr lang="en-US" altLang="ko-KR" sz="1000" dirty="0"/>
               <a:t>)x;     </a:t>
             </a:r>
-            <a:endParaRPr lang="ko-KR" altLang="en-US" sz="1000" dirty="0" smtClean="0"/>
-          </a:p>
-          <a:p>
-            <a:r>
-              <a:rPr lang="ko-KR" altLang="en-US" sz="1000" dirty="0" smtClean="0"/>
+            <a:endParaRPr lang="ko-KR" altLang="en-US" sz="1000" dirty="0"/>
+          </a:p>
+          <a:p>
+            <a:r>
+              <a:rPr lang="ko-KR" altLang="en-US" sz="1000" dirty="0"/>
               <a:t>    </a:t>
             </a:r>
             <a:r>
-              <a:rPr lang="en-US" altLang="ko-KR" sz="1000" dirty="0" err="1" smtClean="0"/>
+              <a:rPr lang="en-US" altLang="ko-KR" sz="1000" dirty="0" err="1"/>
               <a:t>WriteLine</a:t>
             </a:r>
             <a:r>
-              <a:rPr lang="en-US" altLang="ko-KR" sz="1000" dirty="0" smtClean="0"/>
+              <a:rPr lang="en-US" altLang="ko-KR" sz="1000" dirty="0"/>
               <a:t>(y);		</a:t>
             </a:r>
             <a:r>
-              <a:rPr lang="en-US" altLang="ko-KR" sz="1000" dirty="0" smtClean="0">
+              <a:rPr lang="en-US" altLang="ko-KR" sz="1000" dirty="0">
                 <a:solidFill>
                   <a:srgbClr val="FF8184"/>
                 </a:solidFill>
               </a:rPr>
               <a:t>//-126</a:t>
             </a:r>
-            <a:endParaRPr lang="en-US" altLang="ko-KR" sz="1000" dirty="0">
-              <a:solidFill>
-                <a:srgbClr val="FF8184"/>
-              </a:solidFill>
-            </a:endParaRPr>
           </a:p>
         </p:txBody>
       </p:sp>
@@ -12619,7 +12624,7 @@
         </p:nvGrpSpPr>
         <p:grpSpPr>
           <a:xfrm>
-            <a:off x="1893794" y="1904308"/>
+            <a:off x="1862707" y="1769293"/>
             <a:ext cx="2160240" cy="270030"/>
             <a:chOff x="1961710" y="2706765"/>
             <a:chExt cx="2160240" cy="270030"/>
@@ -13002,7 +13007,7 @@
         </p:nvGrpSpPr>
         <p:grpSpPr>
           <a:xfrm>
-            <a:off x="1893794" y="2273640"/>
+            <a:off x="1862707" y="2312834"/>
             <a:ext cx="2160240" cy="270030"/>
             <a:chOff x="1961710" y="2706765"/>
             <a:chExt cx="2160240" cy="270030"/>
@@ -13385,8 +13390,8 @@
         </p:nvSpPr>
         <p:spPr>
           <a:xfrm>
-            <a:off x="2013968" y="1904308"/>
-            <a:ext cx="1770036" cy="369332"/>
+            <a:off x="1873036" y="1741128"/>
+            <a:ext cx="2260555" cy="338554"/>
           </a:xfrm>
           <a:prstGeom prst="rect">
             <a:avLst/>
@@ -13394,16 +13399,16 @@
           <a:noFill/>
         </p:spPr>
         <p:txBody>
-          <a:bodyPr wrap="none" rtlCol="0">
+          <a:bodyPr wrap="square" rtlCol="0">
             <a:spAutoFit/>
           </a:bodyPr>
           <a:lstStyle/>
           <a:p>
             <a:r>
-              <a:rPr lang="en-US" altLang="ko-KR" dirty="0" smtClean="0"/>
-              <a:t>0 1 1 1 1 1 1 1</a:t>
-            </a:r>
-            <a:endParaRPr lang="ko-KR" altLang="en-US" dirty="0"/>
+              <a:rPr lang="en-US" altLang="ko-KR" sz="1600" dirty="0"/>
+              <a:t>0  1  1  1   1  1  1  1</a:t>
+            </a:r>
+            <a:endParaRPr lang="ko-KR" altLang="en-US" sz="1600" dirty="0"/>
           </a:p>
         </p:txBody>
       </p:sp>
@@ -13415,7 +13420,7 @@
         </p:nvGrpSpPr>
         <p:grpSpPr>
           <a:xfrm>
-            <a:off x="1893794" y="3029433"/>
+            <a:off x="1870250" y="2923561"/>
             <a:ext cx="2160240" cy="270030"/>
             <a:chOff x="1961710" y="2706765"/>
             <a:chExt cx="2160240" cy="270030"/>
@@ -13798,8 +13803,8 @@
         </p:nvSpPr>
         <p:spPr>
           <a:xfrm>
-            <a:off x="2013968" y="2399363"/>
-            <a:ext cx="1844964" cy="369332"/>
+            <a:off x="1870551" y="2278572"/>
+            <a:ext cx="2243425" cy="338554"/>
           </a:xfrm>
           <a:prstGeom prst="rect">
             <a:avLst/>
@@ -13813,10 +13818,10 @@
           <a:lstStyle/>
           <a:p>
             <a:r>
-              <a:rPr lang="en-US" altLang="ko-KR" dirty="0" smtClean="0"/>
-              <a:t>0 0 0 0 0 0 1 1</a:t>
-            </a:r>
-            <a:endParaRPr lang="ko-KR" altLang="en-US" dirty="0"/>
+              <a:rPr lang="en-US" altLang="ko-KR" sz="1600" dirty="0"/>
+              <a:t>0  0  0  0  0   0  1  1</a:t>
+            </a:r>
+            <a:endParaRPr lang="ko-KR" altLang="en-US" sz="1600" dirty="0"/>
           </a:p>
         </p:txBody>
       </p:sp>
@@ -13828,8 +13833,8 @@
         </p:nvSpPr>
         <p:spPr>
           <a:xfrm>
-            <a:off x="2088896" y="3114797"/>
-            <a:ext cx="1770036" cy="369332"/>
+            <a:off x="1862537" y="2889299"/>
+            <a:ext cx="2270656" cy="338554"/>
           </a:xfrm>
           <a:prstGeom prst="rect">
             <a:avLst/>
@@ -13837,16 +13842,16 @@
           <a:noFill/>
         </p:spPr>
         <p:txBody>
-          <a:bodyPr wrap="none" rtlCol="0">
+          <a:bodyPr wrap="square" rtlCol="0">
             <a:spAutoFit/>
           </a:bodyPr>
           <a:lstStyle/>
           <a:p>
             <a:r>
-              <a:rPr lang="en-US" altLang="ko-KR" dirty="0" smtClean="0"/>
-              <a:t>1 0 0 0 0 0 1 0</a:t>
-            </a:r>
-            <a:endParaRPr lang="ko-KR" altLang="en-US" dirty="0"/>
+              <a:rPr lang="en-US" altLang="ko-KR" sz="1600" dirty="0"/>
+              <a:t>1  0  0   0  0  0  1  0</a:t>
+            </a:r>
+            <a:endParaRPr lang="ko-KR" altLang="en-US" sz="1600" dirty="0"/>
           </a:p>
         </p:txBody>
       </p:sp>
@@ -13858,7 +13863,7 @@
         </p:nvGrpSpPr>
         <p:grpSpPr>
           <a:xfrm>
-            <a:off x="1893794" y="3746032"/>
+            <a:off x="1877797" y="3587511"/>
             <a:ext cx="2160240" cy="270030"/>
             <a:chOff x="1961710" y="2706765"/>
             <a:chExt cx="2160240" cy="270030"/>
@@ -14241,8 +14246,8 @@
         </p:nvSpPr>
         <p:spPr>
           <a:xfrm>
-            <a:off x="2088896" y="3831396"/>
-            <a:ext cx="1770036" cy="369332"/>
+            <a:off x="1877796" y="3549618"/>
+            <a:ext cx="2415177" cy="338554"/>
           </a:xfrm>
           <a:prstGeom prst="rect">
             <a:avLst/>
@@ -14250,16 +14255,16 @@
           <a:noFill/>
         </p:spPr>
         <p:txBody>
-          <a:bodyPr wrap="none" rtlCol="0">
+          <a:bodyPr wrap="square" rtlCol="0">
             <a:spAutoFit/>
           </a:bodyPr>
           <a:lstStyle/>
           <a:p>
             <a:r>
-              <a:rPr lang="en-US" altLang="ko-KR" dirty="0" smtClean="0"/>
-              <a:t>1 0 0 0 0 0 0 1</a:t>
-            </a:r>
-            <a:endParaRPr lang="ko-KR" altLang="en-US" dirty="0"/>
+              <a:rPr lang="en-US" altLang="ko-KR" sz="1600" dirty="0"/>
+              <a:t>1  0   0  0  0  0  0  1</a:t>
+            </a:r>
+            <a:endParaRPr lang="ko-KR" altLang="en-US" sz="1600" dirty="0"/>
           </a:p>
         </p:txBody>
       </p:sp>
@@ -14271,7 +14276,7 @@
         </p:nvGrpSpPr>
         <p:grpSpPr>
           <a:xfrm>
-            <a:off x="1698692" y="4353128"/>
+            <a:off x="1862707" y="4218113"/>
             <a:ext cx="2160240" cy="270030"/>
             <a:chOff x="1961710" y="2706765"/>
             <a:chExt cx="2160240" cy="270030"/>
@@ -14654,8 +14659,8 @@
         </p:nvSpPr>
         <p:spPr>
           <a:xfrm>
-            <a:off x="1893794" y="4438492"/>
-            <a:ext cx="1770036" cy="369332"/>
+            <a:off x="1870551" y="4183851"/>
+            <a:ext cx="2349253" cy="338554"/>
           </a:xfrm>
           <a:prstGeom prst="rect">
             <a:avLst/>
@@ -14663,16 +14668,16 @@
           <a:noFill/>
         </p:spPr>
         <p:txBody>
-          <a:bodyPr wrap="none" rtlCol="0">
+          <a:bodyPr wrap="square" rtlCol="0">
             <a:spAutoFit/>
           </a:bodyPr>
           <a:lstStyle/>
           <a:p>
             <a:r>
-              <a:rPr lang="en-US" altLang="ko-KR" dirty="0" smtClean="0"/>
-              <a:t>0 1 1 1 1 1 1 0</a:t>
-            </a:r>
-            <a:endParaRPr lang="ko-KR" altLang="en-US" dirty="0"/>
+              <a:rPr lang="en-US" altLang="ko-KR" sz="1600" dirty="0"/>
+              <a:t>0  1  1   1  1  1  1  0</a:t>
+            </a:r>
+            <a:endParaRPr lang="ko-KR" altLang="en-US" sz="1600" dirty="0"/>
           </a:p>
         </p:txBody>
       </p:sp>
@@ -15067,7 +15072,7 @@
         </p:nvGrpSpPr>
         <p:grpSpPr>
           <a:xfrm>
-            <a:off x="6424847" y="2273640"/>
+            <a:off x="6431001" y="2482695"/>
             <a:ext cx="2160240" cy="270030"/>
             <a:chOff x="1961710" y="2706765"/>
             <a:chExt cx="2160240" cy="270030"/>
@@ -15450,8 +15455,8 @@
         </p:nvSpPr>
         <p:spPr>
           <a:xfrm>
-            <a:off x="6545021" y="1904308"/>
-            <a:ext cx="1770036" cy="369332"/>
+            <a:off x="6421789" y="1881079"/>
+            <a:ext cx="2253950" cy="338554"/>
           </a:xfrm>
           <a:prstGeom prst="rect">
             <a:avLst/>
@@ -15459,16 +15464,16 @@
           <a:noFill/>
         </p:spPr>
         <p:txBody>
-          <a:bodyPr wrap="none" rtlCol="0">
+          <a:bodyPr wrap="square" rtlCol="0">
             <a:spAutoFit/>
           </a:bodyPr>
           <a:lstStyle/>
           <a:p>
             <a:r>
-              <a:rPr lang="en-US" altLang="ko-KR" dirty="0" smtClean="0"/>
-              <a:t>0 0 0 1 1 1 1 0</a:t>
-            </a:r>
-            <a:endParaRPr lang="ko-KR" altLang="en-US" dirty="0"/>
+              <a:rPr lang="en-US" altLang="ko-KR" sz="1600" dirty="0"/>
+              <a:t>0  0   0  1  1  1  1  0</a:t>
+            </a:r>
+            <a:endParaRPr lang="ko-KR" altLang="en-US" sz="1600" dirty="0"/>
           </a:p>
         </p:txBody>
       </p:sp>
@@ -15480,7 +15485,7 @@
         </p:nvGrpSpPr>
         <p:grpSpPr>
           <a:xfrm>
-            <a:off x="6424847" y="3029433"/>
+            <a:off x="6439552" y="3085063"/>
             <a:ext cx="2160240" cy="270030"/>
             <a:chOff x="1961710" y="2706765"/>
             <a:chExt cx="2160240" cy="270030"/>
@@ -15863,8 +15868,8 @@
         </p:nvSpPr>
         <p:spPr>
           <a:xfrm>
-            <a:off x="6619949" y="3114797"/>
-            <a:ext cx="1770036" cy="369332"/>
+            <a:off x="6428150" y="3045869"/>
+            <a:ext cx="2262294" cy="338554"/>
           </a:xfrm>
           <a:prstGeom prst="rect">
             <a:avLst/>
@@ -15872,16 +15877,16 @@
           <a:noFill/>
         </p:spPr>
         <p:txBody>
-          <a:bodyPr wrap="none" rtlCol="0">
+          <a:bodyPr wrap="square" rtlCol="0">
             <a:spAutoFit/>
           </a:bodyPr>
           <a:lstStyle/>
           <a:p>
             <a:r>
-              <a:rPr lang="en-US" altLang="ko-KR" dirty="0" smtClean="0"/>
-              <a:t>1 1 1 0 0 0 1 0</a:t>
-            </a:r>
-            <a:endParaRPr lang="ko-KR" altLang="en-US" dirty="0"/>
+              <a:rPr lang="en-US" altLang="ko-KR" sz="1600" dirty="0"/>
+              <a:t>1  1  1   0  0  0  1  0</a:t>
+            </a:r>
+            <a:endParaRPr lang="ko-KR" altLang="en-US" sz="1600" dirty="0"/>
           </a:p>
         </p:txBody>
       </p:sp>
@@ -15893,7 +15898,7 @@
         </p:nvGrpSpPr>
         <p:grpSpPr>
           <a:xfrm>
-            <a:off x="6424847" y="3746032"/>
+            <a:off x="6439553" y="3865270"/>
             <a:ext cx="2160240" cy="270030"/>
             <a:chOff x="1961710" y="2706765"/>
             <a:chExt cx="2160240" cy="270030"/>
@@ -16276,38 +16281,8 @@
         </p:nvSpPr>
         <p:spPr>
           <a:xfrm>
-            <a:off x="6619949" y="3831396"/>
-            <a:ext cx="1770036" cy="369332"/>
-          </a:xfrm>
-          <a:prstGeom prst="rect">
-            <a:avLst/>
-          </a:prstGeom>
-          <a:noFill/>
-        </p:spPr>
-        <p:txBody>
-          <a:bodyPr wrap="none" rtlCol="0">
-            <a:spAutoFit/>
-          </a:bodyPr>
-          <a:lstStyle/>
-          <a:p>
-            <a:r>
-              <a:rPr lang="en-US" altLang="ko-KR" dirty="0" smtClean="0"/>
-              <a:t>1 1 1 0 0 0 1 0</a:t>
-            </a:r>
-            <a:endParaRPr lang="ko-KR" altLang="en-US" dirty="0"/>
-          </a:p>
-        </p:txBody>
-      </p:sp>
-      <p:sp>
-        <p:nvSpPr>
-          <p:cNvPr id="130" name="TextBox 129"/>
-          <p:cNvSpPr txBox="1"/>
-          <p:nvPr/>
-        </p:nvSpPr>
-        <p:spPr>
-          <a:xfrm>
-            <a:off x="6499775" y="2399363"/>
-            <a:ext cx="1844964" cy="369332"/>
+            <a:off x="6428150" y="3845297"/>
+            <a:ext cx="2253949" cy="338554"/>
           </a:xfrm>
           <a:prstGeom prst="rect">
             <a:avLst/>
@@ -16321,10 +16296,411 @@
           <a:lstStyle/>
           <a:p>
             <a:r>
-              <a:rPr lang="en-US" altLang="ko-KR" dirty="0" smtClean="0"/>
-              <a:t>1 1 1 0 0 0 0 1</a:t>
-            </a:r>
-            <a:endParaRPr lang="ko-KR" altLang="en-US" dirty="0"/>
+              <a:rPr lang="en-US" altLang="ko-KR" sz="1600" dirty="0"/>
+              <a:t>1  1  1   0  0  0  1  0</a:t>
+            </a:r>
+            <a:endParaRPr lang="ko-KR" altLang="en-US" sz="1600" dirty="0"/>
+          </a:p>
+        </p:txBody>
+      </p:sp>
+      <p:sp>
+        <p:nvSpPr>
+          <p:cNvPr id="130" name="TextBox 129"/>
+          <p:cNvSpPr txBox="1"/>
+          <p:nvPr/>
+        </p:nvSpPr>
+        <p:spPr>
+          <a:xfrm>
+            <a:off x="6424847" y="2463474"/>
+            <a:ext cx="2257045" cy="338554"/>
+          </a:xfrm>
+          <a:prstGeom prst="rect">
+            <a:avLst/>
+          </a:prstGeom>
+          <a:noFill/>
+        </p:spPr>
+        <p:txBody>
+          <a:bodyPr wrap="square" rtlCol="0">
+            <a:spAutoFit/>
+          </a:bodyPr>
+          <a:lstStyle/>
+          <a:p>
+            <a:r>
+              <a:rPr lang="en-US" altLang="ko-KR" sz="1600" dirty="0"/>
+              <a:t>1  1   1  0  0  0  0  1</a:t>
+            </a:r>
+            <a:endParaRPr lang="ko-KR" altLang="en-US" sz="1600" dirty="0"/>
+          </a:p>
+        </p:txBody>
+      </p:sp>
+      <p:sp>
+        <p:nvSpPr>
+          <p:cNvPr id="2" name="더하기 기호 1">
+            <a:extLst>
+              <a:ext uri="{FF2B5EF4-FFF2-40B4-BE49-F238E27FC236}">
+                <a16:creationId xmlns:a16="http://schemas.microsoft.com/office/drawing/2014/main" id="{0CBE1607-FAF5-4B72-87C1-8EA0BC6335DD}"/>
+              </a:ext>
+            </a:extLst>
+          </p:cNvPr>
+          <p:cNvSpPr/>
+          <p:nvPr/>
+        </p:nvSpPr>
+        <p:spPr>
+          <a:xfrm>
+            <a:off x="2835039" y="2067488"/>
+            <a:ext cx="213234" cy="213234"/>
+          </a:xfrm>
+          <a:prstGeom prst="mathPlus">
+            <a:avLst/>
+          </a:prstGeom>
+          <a:solidFill>
+            <a:srgbClr val="FF0000"/>
+          </a:solidFill>
+          <a:ln>
+            <a:noFill/>
+          </a:ln>
+        </p:spPr>
+        <p:style>
+          <a:lnRef idx="2">
+            <a:schemeClr val="accent1">
+              <a:shade val="50000"/>
+            </a:schemeClr>
+          </a:lnRef>
+          <a:fillRef idx="1">
+            <a:schemeClr val="accent1"/>
+          </a:fillRef>
+          <a:effectRef idx="0">
+            <a:schemeClr val="accent1"/>
+          </a:effectRef>
+          <a:fontRef idx="minor">
+            <a:schemeClr val="lt1"/>
+          </a:fontRef>
+        </p:style>
+        <p:txBody>
+          <a:bodyPr rtlCol="0" anchor="ctr"/>
+          <a:lstStyle/>
+          <a:p>
+            <a:pPr algn="ctr"/>
+            <a:endParaRPr lang="ko-KR" altLang="en-US"/>
+          </a:p>
+        </p:txBody>
+      </p:sp>
+      <p:sp>
+        <p:nvSpPr>
+          <p:cNvPr id="3" name="같음 기호 2">
+            <a:extLst>
+              <a:ext uri="{FF2B5EF4-FFF2-40B4-BE49-F238E27FC236}">
+                <a16:creationId xmlns:a16="http://schemas.microsoft.com/office/drawing/2014/main" id="{A7F51356-EBE5-4CC3-99DA-166D6B1EEFEC}"/>
+              </a:ext>
+            </a:extLst>
+          </p:cNvPr>
+          <p:cNvSpPr/>
+          <p:nvPr/>
+        </p:nvSpPr>
+        <p:spPr>
+          <a:xfrm>
+            <a:off x="2800459" y="2620863"/>
+            <a:ext cx="291978" cy="302698"/>
+          </a:xfrm>
+          <a:prstGeom prst="mathEqual">
+            <a:avLst>
+              <a:gd name="adj1" fmla="val 23520"/>
+              <a:gd name="adj2" fmla="val 15980"/>
+            </a:avLst>
+          </a:prstGeom>
+          <a:solidFill>
+            <a:srgbClr val="FF0000"/>
+          </a:solidFill>
+          <a:ln>
+            <a:noFill/>
+          </a:ln>
+        </p:spPr>
+        <p:style>
+          <a:lnRef idx="2">
+            <a:schemeClr val="accent1">
+              <a:shade val="50000"/>
+            </a:schemeClr>
+          </a:lnRef>
+          <a:fillRef idx="1">
+            <a:schemeClr val="accent1"/>
+          </a:fillRef>
+          <a:effectRef idx="0">
+            <a:schemeClr val="accent1"/>
+          </a:effectRef>
+          <a:fontRef idx="minor">
+            <a:schemeClr val="lt1"/>
+          </a:fontRef>
+        </p:style>
+        <p:txBody>
+          <a:bodyPr rtlCol="0" anchor="ctr"/>
+          <a:lstStyle/>
+          <a:p>
+            <a:pPr algn="ctr"/>
+            <a:endParaRPr lang="ko-KR" altLang="en-US">
+              <a:solidFill>
+                <a:schemeClr val="tx1"/>
+              </a:solidFill>
+            </a:endParaRPr>
+          </a:p>
+        </p:txBody>
+      </p:sp>
+      <p:sp>
+        <p:nvSpPr>
+          <p:cNvPr id="4" name="화살표: 아래쪽 3">
+            <a:extLst>
+              <a:ext uri="{FF2B5EF4-FFF2-40B4-BE49-F238E27FC236}">
+                <a16:creationId xmlns:a16="http://schemas.microsoft.com/office/drawing/2014/main" id="{45811A22-2103-4FD4-B411-85B8EE116AEB}"/>
+              </a:ext>
+            </a:extLst>
+          </p:cNvPr>
+          <p:cNvSpPr/>
+          <p:nvPr/>
+        </p:nvSpPr>
+        <p:spPr>
+          <a:xfrm>
+            <a:off x="2893320" y="3279925"/>
+            <a:ext cx="129194" cy="260826"/>
+          </a:xfrm>
+          <a:prstGeom prst="downArrow">
+            <a:avLst/>
+          </a:prstGeom>
+          <a:solidFill>
+            <a:srgbClr val="FF0000"/>
+          </a:solidFill>
+          <a:ln>
+            <a:noFill/>
+          </a:ln>
+        </p:spPr>
+        <p:style>
+          <a:lnRef idx="2">
+            <a:schemeClr val="accent1">
+              <a:shade val="50000"/>
+            </a:schemeClr>
+          </a:lnRef>
+          <a:fillRef idx="1">
+            <a:schemeClr val="accent1"/>
+          </a:fillRef>
+          <a:effectRef idx="0">
+            <a:schemeClr val="accent1"/>
+          </a:effectRef>
+          <a:fontRef idx="minor">
+            <a:schemeClr val="lt1"/>
+          </a:fontRef>
+        </p:style>
+        <p:txBody>
+          <a:bodyPr rtlCol="0" anchor="ctr"/>
+          <a:lstStyle/>
+          <a:p>
+            <a:pPr algn="ctr"/>
+            <a:endParaRPr lang="ko-KR" altLang="en-US"/>
+          </a:p>
+        </p:txBody>
+      </p:sp>
+      <p:sp>
+        <p:nvSpPr>
+          <p:cNvPr id="120" name="화살표: 아래쪽 119">
+            <a:extLst>
+              <a:ext uri="{FF2B5EF4-FFF2-40B4-BE49-F238E27FC236}">
+                <a16:creationId xmlns:a16="http://schemas.microsoft.com/office/drawing/2014/main" id="{A9629AFD-4088-4F51-BEBA-8357B8092158}"/>
+              </a:ext>
+            </a:extLst>
+          </p:cNvPr>
+          <p:cNvSpPr/>
+          <p:nvPr/>
+        </p:nvSpPr>
+        <p:spPr>
+          <a:xfrm>
+            <a:off x="2878230" y="3923025"/>
+            <a:ext cx="129194" cy="260826"/>
+          </a:xfrm>
+          <a:prstGeom prst="downArrow">
+            <a:avLst/>
+          </a:prstGeom>
+          <a:solidFill>
+            <a:srgbClr val="FF0000"/>
+          </a:solidFill>
+          <a:ln>
+            <a:noFill/>
+          </a:ln>
+        </p:spPr>
+        <p:style>
+          <a:lnRef idx="2">
+            <a:schemeClr val="accent1">
+              <a:shade val="50000"/>
+            </a:schemeClr>
+          </a:lnRef>
+          <a:fillRef idx="1">
+            <a:schemeClr val="accent1"/>
+          </a:fillRef>
+          <a:effectRef idx="0">
+            <a:schemeClr val="accent1"/>
+          </a:effectRef>
+          <a:fontRef idx="minor">
+            <a:schemeClr val="lt1"/>
+          </a:fontRef>
+        </p:style>
+        <p:txBody>
+          <a:bodyPr rtlCol="0" anchor="ctr"/>
+          <a:lstStyle/>
+          <a:p>
+            <a:pPr algn="ctr"/>
+            <a:endParaRPr lang="ko-KR" altLang="en-US"/>
+          </a:p>
+        </p:txBody>
+      </p:sp>
+      <p:sp>
+        <p:nvSpPr>
+          <p:cNvPr id="6" name="직사각형 5">
+            <a:extLst>
+              <a:ext uri="{FF2B5EF4-FFF2-40B4-BE49-F238E27FC236}">
+                <a16:creationId xmlns:a16="http://schemas.microsoft.com/office/drawing/2014/main" id="{E055EE2F-BF25-4739-A11A-0D5788570AE2}"/>
+              </a:ext>
+            </a:extLst>
+          </p:cNvPr>
+          <p:cNvSpPr/>
+          <p:nvPr/>
+        </p:nvSpPr>
+        <p:spPr>
+          <a:xfrm>
+            <a:off x="1827684" y="2882401"/>
+            <a:ext cx="2223038" cy="354319"/>
+          </a:xfrm>
+          <a:prstGeom prst="rect">
+            <a:avLst/>
+          </a:prstGeom>
+          <a:noFill/>
+          <a:ln>
+            <a:solidFill>
+              <a:srgbClr val="C00000"/>
+            </a:solidFill>
+          </a:ln>
+        </p:spPr>
+        <p:style>
+          <a:lnRef idx="2">
+            <a:schemeClr val="accent1">
+              <a:shade val="50000"/>
+            </a:schemeClr>
+          </a:lnRef>
+          <a:fillRef idx="1">
+            <a:schemeClr val="accent1"/>
+          </a:fillRef>
+          <a:effectRef idx="0">
+            <a:schemeClr val="accent1"/>
+          </a:effectRef>
+          <a:fontRef idx="minor">
+            <a:schemeClr val="lt1"/>
+          </a:fontRef>
+        </p:style>
+        <p:txBody>
+          <a:bodyPr rtlCol="0" anchor="ctr"/>
+          <a:lstStyle/>
+          <a:p>
+            <a:pPr algn="ctr"/>
+            <a:endParaRPr lang="ko-KR" altLang="en-US"/>
+          </a:p>
+        </p:txBody>
+      </p:sp>
+      <p:sp>
+        <p:nvSpPr>
+          <p:cNvPr id="121" name="화살표: 아래쪽 120">
+            <a:extLst>
+              <a:ext uri="{FF2B5EF4-FFF2-40B4-BE49-F238E27FC236}">
+                <a16:creationId xmlns:a16="http://schemas.microsoft.com/office/drawing/2014/main" id="{4974DAA2-6140-47BC-BAB9-5E27A754F7EF}"/>
+              </a:ext>
+            </a:extLst>
+          </p:cNvPr>
+          <p:cNvSpPr/>
+          <p:nvPr/>
+        </p:nvSpPr>
+        <p:spPr>
+          <a:xfrm>
+            <a:off x="7446524" y="2197539"/>
+            <a:ext cx="129194" cy="260826"/>
+          </a:xfrm>
+          <a:prstGeom prst="downArrow">
+            <a:avLst/>
+          </a:prstGeom>
+          <a:solidFill>
+            <a:srgbClr val="FF0000"/>
+          </a:solidFill>
+          <a:ln>
+            <a:noFill/>
+          </a:ln>
+        </p:spPr>
+        <p:style>
+          <a:lnRef idx="2">
+            <a:schemeClr val="accent1">
+              <a:shade val="50000"/>
+            </a:schemeClr>
+          </a:lnRef>
+          <a:fillRef idx="1">
+            <a:schemeClr val="accent1"/>
+          </a:fillRef>
+          <a:effectRef idx="0">
+            <a:schemeClr val="accent1"/>
+          </a:effectRef>
+          <a:fontRef idx="minor">
+            <a:schemeClr val="lt1"/>
+          </a:fontRef>
+        </p:style>
+        <p:txBody>
+          <a:bodyPr rtlCol="0" anchor="ctr"/>
+          <a:lstStyle/>
+          <a:p>
+            <a:pPr algn="ctr"/>
+            <a:endParaRPr lang="ko-KR" altLang="en-US"/>
+          </a:p>
+        </p:txBody>
+      </p:sp>
+      <p:sp>
+        <p:nvSpPr>
+          <p:cNvPr id="122" name="화살표: 아래쪽 121">
+            <a:extLst>
+              <a:ext uri="{FF2B5EF4-FFF2-40B4-BE49-F238E27FC236}">
+                <a16:creationId xmlns:a16="http://schemas.microsoft.com/office/drawing/2014/main" id="{E391D979-224E-4A4C-8C4C-A833B75787D6}"/>
+              </a:ext>
+            </a:extLst>
+          </p:cNvPr>
+          <p:cNvSpPr/>
+          <p:nvPr/>
+        </p:nvSpPr>
+        <p:spPr>
+          <a:xfrm>
+            <a:off x="7446524" y="2785656"/>
+            <a:ext cx="129194" cy="260826"/>
+          </a:xfrm>
+          <a:prstGeom prst="downArrow">
+            <a:avLst/>
+          </a:prstGeom>
+          <a:solidFill>
+            <a:srgbClr val="FF0000"/>
+          </a:solidFill>
+          <a:ln>
+            <a:noFill/>
+          </a:ln>
+        </p:spPr>
+        <p:style>
+          <a:lnRef idx="2">
+            <a:schemeClr val="accent1">
+              <a:shade val="50000"/>
+            </a:schemeClr>
+          </a:lnRef>
+          <a:fillRef idx="1">
+            <a:schemeClr val="accent1"/>
+          </a:fillRef>
+          <a:effectRef idx="0">
+            <a:schemeClr val="accent1"/>
+          </a:effectRef>
+          <a:fontRef idx="minor">
+            <a:schemeClr val="lt1"/>
+          </a:fontRef>
+        </p:style>
+        <p:txBody>
+          <a:bodyPr rtlCol="0" anchor="ctr"/>
+          <a:lstStyle/>
+          <a:p>
+            <a:pPr algn="ctr"/>
+            <a:endParaRPr lang="ko-KR" altLang="en-US"/>
           </a:p>
         </p:txBody>
       </p:sp>
@@ -16355,13 +16731,67 @@
       </p:grpSpPr>
       <p:sp>
         <p:nvSpPr>
+          <p:cNvPr id="18" name="직사각형 17">
+            <a:extLst>
+              <a:ext uri="{FF2B5EF4-FFF2-40B4-BE49-F238E27FC236}">
+                <a16:creationId xmlns:a16="http://schemas.microsoft.com/office/drawing/2014/main" id="{99525E98-09F7-46FF-9029-80AEC3A9663A}"/>
+              </a:ext>
+            </a:extLst>
+          </p:cNvPr>
+          <p:cNvSpPr/>
+          <p:nvPr/>
+        </p:nvSpPr>
+        <p:spPr>
+          <a:xfrm>
+            <a:off x="244721" y="1326205"/>
+            <a:ext cx="1217000" cy="401751"/>
+          </a:xfrm>
+          <a:prstGeom prst="rect">
+            <a:avLst/>
+          </a:prstGeom>
+          <a:solidFill>
+            <a:srgbClr val="FF0000"/>
+          </a:solidFill>
+          <a:ln>
+            <a:solidFill>
+              <a:srgbClr val="FF0000"/>
+            </a:solidFill>
+          </a:ln>
+        </p:spPr>
+        <p:style>
+          <a:lnRef idx="2">
+            <a:schemeClr val="accent1">
+              <a:shade val="50000"/>
+            </a:schemeClr>
+          </a:lnRef>
+          <a:fillRef idx="1">
+            <a:schemeClr val="accent1"/>
+          </a:fillRef>
+          <a:effectRef idx="0">
+            <a:schemeClr val="accent1"/>
+          </a:effectRef>
+          <a:fontRef idx="minor">
+            <a:schemeClr val="lt1"/>
+          </a:fontRef>
+        </p:style>
+        <p:txBody>
+          <a:bodyPr rtlCol="0" anchor="ctr"/>
+          <a:lstStyle/>
+          <a:p>
+            <a:pPr algn="ctr"/>
+            <a:endParaRPr lang="ko-KR" altLang="en-US"/>
+          </a:p>
+        </p:txBody>
+      </p:sp>
+      <p:sp>
+        <p:nvSpPr>
           <p:cNvPr id="35" name="직사각형 34"/>
           <p:cNvSpPr/>
           <p:nvPr/>
         </p:nvSpPr>
         <p:spPr>
           <a:xfrm>
-            <a:off x="6507215" y="1140171"/>
+            <a:off x="6038410" y="1339542"/>
             <a:ext cx="1133353" cy="372067"/>
           </a:xfrm>
           <a:prstGeom prst="rect">
@@ -16403,61 +16833,13 @@
       </p:sp>
       <p:sp>
         <p:nvSpPr>
-          <p:cNvPr id="22" name="직사각형 21"/>
-          <p:cNvSpPr/>
-          <p:nvPr/>
-        </p:nvSpPr>
-        <p:spPr>
-          <a:xfrm>
-            <a:off x="449565" y="1326205"/>
-            <a:ext cx="1133353" cy="372067"/>
-          </a:xfrm>
-          <a:prstGeom prst="rect">
-            <a:avLst/>
-          </a:prstGeom>
-          <a:solidFill>
-            <a:srgbClr val="FF0000"/>
-          </a:solidFill>
-          <a:ln>
-            <a:solidFill>
-              <a:srgbClr val="FF0000"/>
-            </a:solidFill>
-          </a:ln>
-        </p:spPr>
-        <p:style>
-          <a:lnRef idx="2">
-            <a:schemeClr val="accent1">
-              <a:shade val="50000"/>
-            </a:schemeClr>
-          </a:lnRef>
-          <a:fillRef idx="1">
-            <a:schemeClr val="accent1"/>
-          </a:fillRef>
-          <a:effectRef idx="0">
-            <a:schemeClr val="accent1"/>
-          </a:effectRef>
-          <a:fontRef idx="minor">
-            <a:schemeClr val="lt1"/>
-          </a:fontRef>
-        </p:style>
-        <p:txBody>
-          <a:bodyPr rtlCol="0" anchor="ctr"/>
-          <a:lstStyle/>
-          <a:p>
-            <a:pPr algn="ctr"/>
-            <a:endParaRPr lang="ko-KR" altLang="en-US"/>
-          </a:p>
-        </p:txBody>
-      </p:sp>
-      <p:sp>
-        <p:nvSpPr>
           <p:cNvPr id="6" name="TextBox 5"/>
           <p:cNvSpPr txBox="1"/>
           <p:nvPr/>
         </p:nvSpPr>
         <p:spPr>
           <a:xfrm>
-            <a:off x="359737" y="1328940"/>
+            <a:off x="203042" y="1330106"/>
             <a:ext cx="1300357" cy="400110"/>
           </a:xfrm>
           <a:prstGeom prst="rect">
@@ -16504,7 +16886,7 @@
           <p:cNvPr id="2" name="그룹 5">
             <a:extLst>
               <a:ext uri="{FF2B5EF4-FFF2-40B4-BE49-F238E27FC236}">
-                <a16:creationId xmlns:a16="http://schemas.microsoft.com/office/drawing/2014/main" xmlns="" id="{44F5B724-E981-4F07-8699-85332FC5EF5A}"/>
+                <a16:creationId xmlns:a16="http://schemas.microsoft.com/office/drawing/2014/main" id="{44F5B724-E981-4F07-8699-85332FC5EF5A}"/>
               </a:ext>
             </a:extLst>
           </p:cNvPr>
@@ -16524,7 +16906,7 @@
             <p:cNvPr id="12" name="사각형: 둥근 모서리 6">
               <a:extLst>
                 <a:ext uri="{FF2B5EF4-FFF2-40B4-BE49-F238E27FC236}">
-                  <a16:creationId xmlns:a16="http://schemas.microsoft.com/office/drawing/2014/main" xmlns="" id="{0BA180D6-86CE-44E2-BB38-2511C93DED47}"/>
+                  <a16:creationId xmlns:a16="http://schemas.microsoft.com/office/drawing/2014/main" id="{0BA180D6-86CE-44E2-BB38-2511C93DED47}"/>
                 </a:ext>
               </a:extLst>
             </p:cNvPr>
@@ -16576,7 +16958,7 @@
             <p:cNvPr id="13" name="사각형: 둥근 모서리 7">
               <a:extLst>
                 <a:ext uri="{FF2B5EF4-FFF2-40B4-BE49-F238E27FC236}">
-                  <a16:creationId xmlns:a16="http://schemas.microsoft.com/office/drawing/2014/main" xmlns="" id="{00DA7CDB-E243-47B7-9A5C-6C6E008940D9}"/>
+                  <a16:creationId xmlns:a16="http://schemas.microsoft.com/office/drawing/2014/main" id="{00DA7CDB-E243-47B7-9A5C-6C6E008940D9}"/>
                 </a:ext>
               </a:extLst>
             </p:cNvPr>
@@ -16630,7 +17012,7 @@
             <p:cNvPr id="14" name="TextBox 13">
               <a:extLst>
                 <a:ext uri="{FF2B5EF4-FFF2-40B4-BE49-F238E27FC236}">
-                  <a16:creationId xmlns:a16="http://schemas.microsoft.com/office/drawing/2014/main" xmlns="" id="{CDDB91A3-B27F-4B00-A98D-FB4B45061C21}"/>
+                  <a16:creationId xmlns:a16="http://schemas.microsoft.com/office/drawing/2014/main" id="{CDDB91A3-B27F-4B00-A98D-FB4B45061C21}"/>
                 </a:ext>
               </a:extLst>
             </p:cNvPr>
@@ -16712,7 +17094,7 @@
           <p:cNvPr id="17" name="직선 연결선 16">
             <a:extLst>
               <a:ext uri="{FF2B5EF4-FFF2-40B4-BE49-F238E27FC236}">
-                <a16:creationId xmlns:a16="http://schemas.microsoft.com/office/drawing/2014/main" xmlns="" id="{8F39F5B7-40A4-49C1-BFB1-9FAFD5A9F098}"/>
+                <a16:creationId xmlns:a16="http://schemas.microsoft.com/office/drawing/2014/main" id="{8F39F5B7-40A4-49C1-BFB1-9FAFD5A9F098}"/>
               </a:ext>
             </a:extLst>
           </p:cNvPr>
@@ -16758,7 +17140,7 @@
         </p:nvSpPr>
         <p:spPr>
           <a:xfrm>
-            <a:off x="3896925" y="1295974"/>
+            <a:off x="3787012" y="1335577"/>
             <a:ext cx="1300356" cy="402298"/>
           </a:xfrm>
           <a:prstGeom prst="rect">
@@ -16806,7 +17188,7 @@
         </p:nvSpPr>
         <p:spPr>
           <a:xfrm>
-            <a:off x="3896925" y="1295974"/>
+            <a:off x="3787012" y="1335577"/>
             <a:ext cx="1300356" cy="400110"/>
           </a:xfrm>
           <a:prstGeom prst="rect">
@@ -16856,7 +17238,7 @@
         </p:nvSpPr>
         <p:spPr>
           <a:xfrm>
-            <a:off x="3806914" y="2391730"/>
+            <a:off x="3763261" y="2415271"/>
             <a:ext cx="1755195" cy="1785104"/>
           </a:xfrm>
           <a:prstGeom prst="rect">
@@ -16915,15 +17297,7 @@
                   <a:srgbClr val="FF8184"/>
                 </a:solidFill>
               </a:rPr>
-              <a:t>//</a:t>
-            </a:r>
-            <a:r>
-              <a:rPr lang="en-US" altLang="ko-KR" sz="1000" dirty="0" smtClean="0">
-                <a:solidFill>
-                  <a:srgbClr val="FF8184"/>
-                </a:solidFill>
-              </a:rPr>
-              <a:t>0</a:t>
+              <a:t>//0</a:t>
             </a:r>
           </a:p>
           <a:p>
@@ -16989,7 +17363,7 @@
         </p:nvSpPr>
         <p:spPr>
           <a:xfrm>
-            <a:off x="217303" y="2111295"/>
+            <a:off x="95778" y="2160898"/>
             <a:ext cx="3191340" cy="2554545"/>
           </a:xfrm>
           <a:prstGeom prst="rect">
@@ -17197,7 +17571,7 @@
         </p:nvSpPr>
         <p:spPr>
           <a:xfrm>
-            <a:off x="6507215" y="1126150"/>
+            <a:off x="6038410" y="1325521"/>
             <a:ext cx="1172116" cy="400110"/>
           </a:xfrm>
           <a:prstGeom prst="rect">
@@ -17220,7 +17594,7 @@
               </a:rPr>
               <a:t>문자열과 </a:t>
             </a:r>
-            <a:endParaRPr lang="en-US" altLang="ko-KR" sz="1000" b="1" dirty="0" smtClean="0">
+            <a:endParaRPr lang="en-US" altLang="ko-KR" sz="1000" b="1" dirty="0">
               <a:solidFill>
                 <a:schemeClr val="bg1"/>
               </a:solidFill>
@@ -17228,21 +17602,13 @@
           </a:p>
           <a:p>
             <a:pPr algn="ctr"/>
-            <a:r>
-              <a:rPr lang="ko-KR" altLang="en-US" sz="1000" b="1" dirty="0" smtClean="0">
-                <a:solidFill>
-                  <a:schemeClr val="bg1"/>
-                </a:solidFill>
-              </a:rPr>
-              <a:t>숫자 </a:t>
-            </a:r>
             <a:r>
               <a:rPr lang="ko-KR" altLang="en-US" sz="1000" b="1" dirty="0">
                 <a:solidFill>
                   <a:schemeClr val="bg1"/>
                 </a:solidFill>
               </a:rPr>
-              <a:t>사이의 변환</a:t>
+              <a:t>숫자 사이의 변환</a:t>
             </a:r>
           </a:p>
         </p:txBody>
@@ -17255,8 +17621,8 @@
         </p:nvSpPr>
         <p:spPr>
           <a:xfrm>
-            <a:off x="6057165" y="1803518"/>
-            <a:ext cx="2929007" cy="2862322"/>
+            <a:off x="5815379" y="2170228"/>
+            <a:ext cx="2929007" cy="2554545"/>
           </a:xfrm>
           <a:prstGeom prst="rect">
             <a:avLst/>
@@ -17271,35 +17637,7 @@
           <a:p>
             <a:r>
               <a:rPr lang="en-US" altLang="ko-KR" sz="1000" dirty="0"/>
-              <a:t>static void Main(string[] </a:t>
-            </a:r>
-            <a:r>
-              <a:rPr lang="en-US" altLang="ko-KR" sz="1000" dirty="0" err="1"/>
-              <a:t>args</a:t>
-            </a:r>
-            <a:r>
-              <a:rPr lang="en-US" altLang="ko-KR" sz="1000" dirty="0"/>
-              <a:t>)</a:t>
-            </a:r>
-          </a:p>
-          <a:p>
-            <a:r>
-              <a:rPr lang="en-US" altLang="ko-KR" sz="1000" dirty="0"/>
-              <a:t>{</a:t>
-            </a:r>
-          </a:p>
-          <a:p>
-            <a:r>
-              <a:rPr lang="en-US" altLang="ko-KR" sz="1000" dirty="0"/>
-              <a:t> </a:t>
-            </a:r>
-            <a:r>
-              <a:rPr lang="en-US" altLang="ko-KR" sz="1000" dirty="0" err="1"/>
-              <a:t>int</a:t>
-            </a:r>
-            <a:r>
-              <a:rPr lang="en-US" altLang="ko-KR" sz="1000" dirty="0"/>
-              <a:t> a = 123;</a:t>
+              <a:t>int a = 123;</a:t>
             </a:r>
           </a:p>
           <a:p>
@@ -17525,10 +17863,6 @@
             </a:endParaRPr>
           </a:p>
           <a:p>
-            <a:r>
-              <a:rPr lang="en-US" altLang="ko-KR" sz="1000" dirty="0"/>
-              <a:t>}</a:t>
-            </a:r>
             <a:endParaRPr lang="ko-KR" altLang="en-US" sz="1000" dirty="0"/>
           </a:p>
         </p:txBody>
@@ -17538,7 +17872,7 @@
           <p:cNvPr id="36" name="직선 연결선 35">
             <a:extLst>
               <a:ext uri="{FF2B5EF4-FFF2-40B4-BE49-F238E27FC236}">
-                <a16:creationId xmlns:a16="http://schemas.microsoft.com/office/drawing/2014/main" xmlns="" id="{8F39F5B7-40A4-49C1-BFB1-9FAFD5A9F098}"/>
+                <a16:creationId xmlns:a16="http://schemas.microsoft.com/office/drawing/2014/main" id="{8F39F5B7-40A4-49C1-BFB1-9FAFD5A9F098}"/>
               </a:ext>
             </a:extLst>
           </p:cNvPr>
@@ -17547,7 +17881,7 @@
         </p:nvCxnSpPr>
         <p:spPr>
           <a:xfrm flipH="1">
-            <a:off x="6057165" y="1201607"/>
+            <a:off x="5360540" y="1201607"/>
             <a:ext cx="1" cy="3753708"/>
           </a:xfrm>
           <a:prstGeom prst="line">
@@ -17606,7 +17940,7 @@
           <p:cNvPr id="5" name="그룹 5">
             <a:extLst>
               <a:ext uri="{FF2B5EF4-FFF2-40B4-BE49-F238E27FC236}">
-                <a16:creationId xmlns:a16="http://schemas.microsoft.com/office/drawing/2014/main" xmlns="" id="{44F5B724-E981-4F07-8699-85332FC5EF5A}"/>
+                <a16:creationId xmlns:a16="http://schemas.microsoft.com/office/drawing/2014/main" id="{44F5B724-E981-4F07-8699-85332FC5EF5A}"/>
               </a:ext>
             </a:extLst>
           </p:cNvPr>
@@ -17626,7 +17960,7 @@
             <p:cNvPr id="6" name="사각형: 둥근 모서리 6">
               <a:extLst>
                 <a:ext uri="{FF2B5EF4-FFF2-40B4-BE49-F238E27FC236}">
-                  <a16:creationId xmlns:a16="http://schemas.microsoft.com/office/drawing/2014/main" xmlns="" id="{0BA180D6-86CE-44E2-BB38-2511C93DED47}"/>
+                  <a16:creationId xmlns:a16="http://schemas.microsoft.com/office/drawing/2014/main" id="{0BA180D6-86CE-44E2-BB38-2511C93DED47}"/>
                 </a:ext>
               </a:extLst>
             </p:cNvPr>
@@ -17678,7 +18012,7 @@
             <p:cNvPr id="7" name="사각형: 둥근 모서리 7">
               <a:extLst>
                 <a:ext uri="{FF2B5EF4-FFF2-40B4-BE49-F238E27FC236}">
-                  <a16:creationId xmlns:a16="http://schemas.microsoft.com/office/drawing/2014/main" xmlns="" id="{00DA7CDB-E243-47B7-9A5C-6C6E008940D9}"/>
+                  <a16:creationId xmlns:a16="http://schemas.microsoft.com/office/drawing/2014/main" id="{00DA7CDB-E243-47B7-9A5C-6C6E008940D9}"/>
                 </a:ext>
               </a:extLst>
             </p:cNvPr>
@@ -17732,7 +18066,7 @@
             <p:cNvPr id="8" name="TextBox 7">
               <a:extLst>
                 <a:ext uri="{FF2B5EF4-FFF2-40B4-BE49-F238E27FC236}">
-                  <a16:creationId xmlns:a16="http://schemas.microsoft.com/office/drawing/2014/main" xmlns="" id="{CDDB91A3-B27F-4B00-A98D-FB4B45061C21}"/>
+                  <a16:creationId xmlns:a16="http://schemas.microsoft.com/office/drawing/2014/main" id="{CDDB91A3-B27F-4B00-A98D-FB4B45061C21}"/>
                 </a:ext>
               </a:extLst>
             </p:cNvPr>
@@ -18418,7 +18752,7 @@
           <p:cNvPr id="20" name="직선 연결선 19">
             <a:extLst>
               <a:ext uri="{FF2B5EF4-FFF2-40B4-BE49-F238E27FC236}">
-                <a16:creationId xmlns:a16="http://schemas.microsoft.com/office/drawing/2014/main" xmlns="" id="{8F39F5B7-40A4-49C1-BFB1-9FAFD5A9F098}"/>
+                <a16:creationId xmlns:a16="http://schemas.microsoft.com/office/drawing/2014/main" id="{8F39F5B7-40A4-49C1-BFB1-9FAFD5A9F098}"/>
               </a:ext>
             </a:extLst>
           </p:cNvPr>
@@ -18486,7 +18820,7 @@
           <p:cNvPr id="7" name="그룹 5">
             <a:extLst>
               <a:ext uri="{FF2B5EF4-FFF2-40B4-BE49-F238E27FC236}">
-                <a16:creationId xmlns:a16="http://schemas.microsoft.com/office/drawing/2014/main" xmlns="" id="{44F5B724-E981-4F07-8699-85332FC5EF5A}"/>
+                <a16:creationId xmlns:a16="http://schemas.microsoft.com/office/drawing/2014/main" id="{44F5B724-E981-4F07-8699-85332FC5EF5A}"/>
               </a:ext>
             </a:extLst>
           </p:cNvPr>
@@ -18506,7 +18840,7 @@
             <p:cNvPr id="8" name="사각형: 둥근 모서리 6">
               <a:extLst>
                 <a:ext uri="{FF2B5EF4-FFF2-40B4-BE49-F238E27FC236}">
-                  <a16:creationId xmlns:a16="http://schemas.microsoft.com/office/drawing/2014/main" xmlns="" id="{0BA180D6-86CE-44E2-BB38-2511C93DED47}"/>
+                  <a16:creationId xmlns:a16="http://schemas.microsoft.com/office/drawing/2014/main" id="{0BA180D6-86CE-44E2-BB38-2511C93DED47}"/>
                 </a:ext>
               </a:extLst>
             </p:cNvPr>
@@ -18558,7 +18892,7 @@
             <p:cNvPr id="9" name="사각형: 둥근 모서리 7">
               <a:extLst>
                 <a:ext uri="{FF2B5EF4-FFF2-40B4-BE49-F238E27FC236}">
-                  <a16:creationId xmlns:a16="http://schemas.microsoft.com/office/drawing/2014/main" xmlns="" id="{00DA7CDB-E243-47B7-9A5C-6C6E008940D9}"/>
+                  <a16:creationId xmlns:a16="http://schemas.microsoft.com/office/drawing/2014/main" id="{00DA7CDB-E243-47B7-9A5C-6C6E008940D9}"/>
                 </a:ext>
               </a:extLst>
             </p:cNvPr>
@@ -18612,7 +18946,7 @@
             <p:cNvPr id="10" name="TextBox 9">
               <a:extLst>
                 <a:ext uri="{FF2B5EF4-FFF2-40B4-BE49-F238E27FC236}">
-                  <a16:creationId xmlns:a16="http://schemas.microsoft.com/office/drawing/2014/main" xmlns="" id="{CDDB91A3-B27F-4B00-A98D-FB4B45061C21}"/>
+                  <a16:creationId xmlns:a16="http://schemas.microsoft.com/office/drawing/2014/main" id="{CDDB91A3-B27F-4B00-A98D-FB4B45061C21}"/>
                 </a:ext>
               </a:extLst>
             </p:cNvPr>
@@ -19288,7 +19622,7 @@
           <p:cNvPr id="20" name="직선 연결선 19">
             <a:extLst>
               <a:ext uri="{FF2B5EF4-FFF2-40B4-BE49-F238E27FC236}">
-                <a16:creationId xmlns:a16="http://schemas.microsoft.com/office/drawing/2014/main" xmlns="" id="{8F39F5B7-40A4-49C1-BFB1-9FAFD5A9F098}"/>
+                <a16:creationId xmlns:a16="http://schemas.microsoft.com/office/drawing/2014/main" id="{8F39F5B7-40A4-49C1-BFB1-9FAFD5A9F098}"/>
               </a:ext>
             </a:extLst>
           </p:cNvPr>
@@ -19360,7 +19694,7 @@
           <p:nvPr>
             <p:extLst>
               <p:ext uri="{D42A27DB-BD31-4B8C-83A1-F6EECF244321}">
-                <p14:modId xmlns:p14="http://schemas.microsoft.com/office/powerpoint/2010/main" xmlns="" val="2886515709"/>
+                <p14:modId xmlns:p14="http://schemas.microsoft.com/office/powerpoint/2010/main" val="2886515709"/>
               </p:ext>
             </p:extLst>
           </p:nvPr>
@@ -19377,14 +19711,14 @@
                 <a:gridCol w="1574315">
                   <a:extLst>
                     <a:ext uri="{9D8B030D-6E8A-4147-A177-3AD203B41FA5}">
-                      <a16:colId xmlns:a16="http://schemas.microsoft.com/office/drawing/2014/main" xmlns="" val="20000"/>
+                      <a16:colId xmlns:a16="http://schemas.microsoft.com/office/drawing/2014/main" val="20000"/>
                     </a:ext>
                   </a:extLst>
                 </a:gridCol>
                 <a:gridCol w="6597437">
                   <a:extLst>
                     <a:ext uri="{9D8B030D-6E8A-4147-A177-3AD203B41FA5}">
-                      <a16:colId xmlns:a16="http://schemas.microsoft.com/office/drawing/2014/main" xmlns="" val="20001"/>
+                      <a16:colId xmlns:a16="http://schemas.microsoft.com/office/drawing/2014/main" val="20001"/>
                     </a:ext>
                   </a:extLst>
                 </a:gridCol>
@@ -19499,7 +19833,7 @@
                 </a:tc>
                 <a:extLst>
                   <a:ext uri="{0D108BD9-81ED-4DB2-BD59-A6C34878D82A}">
-                    <a16:rowId xmlns:a16="http://schemas.microsoft.com/office/drawing/2014/main" xmlns="" val="10000"/>
+                    <a16:rowId xmlns:a16="http://schemas.microsoft.com/office/drawing/2014/main" val="10000"/>
                   </a:ext>
                 </a:extLst>
               </a:tr>
@@ -19616,7 +19950,7 @@
                 </a:tc>
                 <a:extLst>
                   <a:ext uri="{0D108BD9-81ED-4DB2-BD59-A6C34878D82A}">
-                    <a16:rowId xmlns:a16="http://schemas.microsoft.com/office/drawing/2014/main" xmlns="" val="10001"/>
+                    <a16:rowId xmlns:a16="http://schemas.microsoft.com/office/drawing/2014/main" val="10001"/>
                   </a:ext>
                 </a:extLst>
               </a:tr>
@@ -19733,7 +20067,7 @@
                 </a:tc>
                 <a:extLst>
                   <a:ext uri="{0D108BD9-81ED-4DB2-BD59-A6C34878D82A}">
-                    <a16:rowId xmlns:a16="http://schemas.microsoft.com/office/drawing/2014/main" xmlns="" val="10002"/>
+                    <a16:rowId xmlns:a16="http://schemas.microsoft.com/office/drawing/2014/main" val="10002"/>
                   </a:ext>
                 </a:extLst>
               </a:tr>
@@ -19846,7 +20180,7 @@
                 </a:tc>
                 <a:extLst>
                   <a:ext uri="{0D108BD9-81ED-4DB2-BD59-A6C34878D82A}">
-                    <a16:rowId xmlns:a16="http://schemas.microsoft.com/office/drawing/2014/main" xmlns="" val="10003"/>
+                    <a16:rowId xmlns:a16="http://schemas.microsoft.com/office/drawing/2014/main" val="10003"/>
                   </a:ext>
                 </a:extLst>
               </a:tr>
@@ -19959,7 +20293,7 @@
                 </a:tc>
                 <a:extLst>
                   <a:ext uri="{0D108BD9-81ED-4DB2-BD59-A6C34878D82A}">
-                    <a16:rowId xmlns:a16="http://schemas.microsoft.com/office/drawing/2014/main" xmlns="" val="10004"/>
+                    <a16:rowId xmlns:a16="http://schemas.microsoft.com/office/drawing/2014/main" val="10004"/>
                   </a:ext>
                 </a:extLst>
               </a:tr>
@@ -20072,7 +20406,7 @@
                 </a:tc>
                 <a:extLst>
                   <a:ext uri="{0D108BD9-81ED-4DB2-BD59-A6C34878D82A}">
-                    <a16:rowId xmlns:a16="http://schemas.microsoft.com/office/drawing/2014/main" xmlns="" val="10005"/>
+                    <a16:rowId xmlns:a16="http://schemas.microsoft.com/office/drawing/2014/main" val="10005"/>
                   </a:ext>
                 </a:extLst>
               </a:tr>
@@ -20193,7 +20527,7 @@
                 </a:tc>
                 <a:extLst>
                   <a:ext uri="{0D108BD9-81ED-4DB2-BD59-A6C34878D82A}">
-                    <a16:rowId xmlns:a16="http://schemas.microsoft.com/office/drawing/2014/main" xmlns="" val="10006"/>
+                    <a16:rowId xmlns:a16="http://schemas.microsoft.com/office/drawing/2014/main" val="10006"/>
                   </a:ext>
                 </a:extLst>
               </a:tr>
@@ -20251,21 +20585,6 @@
               <a:buNone/>
               <a:tabLst/>
             </a:pPr>
-            <a:r>
-              <a:rPr kumimoji="1" lang="ko-KR" altLang="ko-KR" sz="1800" b="0" i="0" u="none" strike="noStrike" cap="none" normalizeH="0" baseline="0">
-                <a:ln>
-                  <a:noFill/>
-                </a:ln>
-                <a:solidFill>
-                  <a:schemeClr val="tx1"/>
-                </a:solidFill>
-                <a:effectLst/>
-                <a:latin typeface="굴림" charset="-127"/>
-                <a:ea typeface="굴림" charset="-127"/>
-                <a:cs typeface="굴림" charset="-127"/>
-              </a:rPr>
-              <a:t/>
-            </a:r>
             <a:br>
               <a:rPr kumimoji="1" lang="ko-KR" altLang="ko-KR" sz="1800" b="0" i="0" u="none" strike="noStrike" cap="none" normalizeH="0" baseline="0">
                 <a:ln>
@@ -20300,7 +20619,7 @@
           <p:cNvPr id="6" name="그룹 5">
             <a:extLst>
               <a:ext uri="{FF2B5EF4-FFF2-40B4-BE49-F238E27FC236}">
-                <a16:creationId xmlns:a16="http://schemas.microsoft.com/office/drawing/2014/main" xmlns="" id="{44F5B724-E981-4F07-8699-85332FC5EF5A}"/>
+                <a16:creationId xmlns:a16="http://schemas.microsoft.com/office/drawing/2014/main" id="{44F5B724-E981-4F07-8699-85332FC5EF5A}"/>
               </a:ext>
             </a:extLst>
           </p:cNvPr>
@@ -20320,7 +20639,7 @@
             <p:cNvPr id="7" name="사각형: 둥근 모서리 6">
               <a:extLst>
                 <a:ext uri="{FF2B5EF4-FFF2-40B4-BE49-F238E27FC236}">
-                  <a16:creationId xmlns:a16="http://schemas.microsoft.com/office/drawing/2014/main" xmlns="" id="{0BA180D6-86CE-44E2-BB38-2511C93DED47}"/>
+                  <a16:creationId xmlns:a16="http://schemas.microsoft.com/office/drawing/2014/main" id="{0BA180D6-86CE-44E2-BB38-2511C93DED47}"/>
                 </a:ext>
               </a:extLst>
             </p:cNvPr>
@@ -20372,7 +20691,7 @@
             <p:cNvPr id="8" name="사각형: 둥근 모서리 7">
               <a:extLst>
                 <a:ext uri="{FF2B5EF4-FFF2-40B4-BE49-F238E27FC236}">
-                  <a16:creationId xmlns:a16="http://schemas.microsoft.com/office/drawing/2014/main" xmlns="" id="{00DA7CDB-E243-47B7-9A5C-6C6E008940D9}"/>
+                  <a16:creationId xmlns:a16="http://schemas.microsoft.com/office/drawing/2014/main" id="{00DA7CDB-E243-47B7-9A5C-6C6E008940D9}"/>
                 </a:ext>
               </a:extLst>
             </p:cNvPr>
@@ -20426,7 +20745,7 @@
             <p:cNvPr id="9" name="TextBox 8">
               <a:extLst>
                 <a:ext uri="{FF2B5EF4-FFF2-40B4-BE49-F238E27FC236}">
-                  <a16:creationId xmlns:a16="http://schemas.microsoft.com/office/drawing/2014/main" xmlns="" id="{CDDB91A3-B27F-4B00-A98D-FB4B45061C21}"/>
+                  <a16:creationId xmlns:a16="http://schemas.microsoft.com/office/drawing/2014/main" id="{CDDB91A3-B27F-4B00-A98D-FB4B45061C21}"/>
                 </a:ext>
               </a:extLst>
             </p:cNvPr>
@@ -20508,7 +20827,7 @@
           <p:cNvPr id="2" name="그룹 1">
             <a:extLst>
               <a:ext uri="{FF2B5EF4-FFF2-40B4-BE49-F238E27FC236}">
-                <a16:creationId xmlns:a16="http://schemas.microsoft.com/office/drawing/2014/main" xmlns="" id="{3650BB51-90AB-4316-AC46-388613A26510}"/>
+                <a16:creationId xmlns:a16="http://schemas.microsoft.com/office/drawing/2014/main" id="{3650BB51-90AB-4316-AC46-388613A26510}"/>
               </a:ext>
             </a:extLst>
           </p:cNvPr>
@@ -20938,7 +21257,7 @@
           <p:nvPr>
             <p:extLst>
               <p:ext uri="{D42A27DB-BD31-4B8C-83A1-F6EECF244321}">
-                <p14:modId xmlns:p14="http://schemas.microsoft.com/office/powerpoint/2010/main" xmlns="" val="20817008"/>
+                <p14:modId xmlns:p14="http://schemas.microsoft.com/office/powerpoint/2010/main" val="20817008"/>
               </p:ext>
             </p:extLst>
           </p:nvPr>
@@ -20955,14 +21274,14 @@
                 <a:gridCol w="1181974">
                   <a:extLst>
                     <a:ext uri="{9D8B030D-6E8A-4147-A177-3AD203B41FA5}">
-                      <a16:colId xmlns:a16="http://schemas.microsoft.com/office/drawing/2014/main" xmlns="" val="20000"/>
+                      <a16:colId xmlns:a16="http://schemas.microsoft.com/office/drawing/2014/main" val="20000"/>
                     </a:ext>
                   </a:extLst>
                 </a:gridCol>
                 <a:gridCol w="5802802">
                   <a:extLst>
                     <a:ext uri="{9D8B030D-6E8A-4147-A177-3AD203B41FA5}">
-                      <a16:colId xmlns:a16="http://schemas.microsoft.com/office/drawing/2014/main" xmlns="" val="20001"/>
+                      <a16:colId xmlns:a16="http://schemas.microsoft.com/office/drawing/2014/main" val="20001"/>
                     </a:ext>
                   </a:extLst>
                 </a:gridCol>
@@ -21077,7 +21396,7 @@
                 </a:tc>
                 <a:extLst>
                   <a:ext uri="{0D108BD9-81ED-4DB2-BD59-A6C34878D82A}">
-                    <a16:rowId xmlns:a16="http://schemas.microsoft.com/office/drawing/2014/main" xmlns="" val="10000"/>
+                    <a16:rowId xmlns:a16="http://schemas.microsoft.com/office/drawing/2014/main" val="10000"/>
                   </a:ext>
                 </a:extLst>
               </a:tr>
@@ -21190,7 +21509,7 @@
                 </a:tc>
                 <a:extLst>
                   <a:ext uri="{0D108BD9-81ED-4DB2-BD59-A6C34878D82A}">
-                    <a16:rowId xmlns:a16="http://schemas.microsoft.com/office/drawing/2014/main" xmlns="" val="10001"/>
+                    <a16:rowId xmlns:a16="http://schemas.microsoft.com/office/drawing/2014/main" val="10001"/>
                   </a:ext>
                 </a:extLst>
               </a:tr>
@@ -21307,7 +21626,7 @@
                 </a:tc>
                 <a:extLst>
                   <a:ext uri="{0D108BD9-81ED-4DB2-BD59-A6C34878D82A}">
-                    <a16:rowId xmlns:a16="http://schemas.microsoft.com/office/drawing/2014/main" xmlns="" val="10002"/>
+                    <a16:rowId xmlns:a16="http://schemas.microsoft.com/office/drawing/2014/main" val="10002"/>
                   </a:ext>
                 </a:extLst>
               </a:tr>
@@ -21428,7 +21747,7 @@
                 </a:tc>
                 <a:extLst>
                   <a:ext uri="{0D108BD9-81ED-4DB2-BD59-A6C34878D82A}">
-                    <a16:rowId xmlns:a16="http://schemas.microsoft.com/office/drawing/2014/main" xmlns="" val="10003"/>
+                    <a16:rowId xmlns:a16="http://schemas.microsoft.com/office/drawing/2014/main" val="10003"/>
                   </a:ext>
                 </a:extLst>
               </a:tr>
@@ -21541,7 +21860,7 @@
                 </a:tc>
                 <a:extLst>
                   <a:ext uri="{0D108BD9-81ED-4DB2-BD59-A6C34878D82A}">
-                    <a16:rowId xmlns:a16="http://schemas.microsoft.com/office/drawing/2014/main" xmlns="" val="10004"/>
+                    <a16:rowId xmlns:a16="http://schemas.microsoft.com/office/drawing/2014/main" val="10004"/>
                   </a:ext>
                 </a:extLst>
               </a:tr>
@@ -21662,7 +21981,7 @@
                 </a:tc>
                 <a:extLst>
                   <a:ext uri="{0D108BD9-81ED-4DB2-BD59-A6C34878D82A}">
-                    <a16:rowId xmlns:a16="http://schemas.microsoft.com/office/drawing/2014/main" xmlns="" val="10005"/>
+                    <a16:rowId xmlns:a16="http://schemas.microsoft.com/office/drawing/2014/main" val="10005"/>
                   </a:ext>
                 </a:extLst>
               </a:tr>
@@ -21775,7 +22094,7 @@
                 </a:tc>
                 <a:extLst>
                   <a:ext uri="{0D108BD9-81ED-4DB2-BD59-A6C34878D82A}">
-                    <a16:rowId xmlns:a16="http://schemas.microsoft.com/office/drawing/2014/main" xmlns="" val="10006"/>
+                    <a16:rowId xmlns:a16="http://schemas.microsoft.com/office/drawing/2014/main" val="10006"/>
                   </a:ext>
                 </a:extLst>
               </a:tr>
@@ -21888,7 +22207,7 @@
                 </a:tc>
                 <a:extLst>
                   <a:ext uri="{0D108BD9-81ED-4DB2-BD59-A6C34878D82A}">
-                    <a16:rowId xmlns:a16="http://schemas.microsoft.com/office/drawing/2014/main" xmlns="" val="10007"/>
+                    <a16:rowId xmlns:a16="http://schemas.microsoft.com/office/drawing/2014/main" val="10007"/>
                   </a:ext>
                 </a:extLst>
               </a:tr>
@@ -21946,21 +22265,6 @@
               <a:buNone/>
               <a:tabLst/>
             </a:pPr>
-            <a:r>
-              <a:rPr kumimoji="1" lang="ko-KR" altLang="ko-KR" sz="1800" b="0" i="0" u="none" strike="noStrike" cap="none" normalizeH="0" baseline="0">
-                <a:ln>
-                  <a:noFill/>
-                </a:ln>
-                <a:solidFill>
-                  <a:schemeClr val="tx1"/>
-                </a:solidFill>
-                <a:effectLst/>
-                <a:latin typeface="굴림" charset="-127"/>
-                <a:ea typeface="굴림" charset="-127"/>
-                <a:cs typeface="굴림" charset="-127"/>
-              </a:rPr>
-              <a:t/>
-            </a:r>
             <a:br>
               <a:rPr kumimoji="1" lang="ko-KR" altLang="ko-KR" sz="1800" b="0" i="0" u="none" strike="noStrike" cap="none" normalizeH="0" baseline="0">
                 <a:ln>
@@ -21995,7 +22299,7 @@
           <p:cNvPr id="6" name="그룹 5">
             <a:extLst>
               <a:ext uri="{FF2B5EF4-FFF2-40B4-BE49-F238E27FC236}">
-                <a16:creationId xmlns:a16="http://schemas.microsoft.com/office/drawing/2014/main" xmlns="" id="{44F5B724-E981-4F07-8699-85332FC5EF5A}"/>
+                <a16:creationId xmlns:a16="http://schemas.microsoft.com/office/drawing/2014/main" id="{44F5B724-E981-4F07-8699-85332FC5EF5A}"/>
               </a:ext>
             </a:extLst>
           </p:cNvPr>
@@ -22015,7 +22319,7 @@
             <p:cNvPr id="7" name="사각형: 둥근 모서리 6">
               <a:extLst>
                 <a:ext uri="{FF2B5EF4-FFF2-40B4-BE49-F238E27FC236}">
-                  <a16:creationId xmlns:a16="http://schemas.microsoft.com/office/drawing/2014/main" xmlns="" id="{0BA180D6-86CE-44E2-BB38-2511C93DED47}"/>
+                  <a16:creationId xmlns:a16="http://schemas.microsoft.com/office/drawing/2014/main" id="{0BA180D6-86CE-44E2-BB38-2511C93DED47}"/>
                 </a:ext>
               </a:extLst>
             </p:cNvPr>
@@ -22067,7 +22371,7 @@
             <p:cNvPr id="8" name="사각형: 둥근 모서리 7">
               <a:extLst>
                 <a:ext uri="{FF2B5EF4-FFF2-40B4-BE49-F238E27FC236}">
-                  <a16:creationId xmlns:a16="http://schemas.microsoft.com/office/drawing/2014/main" xmlns="" id="{00DA7CDB-E243-47B7-9A5C-6C6E008940D9}"/>
+                  <a16:creationId xmlns:a16="http://schemas.microsoft.com/office/drawing/2014/main" id="{00DA7CDB-E243-47B7-9A5C-6C6E008940D9}"/>
                 </a:ext>
               </a:extLst>
             </p:cNvPr>
@@ -22121,7 +22425,7 @@
             <p:cNvPr id="9" name="TextBox 8">
               <a:extLst>
                 <a:ext uri="{FF2B5EF4-FFF2-40B4-BE49-F238E27FC236}">
-                  <a16:creationId xmlns:a16="http://schemas.microsoft.com/office/drawing/2014/main" xmlns="" id="{CDDB91A3-B27F-4B00-A98D-FB4B45061C21}"/>
+                  <a16:creationId xmlns:a16="http://schemas.microsoft.com/office/drawing/2014/main" id="{CDDB91A3-B27F-4B00-A98D-FB4B45061C21}"/>
                 </a:ext>
               </a:extLst>
             </p:cNvPr>
@@ -22203,7 +22507,7 @@
           <p:cNvPr id="3" name="그룹 2">
             <a:extLst>
               <a:ext uri="{FF2B5EF4-FFF2-40B4-BE49-F238E27FC236}">
-                <a16:creationId xmlns:a16="http://schemas.microsoft.com/office/drawing/2014/main" xmlns="" id="{C1B46A01-C6A8-45D9-B4E4-1A9C8314F6A3}"/>
+                <a16:creationId xmlns:a16="http://schemas.microsoft.com/office/drawing/2014/main" id="{C1B46A01-C6A8-45D9-B4E4-1A9C8314F6A3}"/>
               </a:ext>
             </a:extLst>
           </p:cNvPr>
@@ -22717,21 +23021,6 @@
               <a:buNone/>
               <a:tabLst/>
             </a:pPr>
-            <a:r>
-              <a:rPr kumimoji="1" lang="ko-KR" altLang="ko-KR" sz="1800" b="0" i="0" u="none" strike="noStrike" cap="none" normalizeH="0" baseline="0">
-                <a:ln>
-                  <a:noFill/>
-                </a:ln>
-                <a:solidFill>
-                  <a:schemeClr val="tx1"/>
-                </a:solidFill>
-                <a:effectLst/>
-                <a:latin typeface="굴림" charset="-127"/>
-                <a:ea typeface="굴림" charset="-127"/>
-                <a:cs typeface="굴림" charset="-127"/>
-              </a:rPr>
-              <a:t/>
-            </a:r>
             <a:br>
               <a:rPr kumimoji="1" lang="ko-KR" altLang="ko-KR" sz="1800" b="0" i="0" u="none" strike="noStrike" cap="none" normalizeH="0" baseline="0">
                 <a:ln>
@@ -22766,7 +23055,7 @@
           <p:cNvPr id="3" name="그룹 5">
             <a:extLst>
               <a:ext uri="{FF2B5EF4-FFF2-40B4-BE49-F238E27FC236}">
-                <a16:creationId xmlns:a16="http://schemas.microsoft.com/office/drawing/2014/main" xmlns="" id="{44F5B724-E981-4F07-8699-85332FC5EF5A}"/>
+                <a16:creationId xmlns:a16="http://schemas.microsoft.com/office/drawing/2014/main" id="{44F5B724-E981-4F07-8699-85332FC5EF5A}"/>
               </a:ext>
             </a:extLst>
           </p:cNvPr>
@@ -22786,7 +23075,7 @@
             <p:cNvPr id="7" name="사각형: 둥근 모서리 6">
               <a:extLst>
                 <a:ext uri="{FF2B5EF4-FFF2-40B4-BE49-F238E27FC236}">
-                  <a16:creationId xmlns:a16="http://schemas.microsoft.com/office/drawing/2014/main" xmlns="" id="{0BA180D6-86CE-44E2-BB38-2511C93DED47}"/>
+                  <a16:creationId xmlns:a16="http://schemas.microsoft.com/office/drawing/2014/main" id="{0BA180D6-86CE-44E2-BB38-2511C93DED47}"/>
                 </a:ext>
               </a:extLst>
             </p:cNvPr>
@@ -22838,7 +23127,7 @@
             <p:cNvPr id="8" name="사각형: 둥근 모서리 7">
               <a:extLst>
                 <a:ext uri="{FF2B5EF4-FFF2-40B4-BE49-F238E27FC236}">
-                  <a16:creationId xmlns:a16="http://schemas.microsoft.com/office/drawing/2014/main" xmlns="" id="{00DA7CDB-E243-47B7-9A5C-6C6E008940D9}"/>
+                  <a16:creationId xmlns:a16="http://schemas.microsoft.com/office/drawing/2014/main" id="{00DA7CDB-E243-47B7-9A5C-6C6E008940D9}"/>
                 </a:ext>
               </a:extLst>
             </p:cNvPr>
@@ -22892,7 +23181,7 @@
             <p:cNvPr id="9" name="TextBox 8">
               <a:extLst>
                 <a:ext uri="{FF2B5EF4-FFF2-40B4-BE49-F238E27FC236}">
-                  <a16:creationId xmlns:a16="http://schemas.microsoft.com/office/drawing/2014/main" xmlns="" id="{CDDB91A3-B27F-4B00-A98D-FB4B45061C21}"/>
+                  <a16:creationId xmlns:a16="http://schemas.microsoft.com/office/drawing/2014/main" id="{CDDB91A3-B27F-4B00-A98D-FB4B45061C21}"/>
                 </a:ext>
               </a:extLst>
             </p:cNvPr>
@@ -23073,7 +23362,7 @@
           <a:lstStyle/>
           <a:p>
             <a:r>
-              <a:rPr lang="en-US" altLang="ko-KR" sz="800" dirty="0" smtClean="0"/>
+              <a:rPr lang="en-US" altLang="ko-KR" sz="800" dirty="0"/>
               <a:t>string </a:t>
             </a:r>
             <a:r>
@@ -23196,370 +23485,343 @@
               <a:t>Asmeralda</a:t>
             </a:r>
             <a:r>
-              <a:rPr lang="en-US" altLang="ko-KR" sz="800" dirty="0" smtClean="0"/>
+              <a:rPr lang="en-US" altLang="ko-KR" sz="800" dirty="0"/>
               <a:t>");</a:t>
             </a:r>
           </a:p>
           <a:p>
-            <a:endParaRPr lang="en-US" altLang="ko-KR" sz="800" dirty="0" smtClean="0"/>
-          </a:p>
-          <a:p>
-            <a:r>
-              <a:rPr lang="en-US" altLang="ko-KR" sz="800" dirty="0" smtClean="0"/>
+            <a:endParaRPr lang="en-US" altLang="ko-KR" sz="800" dirty="0"/>
+          </a:p>
+          <a:p>
+            <a:r>
+              <a:rPr lang="en-US" altLang="ko-KR" sz="800" dirty="0"/>
               <a:t>    </a:t>
             </a:r>
             <a:r>
-              <a:rPr lang="en-US" altLang="ko-KR" sz="800" dirty="0" err="1" smtClean="0"/>
+              <a:rPr lang="en-US" altLang="ko-KR" sz="800" dirty="0" err="1"/>
               <a:t>WriteLine</a:t>
             </a:r>
             <a:r>
-              <a:rPr lang="en-US" altLang="ko-KR" sz="800" dirty="0" smtClean="0"/>
+              <a:rPr lang="en-US" altLang="ko-KR" sz="800" dirty="0"/>
               <a:t>("10</a:t>
             </a:r>
             <a:r>
-              <a:rPr lang="ko-KR" altLang="en-US" sz="800" dirty="0" smtClean="0"/>
+              <a:rPr lang="ko-KR" altLang="en-US" sz="800" dirty="0"/>
               <a:t>진수</a:t>
             </a:r>
             <a:r>
-              <a:rPr lang="en-US" altLang="ko-KR" sz="800" dirty="0" smtClean="0"/>
-              <a:t>: {0:D}", 123</a:t>
-            </a:r>
-            <a:r>
-              <a:rPr lang="en-US" altLang="ko-KR" sz="800" dirty="0" smtClean="0"/>
+              <a:rPr lang="en-US" altLang="ko-KR" sz="800" dirty="0"/>
+              <a:t>: {0:D}", 123);</a:t>
+            </a:r>
+          </a:p>
+          <a:p>
+            <a:r>
+              <a:rPr lang="en-US" altLang="ko-KR" sz="800" dirty="0"/>
+              <a:t>    </a:t>
+            </a:r>
+            <a:r>
+              <a:rPr lang="en-US" altLang="ko-KR" sz="800" dirty="0" err="1"/>
+              <a:t>WriteLine</a:t>
+            </a:r>
+            <a:r>
+              <a:rPr lang="en-US" altLang="ko-KR" sz="800" dirty="0"/>
+              <a:t>("10</a:t>
+            </a:r>
+            <a:r>
+              <a:rPr lang="ko-KR" altLang="en-US" sz="800" dirty="0"/>
+              <a:t>진수</a:t>
+            </a:r>
+            <a:r>
+              <a:rPr lang="en-US" altLang="ko-KR" sz="800" dirty="0"/>
+              <a:t>: {0:D5}", 123);		</a:t>
+            </a:r>
+          </a:p>
+          <a:p>
+            <a:r>
+              <a:rPr lang="en-US" altLang="ko-KR" sz="800" dirty="0"/>
+              <a:t>    </a:t>
+            </a:r>
+            <a:r>
+              <a:rPr lang="en-US" altLang="ko-KR" sz="800" dirty="0" err="1"/>
+              <a:t>WriteLine</a:t>
+            </a:r>
+            <a:r>
+              <a:rPr lang="en-US" altLang="ko-KR" sz="800" dirty="0"/>
+              <a:t>("16</a:t>
+            </a:r>
+            <a:r>
+              <a:rPr lang="ko-KR" altLang="en-US" sz="800" dirty="0"/>
+              <a:t>진수</a:t>
+            </a:r>
+            <a:r>
+              <a:rPr lang="en-US" altLang="ko-KR" sz="800" dirty="0"/>
+              <a:t>: {0:X}", 0xFF1234);		</a:t>
+            </a:r>
+          </a:p>
+          <a:p>
+            <a:r>
+              <a:rPr lang="en-US" altLang="ko-KR" sz="800" dirty="0"/>
+              <a:t>    </a:t>
+            </a:r>
+            <a:r>
+              <a:rPr lang="en-US" altLang="ko-KR" sz="800" dirty="0" err="1"/>
+              <a:t>WriteLine</a:t>
+            </a:r>
+            <a:r>
+              <a:rPr lang="en-US" altLang="ko-KR" sz="800" dirty="0"/>
+              <a:t>("16</a:t>
+            </a:r>
+            <a:r>
+              <a:rPr lang="ko-KR" altLang="en-US" sz="800" dirty="0"/>
+              <a:t>진수</a:t>
+            </a:r>
+            <a:r>
+              <a:rPr lang="en-US" altLang="ko-KR" sz="800" dirty="0"/>
+              <a:t>: {0:X8}", 0xFF1234);</a:t>
+            </a:r>
+          </a:p>
+          <a:p>
+            <a:r>
+              <a:rPr lang="en-US" altLang="ko-KR" sz="800" dirty="0"/>
+              <a:t>    </a:t>
+            </a:r>
+            <a:r>
+              <a:rPr lang="en-US" altLang="ko-KR" sz="800" dirty="0" err="1"/>
+              <a:t>WriteLine</a:t>
+            </a:r>
+            <a:r>
+              <a:rPr lang="en-US" altLang="ko-KR" sz="800" dirty="0"/>
+              <a:t>("</a:t>
+            </a:r>
+            <a:r>
+              <a:rPr lang="ko-KR" altLang="en-US" sz="800" dirty="0"/>
+              <a:t>숫자</a:t>
+            </a:r>
+            <a:r>
+              <a:rPr lang="en-US" altLang="ko-KR" sz="800" dirty="0"/>
+              <a:t>:{0:N}", 123456789);	</a:t>
+            </a:r>
+          </a:p>
+          <a:p>
+            <a:r>
+              <a:rPr lang="en-US" altLang="ko-KR" sz="800" dirty="0"/>
+              <a:t>    </a:t>
+            </a:r>
+            <a:r>
+              <a:rPr lang="en-US" altLang="ko-KR" sz="800" dirty="0" err="1"/>
+              <a:t>WriteLine</a:t>
+            </a:r>
+            <a:r>
+              <a:rPr lang="en-US" altLang="ko-KR" sz="800" dirty="0"/>
+              <a:t>("</a:t>
+            </a:r>
+            <a:r>
+              <a:rPr lang="ko-KR" altLang="en-US" sz="800" dirty="0"/>
+              <a:t>숫자</a:t>
+            </a:r>
+            <a:r>
+              <a:rPr lang="en-US" altLang="ko-KR" sz="800" dirty="0"/>
+              <a:t>:{0:N0}", 123456789);	</a:t>
+            </a:r>
+          </a:p>
+          <a:p>
+            <a:r>
+              <a:rPr lang="en-US" altLang="ko-KR" sz="800" dirty="0"/>
+              <a:t>    </a:t>
+            </a:r>
+            <a:r>
+              <a:rPr lang="en-US" altLang="ko-KR" sz="800" dirty="0" err="1"/>
+              <a:t>WriteLine</a:t>
+            </a:r>
+            <a:r>
+              <a:rPr lang="en-US" altLang="ko-KR" sz="800" dirty="0"/>
+              <a:t>("</a:t>
+            </a:r>
+            <a:r>
+              <a:rPr lang="ko-KR" altLang="en-US" sz="800" dirty="0"/>
+              <a:t>고정소수점</a:t>
+            </a:r>
+            <a:r>
+              <a:rPr lang="en-US" altLang="ko-KR" sz="800" dirty="0"/>
+              <a:t>: {0:F}", 123.456);	</a:t>
+            </a:r>
+          </a:p>
+          <a:p>
+            <a:r>
+              <a:rPr lang="en-US" altLang="ko-KR" sz="800" dirty="0"/>
+              <a:t>    </a:t>
+            </a:r>
+            <a:r>
+              <a:rPr lang="en-US" altLang="ko-KR" sz="800" dirty="0" err="1"/>
+              <a:t>WriteLine</a:t>
+            </a:r>
+            <a:r>
+              <a:rPr lang="en-US" altLang="ko-KR" sz="800" dirty="0"/>
+              <a:t>("</a:t>
+            </a:r>
+            <a:r>
+              <a:rPr lang="ko-KR" altLang="en-US" sz="800" dirty="0"/>
+              <a:t>고정소수점</a:t>
+            </a:r>
+            <a:r>
+              <a:rPr lang="en-US" altLang="ko-KR" sz="800" dirty="0"/>
+              <a:t>: {0:F5}", 123.456);</a:t>
+            </a:r>
+          </a:p>
+          <a:p>
+            <a:r>
+              <a:rPr lang="en-US" altLang="ko-KR" sz="800" dirty="0"/>
+              <a:t>    </a:t>
+            </a:r>
+            <a:r>
+              <a:rPr lang="en-US" altLang="ko-KR" sz="800" dirty="0" err="1"/>
+              <a:t>WriteLine</a:t>
+            </a:r>
+            <a:r>
+              <a:rPr lang="en-US" altLang="ko-KR" sz="800" dirty="0"/>
+              <a:t>("</a:t>
+            </a:r>
+            <a:r>
+              <a:rPr lang="ko-KR" altLang="en-US" sz="800" dirty="0"/>
+              <a:t>공학용</a:t>
+            </a:r>
+            <a:r>
+              <a:rPr lang="en-US" altLang="ko-KR" sz="800" dirty="0"/>
+              <a:t>: {0:E}", 123.456789);	</a:t>
+            </a:r>
+          </a:p>
+          <a:p>
+            <a:endParaRPr lang="en-US" altLang="ko-KR" sz="800" dirty="0"/>
+          </a:p>
+          <a:p>
+            <a:r>
+              <a:rPr lang="en-US" altLang="ko-KR" sz="800" dirty="0"/>
+              <a:t>    </a:t>
+            </a:r>
+            <a:r>
+              <a:rPr lang="en-US" altLang="ko-KR" sz="800" dirty="0" err="1"/>
+              <a:t>DateTime</a:t>
+            </a:r>
+            <a:r>
+              <a:rPr lang="en-US" altLang="ko-KR" sz="800" dirty="0"/>
+              <a:t> </a:t>
+            </a:r>
+            <a:r>
+              <a:rPr lang="en-US" altLang="ko-KR" sz="800" dirty="0" err="1"/>
+              <a:t>dt</a:t>
+            </a:r>
+            <a:r>
+              <a:rPr lang="en-US" altLang="ko-KR" sz="800" dirty="0"/>
+              <a:t> = new </a:t>
+            </a:r>
+            <a:r>
+              <a:rPr lang="en-US" altLang="ko-KR" sz="800" dirty="0" err="1"/>
+              <a:t>DateTime</a:t>
+            </a:r>
+            <a:r>
+              <a:rPr lang="en-US" altLang="ko-KR" sz="800" dirty="0"/>
+              <a:t>(2018, 11, 3, 23, 18, 22);</a:t>
+            </a:r>
+          </a:p>
+          <a:p>
+            <a:r>
+              <a:rPr lang="en-US" altLang="ko-KR" sz="800" dirty="0"/>
+              <a:t>    </a:t>
+            </a:r>
+            <a:r>
+              <a:rPr lang="en-US" altLang="ko-KR" sz="800" dirty="0" err="1"/>
+              <a:t>WriteLine</a:t>
+            </a:r>
+            <a:r>
+              <a:rPr lang="en-US" altLang="ko-KR" sz="800" dirty="0"/>
+              <a:t>("12</a:t>
+            </a:r>
+            <a:r>
+              <a:rPr lang="ko-KR" altLang="en-US" sz="800" dirty="0"/>
+              <a:t>시간 형식</a:t>
+            </a:r>
+            <a:r>
+              <a:rPr lang="en-US" altLang="ko-KR" sz="800" dirty="0"/>
+              <a:t>: {0:yyyy-MM-dd </a:t>
+            </a:r>
+            <a:r>
+              <a:rPr lang="en-US" altLang="ko-KR" sz="800" dirty="0" err="1"/>
+              <a:t>tt</a:t>
+            </a:r>
+            <a:r>
+              <a:rPr lang="en-US" altLang="ko-KR" sz="800" dirty="0"/>
+              <a:t> </a:t>
+            </a:r>
+            <a:r>
+              <a:rPr lang="en-US" altLang="ko-KR" sz="800" dirty="0" err="1"/>
+              <a:t>hh:mm:ss</a:t>
+            </a:r>
+            <a:r>
+              <a:rPr lang="en-US" altLang="ko-KR" sz="800" dirty="0"/>
+              <a:t> (</a:t>
+            </a:r>
+            <a:r>
+              <a:rPr lang="en-US" altLang="ko-KR" sz="800" dirty="0" err="1"/>
+              <a:t>ddd</a:t>
+            </a:r>
+            <a:r>
+              <a:rPr lang="en-US" altLang="ko-KR" sz="800" dirty="0"/>
+              <a:t>)}", </a:t>
+            </a:r>
+            <a:r>
+              <a:rPr lang="en-US" altLang="ko-KR" sz="800" dirty="0" err="1"/>
+              <a:t>dt</a:t>
+            </a:r>
+            <a:r>
+              <a:rPr lang="en-US" altLang="ko-KR" sz="800" dirty="0"/>
               <a:t>);</a:t>
             </a:r>
-            <a:endParaRPr lang="en-US" altLang="ko-KR" sz="800" dirty="0" smtClean="0"/>
-          </a:p>
-          <a:p>
-            <a:r>
-              <a:rPr lang="en-US" altLang="ko-KR" sz="800" dirty="0" smtClean="0"/>
+          </a:p>
+          <a:p>
+            <a:r>
+              <a:rPr lang="en-US" altLang="ko-KR" sz="800" dirty="0"/>
               <a:t>    </a:t>
             </a:r>
             <a:r>
-              <a:rPr lang="en-US" altLang="ko-KR" sz="800" dirty="0" err="1" smtClean="0"/>
+              <a:rPr lang="en-US" altLang="ko-KR" sz="800" dirty="0" err="1"/>
               <a:t>WriteLine</a:t>
             </a:r>
             <a:r>
-              <a:rPr lang="en-US" altLang="ko-KR" sz="800" dirty="0" smtClean="0"/>
-              <a:t>("10</a:t>
-            </a:r>
-            <a:r>
-              <a:rPr lang="ko-KR" altLang="en-US" sz="800" dirty="0" smtClean="0"/>
-              <a:t>진수</a:t>
-            </a:r>
-            <a:r>
-              <a:rPr lang="en-US" altLang="ko-KR" sz="800" dirty="0" smtClean="0"/>
-              <a:t>: {0:D5}", 123);		</a:t>
-            </a:r>
-            <a:endParaRPr lang="en-US" altLang="ko-KR" sz="800" dirty="0" smtClean="0"/>
-          </a:p>
-          <a:p>
-            <a:r>
-              <a:rPr lang="en-US" altLang="ko-KR" sz="800" dirty="0" smtClean="0"/>
-              <a:t>    </a:t>
-            </a:r>
-            <a:r>
-              <a:rPr lang="en-US" altLang="ko-KR" sz="800" dirty="0" err="1" smtClean="0"/>
-              <a:t>WriteLine</a:t>
-            </a:r>
-            <a:r>
-              <a:rPr lang="en-US" altLang="ko-KR" sz="800" dirty="0" smtClean="0"/>
-              <a:t>("16</a:t>
-            </a:r>
-            <a:r>
-              <a:rPr lang="ko-KR" altLang="en-US" sz="800" dirty="0" smtClean="0"/>
-              <a:t>진수</a:t>
-            </a:r>
-            <a:r>
-              <a:rPr lang="en-US" altLang="ko-KR" sz="800" dirty="0" smtClean="0"/>
-              <a:t>: {0:X}", 0xFF1234);		</a:t>
-            </a:r>
-          </a:p>
-          <a:p>
-            <a:r>
-              <a:rPr lang="en-US" altLang="ko-KR" sz="800" dirty="0" smtClean="0"/>
-              <a:t>    </a:t>
-            </a:r>
-            <a:r>
-              <a:rPr lang="en-US" altLang="ko-KR" sz="800" dirty="0" err="1" smtClean="0"/>
-              <a:t>WriteLine</a:t>
-            </a:r>
-            <a:r>
-              <a:rPr lang="en-US" altLang="ko-KR" sz="800" dirty="0" smtClean="0"/>
-              <a:t>("16</a:t>
-            </a:r>
-            <a:r>
-              <a:rPr lang="ko-KR" altLang="en-US" sz="800" dirty="0" smtClean="0"/>
-              <a:t>진수</a:t>
-            </a:r>
-            <a:r>
-              <a:rPr lang="en-US" altLang="ko-KR" sz="800" dirty="0" smtClean="0"/>
-              <a:t>: {0:X8}", 0xFF1234</a:t>
-            </a:r>
-            <a:r>
-              <a:rPr lang="en-US" altLang="ko-KR" sz="800" dirty="0" smtClean="0"/>
+              <a:rPr lang="en-US" altLang="ko-KR" sz="800" dirty="0"/>
+              <a:t>("24</a:t>
+            </a:r>
+            <a:r>
+              <a:rPr lang="ko-KR" altLang="en-US" sz="800" dirty="0"/>
+              <a:t>시간 형식</a:t>
+            </a:r>
+            <a:r>
+              <a:rPr lang="en-US" altLang="ko-KR" sz="800" dirty="0"/>
+              <a:t>: {0:yyyy-MM-dd </a:t>
+            </a:r>
+            <a:r>
+              <a:rPr lang="en-US" altLang="ko-KR" sz="800" dirty="0" err="1"/>
+              <a:t>HH:mm:ss</a:t>
+            </a:r>
+            <a:r>
+              <a:rPr lang="en-US" altLang="ko-KR" sz="800" dirty="0"/>
+              <a:t> (</a:t>
+            </a:r>
+            <a:r>
+              <a:rPr lang="en-US" altLang="ko-KR" sz="800" dirty="0" err="1"/>
+              <a:t>dddd</a:t>
+            </a:r>
+            <a:r>
+              <a:rPr lang="en-US" altLang="ko-KR" sz="800" dirty="0"/>
+              <a:t>)}", </a:t>
+            </a:r>
+            <a:r>
+              <a:rPr lang="en-US" altLang="ko-KR" sz="800" dirty="0" err="1"/>
+              <a:t>dt</a:t>
+            </a:r>
+            <a:r>
+              <a:rPr lang="en-US" altLang="ko-KR" sz="800" dirty="0"/>
               <a:t>);</a:t>
             </a:r>
-          </a:p>
-          <a:p>
-            <a:r>
-              <a:rPr lang="en-US" altLang="ko-KR" sz="800" dirty="0" smtClean="0"/>
-              <a:t> </a:t>
-            </a:r>
-            <a:r>
-              <a:rPr lang="en-US" altLang="ko-KR" sz="800" dirty="0" smtClean="0"/>
-              <a:t>   </a:t>
-            </a:r>
-            <a:r>
-              <a:rPr lang="en-US" altLang="ko-KR" sz="800" dirty="0" err="1" smtClean="0"/>
-              <a:t>WriteLine</a:t>
-            </a:r>
-            <a:r>
-              <a:rPr lang="en-US" altLang="ko-KR" sz="800" dirty="0" smtClean="0"/>
-              <a:t>("</a:t>
-            </a:r>
-            <a:r>
-              <a:rPr lang="ko-KR" altLang="en-US" sz="800" dirty="0" smtClean="0"/>
-              <a:t>숫자</a:t>
-            </a:r>
-            <a:r>
-              <a:rPr lang="en-US" altLang="ko-KR" sz="800" dirty="0" smtClean="0"/>
-              <a:t>:{0:N}", 123456789);	</a:t>
-            </a:r>
-            <a:endParaRPr lang="en-US" altLang="ko-KR" sz="800" dirty="0" smtClean="0"/>
-          </a:p>
-          <a:p>
-            <a:r>
-              <a:rPr lang="en-US" altLang="ko-KR" sz="800" dirty="0" smtClean="0"/>
-              <a:t>    </a:t>
-            </a:r>
-            <a:r>
-              <a:rPr lang="en-US" altLang="ko-KR" sz="800" dirty="0" err="1" smtClean="0"/>
-              <a:t>WriteLine</a:t>
-            </a:r>
-            <a:r>
-              <a:rPr lang="en-US" altLang="ko-KR" sz="800" dirty="0" smtClean="0"/>
-              <a:t>("</a:t>
-            </a:r>
-            <a:r>
-              <a:rPr lang="ko-KR" altLang="en-US" sz="800" dirty="0" smtClean="0"/>
-              <a:t>숫자</a:t>
-            </a:r>
-            <a:r>
-              <a:rPr lang="en-US" altLang="ko-KR" sz="800" dirty="0" smtClean="0"/>
-              <a:t>:{0:N0}", 123456789);	</a:t>
-            </a:r>
-            <a:endParaRPr lang="en-US" altLang="ko-KR" sz="800" dirty="0" smtClean="0"/>
-          </a:p>
-          <a:p>
-            <a:r>
-              <a:rPr lang="en-US" altLang="ko-KR" sz="800" dirty="0" smtClean="0"/>
-              <a:t>    </a:t>
-            </a:r>
-            <a:r>
-              <a:rPr lang="en-US" altLang="ko-KR" sz="800" dirty="0" err="1" smtClean="0"/>
-              <a:t>WriteLine</a:t>
-            </a:r>
-            <a:r>
-              <a:rPr lang="en-US" altLang="ko-KR" sz="800" dirty="0" smtClean="0"/>
-              <a:t>("</a:t>
-            </a:r>
-            <a:r>
-              <a:rPr lang="ko-KR" altLang="en-US" sz="800" dirty="0" smtClean="0"/>
-              <a:t>고정소수점</a:t>
-            </a:r>
-            <a:r>
-              <a:rPr lang="en-US" altLang="ko-KR" sz="800" dirty="0" smtClean="0"/>
-              <a:t>: {0:F}", 123.456);	</a:t>
-            </a:r>
-          </a:p>
-          <a:p>
-            <a:r>
-              <a:rPr lang="en-US" altLang="ko-KR" sz="800" dirty="0" smtClean="0"/>
-              <a:t>    </a:t>
-            </a:r>
-            <a:r>
-              <a:rPr lang="en-US" altLang="ko-KR" sz="800" dirty="0" err="1" smtClean="0"/>
-              <a:t>WriteLine</a:t>
-            </a:r>
-            <a:r>
-              <a:rPr lang="en-US" altLang="ko-KR" sz="800" dirty="0" smtClean="0"/>
-              <a:t>("</a:t>
-            </a:r>
-            <a:r>
-              <a:rPr lang="ko-KR" altLang="en-US" sz="800" dirty="0" smtClean="0"/>
-              <a:t>고정소수점</a:t>
-            </a:r>
-            <a:r>
-              <a:rPr lang="en-US" altLang="ko-KR" sz="800" dirty="0" smtClean="0"/>
-              <a:t>: {0:F5}", 123.456</a:t>
-            </a:r>
-            <a:r>
-              <a:rPr lang="en-US" altLang="ko-KR" sz="800" dirty="0" smtClean="0"/>
-              <a:t>);</a:t>
-            </a:r>
-          </a:p>
-          <a:p>
-            <a:r>
-              <a:rPr lang="en-US" altLang="ko-KR" sz="800" dirty="0" smtClean="0"/>
-              <a:t>    </a:t>
-            </a:r>
-            <a:r>
-              <a:rPr lang="en-US" altLang="ko-KR" sz="800" dirty="0" err="1" smtClean="0"/>
-              <a:t>WriteLine</a:t>
-            </a:r>
-            <a:r>
-              <a:rPr lang="en-US" altLang="ko-KR" sz="800" dirty="0" smtClean="0"/>
-              <a:t>("</a:t>
-            </a:r>
-            <a:r>
-              <a:rPr lang="ko-KR" altLang="en-US" sz="800" dirty="0" smtClean="0"/>
-              <a:t>공학용</a:t>
-            </a:r>
-            <a:r>
-              <a:rPr lang="en-US" altLang="ko-KR" sz="800" dirty="0" smtClean="0"/>
-              <a:t>: {0:E}", 123.456789);	</a:t>
-            </a:r>
-            <a:endParaRPr lang="en-US" altLang="ko-KR" sz="800" dirty="0" smtClean="0"/>
-          </a:p>
-          <a:p>
-            <a:endParaRPr lang="en-US" altLang="ko-KR" sz="800" dirty="0" smtClean="0"/>
-          </a:p>
-          <a:p>
-            <a:r>
-              <a:rPr lang="en-US" altLang="ko-KR" sz="800" dirty="0" smtClean="0"/>
-              <a:t>    </a:t>
-            </a:r>
-            <a:r>
-              <a:rPr lang="en-US" altLang="ko-KR" sz="800" dirty="0" err="1" smtClean="0"/>
-              <a:t>DateTime</a:t>
-            </a:r>
-            <a:r>
-              <a:rPr lang="en-US" altLang="ko-KR" sz="800" dirty="0" smtClean="0"/>
-              <a:t> </a:t>
-            </a:r>
-            <a:r>
-              <a:rPr lang="en-US" altLang="ko-KR" sz="800" dirty="0" err="1" smtClean="0"/>
-              <a:t>dt</a:t>
-            </a:r>
-            <a:r>
-              <a:rPr lang="en-US" altLang="ko-KR" sz="800" dirty="0" smtClean="0"/>
-              <a:t> = new </a:t>
-            </a:r>
-            <a:r>
-              <a:rPr lang="en-US" altLang="ko-KR" sz="800" dirty="0" err="1" smtClean="0"/>
-              <a:t>DateTime</a:t>
-            </a:r>
-            <a:r>
-              <a:rPr lang="en-US" altLang="ko-KR" sz="800" dirty="0" smtClean="0"/>
-              <a:t>(2018, 11, 3, 23, 18, 22</a:t>
-            </a:r>
-            <a:r>
-              <a:rPr lang="en-US" altLang="ko-KR" sz="800" dirty="0" smtClean="0"/>
-              <a:t>);</a:t>
-            </a:r>
-            <a:endParaRPr lang="en-US" altLang="ko-KR" sz="800" dirty="0" smtClean="0"/>
-          </a:p>
-          <a:p>
-            <a:r>
-              <a:rPr lang="en-US" altLang="ko-KR" sz="800" dirty="0" smtClean="0"/>
-              <a:t>    </a:t>
-            </a:r>
-            <a:r>
-              <a:rPr lang="en-US" altLang="ko-KR" sz="800" dirty="0" err="1" smtClean="0"/>
-              <a:t>WriteLine</a:t>
-            </a:r>
-            <a:r>
-              <a:rPr lang="en-US" altLang="ko-KR" sz="800" dirty="0" smtClean="0"/>
-              <a:t>("12</a:t>
-            </a:r>
-            <a:r>
-              <a:rPr lang="ko-KR" altLang="en-US" sz="800" dirty="0" smtClean="0"/>
-              <a:t>시간 형식</a:t>
-            </a:r>
-            <a:r>
-              <a:rPr lang="en-US" altLang="ko-KR" sz="800" dirty="0" smtClean="0"/>
-              <a:t>: {0:yyyy-MM-dd </a:t>
-            </a:r>
-            <a:r>
-              <a:rPr lang="en-US" altLang="ko-KR" sz="800" dirty="0" err="1" smtClean="0"/>
-              <a:t>tt</a:t>
-            </a:r>
-            <a:r>
-              <a:rPr lang="en-US" altLang="ko-KR" sz="800" dirty="0" smtClean="0"/>
-              <a:t> </a:t>
-            </a:r>
-            <a:r>
-              <a:rPr lang="en-US" altLang="ko-KR" sz="800" dirty="0" err="1" smtClean="0"/>
-              <a:t>hh:mm:ss</a:t>
-            </a:r>
-            <a:r>
-              <a:rPr lang="en-US" altLang="ko-KR" sz="800" dirty="0" smtClean="0"/>
-              <a:t> (</a:t>
-            </a:r>
-            <a:r>
-              <a:rPr lang="en-US" altLang="ko-KR" sz="800" dirty="0" err="1" smtClean="0"/>
-              <a:t>ddd</a:t>
-            </a:r>
-            <a:r>
-              <a:rPr lang="en-US" altLang="ko-KR" sz="800" dirty="0" smtClean="0"/>
-              <a:t>)}", </a:t>
-            </a:r>
-            <a:r>
-              <a:rPr lang="en-US" altLang="ko-KR" sz="800" dirty="0" err="1" smtClean="0"/>
-              <a:t>dt</a:t>
-            </a:r>
-            <a:r>
-              <a:rPr lang="en-US" altLang="ko-KR" sz="800" dirty="0" smtClean="0"/>
-              <a:t>);</a:t>
-            </a:r>
-          </a:p>
-          <a:p>
-            <a:r>
-              <a:rPr lang="en-US" altLang="ko-KR" sz="800" dirty="0" smtClean="0"/>
-              <a:t>    </a:t>
-            </a:r>
-            <a:r>
-              <a:rPr lang="en-US" altLang="ko-KR" sz="800" dirty="0" err="1" smtClean="0"/>
-              <a:t>WriteLine</a:t>
-            </a:r>
-            <a:r>
-              <a:rPr lang="en-US" altLang="ko-KR" sz="800" dirty="0" smtClean="0"/>
-              <a:t>("24</a:t>
-            </a:r>
-            <a:r>
-              <a:rPr lang="ko-KR" altLang="en-US" sz="800" dirty="0" smtClean="0"/>
-              <a:t>시간 형식</a:t>
-            </a:r>
-            <a:r>
-              <a:rPr lang="en-US" altLang="ko-KR" sz="800" dirty="0" smtClean="0"/>
-              <a:t>: {0:yyyy-MM-dd </a:t>
-            </a:r>
-            <a:r>
-              <a:rPr lang="en-US" altLang="ko-KR" sz="800" dirty="0" err="1" smtClean="0"/>
-              <a:t>HH:mm:ss</a:t>
-            </a:r>
-            <a:r>
-              <a:rPr lang="en-US" altLang="ko-KR" sz="800" dirty="0" smtClean="0"/>
-              <a:t> (</a:t>
-            </a:r>
-            <a:r>
-              <a:rPr lang="en-US" altLang="ko-KR" sz="800" dirty="0" err="1" smtClean="0"/>
-              <a:t>dddd</a:t>
-            </a:r>
-            <a:r>
-              <a:rPr lang="en-US" altLang="ko-KR" sz="800" dirty="0" smtClean="0"/>
-              <a:t>)}", </a:t>
-            </a:r>
-            <a:r>
-              <a:rPr lang="en-US" altLang="ko-KR" sz="800" dirty="0" err="1" smtClean="0"/>
-              <a:t>dt</a:t>
-            </a:r>
-            <a:r>
-              <a:rPr lang="en-US" altLang="ko-KR" sz="800" dirty="0" smtClean="0"/>
-              <a:t>);</a:t>
-            </a:r>
-            <a:endParaRPr lang="en-US" altLang="ko-KR" sz="800" dirty="0"/>
           </a:p>
           <a:p>
             <a:endParaRPr lang="en-US" altLang="ko-KR" sz="800" dirty="0"/>
@@ -23587,21 +23849,8 @@
                   <a:srgbClr val="FF8184"/>
                 </a:solidFill>
               </a:rPr>
-              <a:t>the                 little                          </a:t>
-            </a:r>
-            <a:r>
-              <a:rPr lang="en-US" altLang="ko-KR" sz="800" dirty="0" smtClean="0">
-                <a:solidFill>
-                  <a:srgbClr val="FF8184"/>
-                </a:solidFill>
-              </a:rPr>
-              <a:t>    mermaid</a:t>
-            </a:r>
-            <a:endParaRPr lang="en-US" altLang="ko-KR" sz="800" dirty="0">
-              <a:solidFill>
-                <a:srgbClr val="FF8184"/>
-              </a:solidFill>
-            </a:endParaRPr>
+              <a:t>the                 little                              mermaid</a:t>
+            </a:r>
           </a:p>
           <a:p>
             <a:r>
@@ -23626,18 +23875,10 @@
                   <a:srgbClr val="FF8184"/>
                 </a:solidFill>
               </a:rPr>
-              <a:t>                      </a:t>
-            </a:r>
-            <a:r>
-              <a:rPr lang="en-US" altLang="ko-KR" sz="800" dirty="0" smtClean="0">
-                <a:solidFill>
-                  <a:srgbClr val="FF8184"/>
-                </a:solidFill>
-              </a:rPr>
-              <a:t>        </a:t>
-            </a:r>
-            <a:r>
-              <a:rPr lang="en-US" altLang="ko-KR" sz="800" dirty="0" err="1" smtClean="0">
+              <a:t>                              </a:t>
+            </a:r>
+            <a:r>
+              <a:rPr lang="en-US" altLang="ko-KR" sz="800" dirty="0" err="1">
                 <a:solidFill>
                   <a:srgbClr val="FF8184"/>
                 </a:solidFill>
@@ -23657,15 +23898,7 @@
                   <a:srgbClr val="FF8184"/>
                 </a:solidFill>
               </a:rPr>
-              <a:t>Alice               Ariel                         </a:t>
-            </a:r>
-            <a:r>
-              <a:rPr lang="en-US" altLang="ko-KR" sz="800" dirty="0" smtClean="0">
-                <a:solidFill>
-                  <a:srgbClr val="FF8184"/>
-                </a:solidFill>
-              </a:rPr>
-              <a:t>  </a:t>
+              <a:t>Alice               Ariel                           </a:t>
             </a:r>
             <a:r>
               <a:rPr lang="en-US" altLang="ko-KR" sz="800" dirty="0" err="1">
@@ -23682,11 +23915,11 @@
             </a:endParaRPr>
           </a:p>
           <a:p>
-            <a:endParaRPr lang="en-US" altLang="ko-KR" sz="800" dirty="0" smtClean="0"/>
-          </a:p>
-          <a:p>
-            <a:r>
-              <a:rPr lang="en-US" altLang="ko-KR" sz="800" dirty="0" smtClean="0">
+            <a:endParaRPr lang="en-US" altLang="ko-KR" sz="800" dirty="0"/>
+          </a:p>
+          <a:p>
+            <a:r>
+              <a:rPr lang="en-US" altLang="ko-KR" sz="800" dirty="0">
                 <a:solidFill>
                   <a:srgbClr val="FF8184"/>
                 </a:solidFill>
@@ -23694,7 +23927,7 @@
               <a:t>10</a:t>
             </a:r>
             <a:r>
-              <a:rPr lang="ko-KR" altLang="en-US" sz="800" dirty="0" smtClean="0">
+              <a:rPr lang="ko-KR" altLang="en-US" sz="800" dirty="0">
                 <a:solidFill>
                   <a:srgbClr val="FF8184"/>
                 </a:solidFill>
@@ -23702,25 +23935,17 @@
               <a:t>진수</a:t>
             </a:r>
             <a:r>
-              <a:rPr lang="en-US" altLang="ko-KR" sz="800" dirty="0" smtClean="0">
+              <a:rPr lang="en-US" altLang="ko-KR" sz="800" dirty="0">
                 <a:solidFill>
                   <a:srgbClr val="FF8184"/>
                 </a:solidFill>
               </a:rPr>
-              <a:t>: </a:t>
-            </a:r>
-            <a:r>
-              <a:rPr lang="en-US" altLang="ko-KR" sz="800" dirty="0" smtClean="0">
-                <a:solidFill>
-                  <a:srgbClr val="FF8184"/>
-                </a:solidFill>
-              </a:rPr>
-              <a:t>123</a:t>
-            </a:r>
-          </a:p>
-          <a:p>
-            <a:r>
-              <a:rPr lang="en-US" altLang="ko-KR" sz="800" dirty="0" smtClean="0">
+              <a:t>: 123</a:t>
+            </a:r>
+          </a:p>
+          <a:p>
+            <a:r>
+              <a:rPr lang="en-US" altLang="ko-KR" sz="800" dirty="0">
                 <a:solidFill>
                   <a:srgbClr val="FF8184"/>
                 </a:solidFill>
@@ -23728,7 +23953,7 @@
               <a:t>10</a:t>
             </a:r>
             <a:r>
-              <a:rPr lang="ko-KR" altLang="en-US" sz="800" dirty="0" smtClean="0">
+              <a:rPr lang="ko-KR" altLang="en-US" sz="800" dirty="0">
                 <a:solidFill>
                   <a:srgbClr val="FF8184"/>
                 </a:solidFill>
@@ -23736,22 +23961,17 @@
               <a:t>진수</a:t>
             </a:r>
             <a:r>
-              <a:rPr lang="en-US" altLang="ko-KR" sz="800" dirty="0" smtClean="0">
+              <a:rPr lang="en-US" altLang="ko-KR" sz="800" dirty="0">
                 <a:solidFill>
                   <a:srgbClr val="FF8184"/>
                 </a:solidFill>
               </a:rPr>
               <a:t>: 00123</a:t>
             </a:r>
-            <a:endParaRPr lang="en-US" altLang="ko-KR" sz="800" dirty="0" smtClean="0">
-              <a:solidFill>
-                <a:srgbClr val="FF8184"/>
-              </a:solidFill>
-            </a:endParaRPr>
-          </a:p>
-          <a:p>
-            <a:r>
-              <a:rPr lang="en-US" altLang="ko-KR" sz="800" dirty="0" smtClean="0">
+          </a:p>
+          <a:p>
+            <a:r>
+              <a:rPr lang="en-US" altLang="ko-KR" sz="800" dirty="0">
                 <a:solidFill>
                   <a:srgbClr val="FF8184"/>
                 </a:solidFill>
@@ -23759,7 +23979,7 @@
               <a:t>16</a:t>
             </a:r>
             <a:r>
-              <a:rPr lang="ko-KR" altLang="en-US" sz="800" dirty="0" smtClean="0">
+              <a:rPr lang="ko-KR" altLang="en-US" sz="800" dirty="0">
                 <a:solidFill>
                   <a:srgbClr val="FF8184"/>
                 </a:solidFill>
@@ -23767,25 +23987,17 @@
               <a:t>진수</a:t>
             </a:r>
             <a:r>
-              <a:rPr lang="en-US" altLang="ko-KR" sz="800" dirty="0" smtClean="0">
+              <a:rPr lang="en-US" altLang="ko-KR" sz="800" dirty="0">
                 <a:solidFill>
                   <a:srgbClr val="FF8184"/>
                 </a:solidFill>
               </a:rPr>
-              <a:t>: </a:t>
-            </a:r>
-            <a:r>
-              <a:rPr lang="en-US" altLang="ko-KR" sz="800" dirty="0" smtClean="0">
-                <a:solidFill>
-                  <a:srgbClr val="FF8184"/>
-                </a:solidFill>
-              </a:rPr>
-              <a:t>FF1234</a:t>
-            </a:r>
-          </a:p>
-          <a:p>
-            <a:r>
-              <a:rPr lang="en-US" altLang="ko-KR" sz="800" dirty="0" smtClean="0">
+              <a:t>: FF1234</a:t>
+            </a:r>
+          </a:p>
+          <a:p>
+            <a:r>
+              <a:rPr lang="en-US" altLang="ko-KR" sz="800" dirty="0">
                 <a:solidFill>
                   <a:srgbClr val="FF8184"/>
                 </a:solidFill>
@@ -23793,7 +24005,7 @@
               <a:t>16</a:t>
             </a:r>
             <a:r>
-              <a:rPr lang="ko-KR" altLang="en-US" sz="800" dirty="0" smtClean="0">
+              <a:rPr lang="ko-KR" altLang="en-US" sz="800" dirty="0">
                 <a:solidFill>
                   <a:srgbClr val="FF8184"/>
                 </a:solidFill>
@@ -23801,25 +24013,17 @@
               <a:t>진수</a:t>
             </a:r>
             <a:r>
-              <a:rPr lang="en-US" altLang="ko-KR" sz="800" dirty="0" smtClean="0">
+              <a:rPr lang="en-US" altLang="ko-KR" sz="800" dirty="0">
                 <a:solidFill>
                   <a:srgbClr val="FF8184"/>
                 </a:solidFill>
               </a:rPr>
-              <a:t>: </a:t>
-            </a:r>
-            <a:r>
-              <a:rPr lang="en-US" altLang="ko-KR" sz="800" dirty="0" smtClean="0">
-                <a:solidFill>
-                  <a:srgbClr val="FF8184"/>
-                </a:solidFill>
-              </a:rPr>
-              <a:t>00FF1234</a:t>
-            </a:r>
-          </a:p>
-          <a:p>
-            <a:r>
-              <a:rPr lang="ko-KR" altLang="en-US" sz="800" dirty="0" smtClean="0">
+              <a:t>: 00FF1234</a:t>
+            </a:r>
+          </a:p>
+          <a:p>
+            <a:r>
+              <a:rPr lang="ko-KR" altLang="en-US" sz="800" dirty="0">
                 <a:solidFill>
                   <a:srgbClr val="FF8184"/>
                 </a:solidFill>
@@ -23827,25 +24031,17 @@
               <a:t>숫자</a:t>
             </a:r>
             <a:r>
-              <a:rPr lang="en-US" altLang="ko-KR" sz="800" dirty="0" smtClean="0">
+              <a:rPr lang="en-US" altLang="ko-KR" sz="800" dirty="0">
                 <a:solidFill>
                   <a:srgbClr val="FF8184"/>
                 </a:solidFill>
               </a:rPr>
-              <a:t>:</a:t>
-            </a:r>
-            <a:r>
-              <a:rPr lang="en-US" altLang="ko-KR" sz="800" dirty="0" smtClean="0">
-                <a:solidFill>
-                  <a:srgbClr val="FF8184"/>
-                </a:solidFill>
-              </a:rPr>
-              <a:t>123,456,789.00</a:t>
-            </a:r>
-          </a:p>
-          <a:p>
-            <a:r>
-              <a:rPr lang="ko-KR" altLang="en-US" sz="800" dirty="0" smtClean="0">
+              <a:t>:123,456,789.00</a:t>
+            </a:r>
+          </a:p>
+          <a:p>
+            <a:r>
+              <a:rPr lang="ko-KR" altLang="en-US" sz="800" dirty="0">
                 <a:solidFill>
                   <a:srgbClr val="FF8184"/>
                 </a:solidFill>
@@ -23853,25 +24049,17 @@
               <a:t>숫자</a:t>
             </a:r>
             <a:r>
-              <a:rPr lang="en-US" altLang="ko-KR" sz="800" dirty="0" smtClean="0">
+              <a:rPr lang="en-US" altLang="ko-KR" sz="800" dirty="0">
                 <a:solidFill>
                   <a:srgbClr val="FF8184"/>
                 </a:solidFill>
               </a:rPr>
-              <a:t>:</a:t>
-            </a:r>
-            <a:r>
-              <a:rPr lang="en-US" altLang="ko-KR" sz="800" dirty="0" smtClean="0">
-                <a:solidFill>
-                  <a:srgbClr val="FF8184"/>
-                </a:solidFill>
-              </a:rPr>
-              <a:t>123,456,789</a:t>
-            </a:r>
-          </a:p>
-          <a:p>
-            <a:r>
-              <a:rPr lang="ko-KR" altLang="en-US" sz="800" dirty="0" smtClean="0">
+              <a:t>:123,456,789</a:t>
+            </a:r>
+          </a:p>
+          <a:p>
+            <a:r>
+              <a:rPr lang="ko-KR" altLang="en-US" sz="800" dirty="0">
                 <a:solidFill>
                   <a:srgbClr val="FF8184"/>
                 </a:solidFill>
@@ -23879,25 +24067,17 @@
               <a:t>고정소수점</a:t>
             </a:r>
             <a:r>
-              <a:rPr lang="en-US" altLang="ko-KR" sz="800" dirty="0" smtClean="0">
+              <a:rPr lang="en-US" altLang="ko-KR" sz="800" dirty="0">
                 <a:solidFill>
                   <a:srgbClr val="FF8184"/>
                 </a:solidFill>
               </a:rPr>
-              <a:t>: </a:t>
-            </a:r>
-            <a:r>
-              <a:rPr lang="en-US" altLang="ko-KR" sz="800" dirty="0" smtClean="0">
-                <a:solidFill>
-                  <a:srgbClr val="FF8184"/>
-                </a:solidFill>
-              </a:rPr>
-              <a:t>123.46</a:t>
-            </a:r>
-          </a:p>
-          <a:p>
-            <a:r>
-              <a:rPr lang="ko-KR" altLang="en-US" sz="800" dirty="0" smtClean="0">
+              <a:t>: 123.46</a:t>
+            </a:r>
+          </a:p>
+          <a:p>
+            <a:r>
+              <a:rPr lang="ko-KR" altLang="en-US" sz="800" dirty="0">
                 <a:solidFill>
                   <a:srgbClr val="FF8184"/>
                 </a:solidFill>
@@ -23905,25 +24085,17 @@
               <a:t>고정소수점</a:t>
             </a:r>
             <a:r>
-              <a:rPr lang="en-US" altLang="ko-KR" sz="800" dirty="0" smtClean="0">
+              <a:rPr lang="en-US" altLang="ko-KR" sz="800" dirty="0">
                 <a:solidFill>
                   <a:srgbClr val="FF8184"/>
                 </a:solidFill>
               </a:rPr>
-              <a:t>: </a:t>
-            </a:r>
-            <a:r>
-              <a:rPr lang="en-US" altLang="ko-KR" sz="800" dirty="0" smtClean="0">
-                <a:solidFill>
-                  <a:srgbClr val="FF8184"/>
-                </a:solidFill>
-              </a:rPr>
-              <a:t>123.45600</a:t>
-            </a:r>
-          </a:p>
-          <a:p>
-            <a:r>
-              <a:rPr lang="ko-KR" altLang="en-US" sz="800" dirty="0" smtClean="0">
+              <a:t>: 123.45600</a:t>
+            </a:r>
+          </a:p>
+          <a:p>
+            <a:r>
+              <a:rPr lang="ko-KR" altLang="en-US" sz="800" dirty="0">
                 <a:solidFill>
                   <a:srgbClr val="FF8184"/>
                 </a:solidFill>
@@ -23931,37 +24103,24 @@
               <a:t>공학용</a:t>
             </a:r>
             <a:r>
-              <a:rPr lang="en-US" altLang="ko-KR" sz="800" dirty="0" smtClean="0">
+              <a:rPr lang="en-US" altLang="ko-KR" sz="800" dirty="0">
                 <a:solidFill>
                   <a:srgbClr val="FF8184"/>
                 </a:solidFill>
               </a:rPr>
-              <a:t>: </a:t>
-            </a:r>
-            <a:r>
-              <a:rPr lang="en-US" altLang="ko-KR" sz="800" dirty="0" smtClean="0">
-                <a:solidFill>
-                  <a:srgbClr val="FF8184"/>
-                </a:solidFill>
-              </a:rPr>
-              <a:t>1.234568E+002</a:t>
-            </a:r>
-            <a:endParaRPr lang="en-US" altLang="ko-KR" sz="800" dirty="0" smtClean="0">
+              <a:t>: 1.234568E+002</a:t>
+            </a:r>
+          </a:p>
+          <a:p>
+            <a:endParaRPr lang="en-US" altLang="ko-KR" sz="800" dirty="0">
               <a:solidFill>
                 <a:srgbClr val="FF8184"/>
               </a:solidFill>
             </a:endParaRPr>
           </a:p>
           <a:p>
-            <a:endParaRPr lang="en-US" altLang="ko-KR" sz="800" dirty="0" smtClean="0">
-              <a:solidFill>
-                <a:srgbClr val="FF8184"/>
-              </a:solidFill>
-            </a:endParaRPr>
-          </a:p>
-          <a:p>
-            <a:r>
-              <a:rPr lang="en-US" altLang="ko-KR" sz="800" dirty="0" smtClean="0">
+            <a:r>
+              <a:rPr lang="en-US" altLang="ko-KR" sz="800" dirty="0">
                 <a:solidFill>
                   <a:srgbClr val="FF8184"/>
                 </a:solidFill>
@@ -23969,7 +24128,7 @@
               <a:t>12</a:t>
             </a:r>
             <a:r>
-              <a:rPr lang="ko-KR" altLang="en-US" sz="800" dirty="0" smtClean="0">
+              <a:rPr lang="ko-KR" altLang="en-US" sz="800" dirty="0">
                 <a:solidFill>
                   <a:srgbClr val="FF8184"/>
                 </a:solidFill>
@@ -23977,7 +24136,7 @@
               <a:t>시간 형식</a:t>
             </a:r>
             <a:r>
-              <a:rPr lang="en-US" altLang="ko-KR" sz="800" dirty="0" smtClean="0">
+              <a:rPr lang="en-US" altLang="ko-KR" sz="800" dirty="0">
                 <a:solidFill>
                   <a:srgbClr val="FF8184"/>
                 </a:solidFill>
@@ -23985,7 +24144,7 @@
               <a:t>: 2018-11-03 </a:t>
             </a:r>
             <a:r>
-              <a:rPr lang="ko-KR" altLang="en-US" sz="800" dirty="0" smtClean="0">
+              <a:rPr lang="ko-KR" altLang="en-US" sz="800" dirty="0">
                 <a:solidFill>
                   <a:srgbClr val="FF8184"/>
                 </a:solidFill>
@@ -23993,7 +24152,7 @@
               <a:t>오후 </a:t>
             </a:r>
             <a:r>
-              <a:rPr lang="en-US" altLang="ko-KR" sz="800" dirty="0" smtClean="0">
+              <a:rPr lang="en-US" altLang="ko-KR" sz="800" dirty="0">
                 <a:solidFill>
                   <a:srgbClr val="FF8184"/>
                 </a:solidFill>
@@ -24001,7 +24160,7 @@
               <a:t>11:18:22 (</a:t>
             </a:r>
             <a:r>
-              <a:rPr lang="ko-KR" altLang="en-US" sz="800" dirty="0" smtClean="0">
+              <a:rPr lang="ko-KR" altLang="en-US" sz="800" dirty="0">
                 <a:solidFill>
                   <a:srgbClr val="FF8184"/>
                 </a:solidFill>
@@ -24009,7 +24168,7 @@
               <a:t>토</a:t>
             </a:r>
             <a:r>
-              <a:rPr lang="en-US" altLang="ko-KR" sz="800" dirty="0" smtClean="0">
+              <a:rPr lang="en-US" altLang="ko-KR" sz="800" dirty="0">
                 <a:solidFill>
                   <a:srgbClr val="FF8184"/>
                 </a:solidFill>
@@ -24019,7 +24178,7 @@
           </a:p>
           <a:p>
             <a:r>
-              <a:rPr lang="en-US" altLang="ko-KR" sz="800" dirty="0" smtClean="0">
+              <a:rPr lang="en-US" altLang="ko-KR" sz="800" dirty="0">
                 <a:solidFill>
                   <a:srgbClr val="FF8184"/>
                 </a:solidFill>
@@ -24027,7 +24186,7 @@
               <a:t>24</a:t>
             </a:r>
             <a:r>
-              <a:rPr lang="ko-KR" altLang="en-US" sz="800" dirty="0" smtClean="0">
+              <a:rPr lang="ko-KR" altLang="en-US" sz="800" dirty="0">
                 <a:solidFill>
                   <a:srgbClr val="FF8184"/>
                 </a:solidFill>
@@ -24035,7 +24194,7 @@
               <a:t>시간 형식</a:t>
             </a:r>
             <a:r>
-              <a:rPr lang="en-US" altLang="ko-KR" sz="800" dirty="0" smtClean="0">
+              <a:rPr lang="en-US" altLang="ko-KR" sz="800" dirty="0">
                 <a:solidFill>
                   <a:srgbClr val="FF8184"/>
                 </a:solidFill>
@@ -24043,7 +24202,7 @@
               <a:t>: 2018-11-03 23:18:22 (</a:t>
             </a:r>
             <a:r>
-              <a:rPr lang="ko-KR" altLang="en-US" sz="800" dirty="0" smtClean="0">
+              <a:rPr lang="ko-KR" altLang="en-US" sz="800" dirty="0">
                 <a:solidFill>
                   <a:srgbClr val="FF8184"/>
                 </a:solidFill>
@@ -24051,22 +24210,17 @@
               <a:t>토요일</a:t>
             </a:r>
             <a:r>
-              <a:rPr lang="en-US" altLang="ko-KR" sz="800" dirty="0" smtClean="0">
+              <a:rPr lang="en-US" altLang="ko-KR" sz="800" dirty="0">
                 <a:solidFill>
                   <a:srgbClr val="FF8184"/>
                 </a:solidFill>
               </a:rPr>
               <a:t>) </a:t>
             </a:r>
-            <a:endParaRPr lang="en-US" altLang="ko-KR" sz="800" dirty="0" smtClean="0">
-              <a:solidFill>
-                <a:srgbClr val="FF8184"/>
-              </a:solidFill>
-            </a:endParaRPr>
-          </a:p>
-          <a:p>
-            <a:r>
-              <a:rPr lang="en-US" altLang="ko-KR" sz="800" dirty="0" smtClean="0"/>
+          </a:p>
+          <a:p>
+            <a:r>
+              <a:rPr lang="en-US" altLang="ko-KR" sz="800" dirty="0"/>
               <a:t>*/</a:t>
             </a:r>
             <a:endParaRPr lang="ko-KR" altLang="en-US" sz="800" dirty="0"/>
@@ -24082,7 +24236,7 @@
           <p:nvPr>
             <p:extLst>
               <p:ext uri="{D42A27DB-BD31-4B8C-83A1-F6EECF244321}">
-                <p14:modId xmlns:p14="http://schemas.microsoft.com/office/powerpoint/2010/main" xmlns="" val="2910321195"/>
+                <p14:modId xmlns:p14="http://schemas.microsoft.com/office/powerpoint/2010/main" val="2910321195"/>
               </p:ext>
             </p:extLst>
           </p:nvPr>
@@ -24101,21 +24255,21 @@
                 <a:gridCol w="623570">
                   <a:extLst>
                     <a:ext uri="{9D8B030D-6E8A-4147-A177-3AD203B41FA5}">
-                      <a16:colId xmlns:a16="http://schemas.microsoft.com/office/drawing/2014/main" xmlns="" val="20000"/>
+                      <a16:colId xmlns:a16="http://schemas.microsoft.com/office/drawing/2014/main" val="20000"/>
                     </a:ext>
                   </a:extLst>
                 </a:gridCol>
                 <a:gridCol w="1071245">
                   <a:extLst>
                     <a:ext uri="{9D8B030D-6E8A-4147-A177-3AD203B41FA5}">
-                      <a16:colId xmlns:a16="http://schemas.microsoft.com/office/drawing/2014/main" xmlns="" val="20001"/>
+                      <a16:colId xmlns:a16="http://schemas.microsoft.com/office/drawing/2014/main" val="20001"/>
                     </a:ext>
                   </a:extLst>
                 </a:gridCol>
                 <a:gridCol w="1899920">
                   <a:extLst>
                     <a:ext uri="{9D8B030D-6E8A-4147-A177-3AD203B41FA5}">
-                      <a16:colId xmlns:a16="http://schemas.microsoft.com/office/drawing/2014/main" xmlns="" val="20002"/>
+                      <a16:colId xmlns:a16="http://schemas.microsoft.com/office/drawing/2014/main" val="20002"/>
                     </a:ext>
                   </a:extLst>
                 </a:gridCol>
@@ -24127,7 +24281,7 @@
                     <a:lstStyle/>
                     <a:p>
                       <a:r>
-                        <a:rPr lang="ko-KR" altLang="en-US" sz="1000" smtClean="0"/>
+                        <a:rPr lang="ko-KR" altLang="en-US" sz="1000"/>
                         <a:t>지정자</a:t>
                       </a:r>
                       <a:endParaRPr lang="ko-KR" altLang="en-US" sz="1000" b="1" dirty="0"/>
@@ -24291,7 +24445,7 @@
                 </a:tc>
                 <a:extLst>
                   <a:ext uri="{0D108BD9-81ED-4DB2-BD59-A6C34878D82A}">
-                    <a16:rowId xmlns:a16="http://schemas.microsoft.com/office/drawing/2014/main" xmlns="" val="10000"/>
+                    <a16:rowId xmlns:a16="http://schemas.microsoft.com/office/drawing/2014/main" val="10000"/>
                   </a:ext>
                 </a:extLst>
               </a:tr>
@@ -24499,7 +24653,7 @@
                 </a:tc>
                 <a:extLst>
                   <a:ext uri="{0D108BD9-81ED-4DB2-BD59-A6C34878D82A}">
-                    <a16:rowId xmlns:a16="http://schemas.microsoft.com/office/drawing/2014/main" xmlns="" val="10001"/>
+                    <a16:rowId xmlns:a16="http://schemas.microsoft.com/office/drawing/2014/main" val="10001"/>
                   </a:ext>
                 </a:extLst>
               </a:tr>
@@ -24704,7 +24858,7 @@
                 </a:tc>
                 <a:extLst>
                   <a:ext uri="{0D108BD9-81ED-4DB2-BD59-A6C34878D82A}">
-                    <a16:rowId xmlns:a16="http://schemas.microsoft.com/office/drawing/2014/main" xmlns="" val="10002"/>
+                    <a16:rowId xmlns:a16="http://schemas.microsoft.com/office/drawing/2014/main" val="10002"/>
                   </a:ext>
                 </a:extLst>
               </a:tr>
@@ -24914,7 +25068,7 @@
                 </a:tc>
                 <a:extLst>
                   <a:ext uri="{0D108BD9-81ED-4DB2-BD59-A6C34878D82A}">
-                    <a16:rowId xmlns:a16="http://schemas.microsoft.com/office/drawing/2014/main" xmlns="" val="10003"/>
+                    <a16:rowId xmlns:a16="http://schemas.microsoft.com/office/drawing/2014/main" val="10003"/>
                   </a:ext>
                 </a:extLst>
               </a:tr>
@@ -25128,7 +25282,7 @@
                 </a:tc>
                 <a:extLst>
                   <a:ext uri="{0D108BD9-81ED-4DB2-BD59-A6C34878D82A}">
-                    <a16:rowId xmlns:a16="http://schemas.microsoft.com/office/drawing/2014/main" xmlns="" val="10004"/>
+                    <a16:rowId xmlns:a16="http://schemas.microsoft.com/office/drawing/2014/main" val="10004"/>
                   </a:ext>
                 </a:extLst>
               </a:tr>
@@ -25337,7 +25491,7 @@
                 </a:tc>
                 <a:extLst>
                   <a:ext uri="{0D108BD9-81ED-4DB2-BD59-A6C34878D82A}">
-                    <a16:rowId xmlns:a16="http://schemas.microsoft.com/office/drawing/2014/main" xmlns="" val="10005"/>
+                    <a16:rowId xmlns:a16="http://schemas.microsoft.com/office/drawing/2014/main" val="10005"/>
                   </a:ext>
                 </a:extLst>
               </a:tr>
@@ -25542,7 +25696,7 @@
                 </a:tc>
                 <a:extLst>
                   <a:ext uri="{0D108BD9-81ED-4DB2-BD59-A6C34878D82A}">
-                    <a16:rowId xmlns:a16="http://schemas.microsoft.com/office/drawing/2014/main" xmlns="" val="10006"/>
+                    <a16:rowId xmlns:a16="http://schemas.microsoft.com/office/drawing/2014/main" val="10006"/>
                   </a:ext>
                 </a:extLst>
               </a:tr>
@@ -25752,7 +25906,7 @@
                 </a:tc>
                 <a:extLst>
                   <a:ext uri="{0D108BD9-81ED-4DB2-BD59-A6C34878D82A}">
-                    <a16:rowId xmlns:a16="http://schemas.microsoft.com/office/drawing/2014/main" xmlns="" val="10007"/>
+                    <a16:rowId xmlns:a16="http://schemas.microsoft.com/office/drawing/2014/main" val="10007"/>
                   </a:ext>
                 </a:extLst>
               </a:tr>
@@ -25966,7 +26120,7 @@
                 </a:tc>
                 <a:extLst>
                   <a:ext uri="{0D108BD9-81ED-4DB2-BD59-A6C34878D82A}">
-                    <a16:rowId xmlns:a16="http://schemas.microsoft.com/office/drawing/2014/main" xmlns="" val="10008"/>
+                    <a16:rowId xmlns:a16="http://schemas.microsoft.com/office/drawing/2014/main" val="10008"/>
                   </a:ext>
                 </a:extLst>
               </a:tr>
@@ -26117,7 +26271,7 @@
                         <a:t> / </a:t>
                       </a:r>
                       <a:r>
-                        <a:rPr lang="en-US" sz="1000" dirty="0" err="1" smtClean="0"/>
+                        <a:rPr lang="en-US" sz="1000" dirty="0" err="1"/>
                         <a:t>dddd</a:t>
                       </a:r>
                       <a:endParaRPr lang="en-US" sz="1000" dirty="0"/>
@@ -26180,7 +26334,7 @@
                 </a:tc>
                 <a:extLst>
                   <a:ext uri="{0D108BD9-81ED-4DB2-BD59-A6C34878D82A}">
-                    <a16:rowId xmlns:a16="http://schemas.microsoft.com/office/drawing/2014/main" xmlns="" val="10009"/>
+                    <a16:rowId xmlns:a16="http://schemas.microsoft.com/office/drawing/2014/main" val="10009"/>
                   </a:ext>
                 </a:extLst>
               </a:tr>
@@ -26327,7 +26481,7 @@
                     <a:lstStyle/>
                     <a:p>
                       <a:r>
-                        <a:rPr lang="en-US" altLang="ko-KR" sz="1000" dirty="0" smtClean="0"/>
+                        <a:rPr lang="en-US" altLang="ko-KR" sz="1000" dirty="0"/>
                         <a:t>10</a:t>
                       </a:r>
                       <a:r>
@@ -26391,6 +26545,11 @@
                     </a:lnBlToTr>
                   </a:tcPr>
                 </a:tc>
+                <a:extLst>
+                  <a:ext uri="{0D108BD9-81ED-4DB2-BD59-A6C34878D82A}">
+                    <a16:rowId xmlns:a16="http://schemas.microsoft.com/office/drawing/2014/main" val="10010"/>
+                  </a:ext>
+                </a:extLst>
               </a:tr>
               <a:tr h="251124">
                 <a:tc>
@@ -26535,7 +26694,7 @@
                     <a:lstStyle/>
                     <a:p>
                       <a:r>
-                        <a:rPr lang="en-US" altLang="ko-KR" sz="1000" dirty="0" smtClean="0"/>
+                        <a:rPr lang="en-US" altLang="ko-KR" sz="1000" dirty="0"/>
                         <a:t>16</a:t>
                       </a:r>
                       <a:r>
@@ -26599,6 +26758,11 @@
                     </a:lnBlToTr>
                   </a:tcPr>
                 </a:tc>
+                <a:extLst>
+                  <a:ext uri="{0D108BD9-81ED-4DB2-BD59-A6C34878D82A}">
+                    <a16:rowId xmlns:a16="http://schemas.microsoft.com/office/drawing/2014/main" val="10011"/>
+                  </a:ext>
+                </a:extLst>
               </a:tr>
               <a:tr h="320059">
                 <a:tc>
@@ -26754,18 +26918,9 @@
                     <a:lstStyle/>
                     <a:p>
                       <a:r>
-                        <a:rPr lang="ko-KR" altLang="en-US" sz="1000" dirty="0" smtClean="0"/>
-                        <a:t>콤마로 </a:t>
+                        <a:rPr lang="ko-KR" altLang="en-US" sz="1000" dirty="0"/>
+                        <a:t>콤마로 구분하여 출력</a:t>
                       </a:r>
-                      <a:r>
-                        <a:rPr lang="ko-KR" altLang="en-US" sz="1000" dirty="0"/>
-                        <a:t>구분하여 </a:t>
-                      </a:r>
-                      <a:r>
-                        <a:rPr lang="ko-KR" altLang="en-US" sz="1000" dirty="0" smtClean="0"/>
-                        <a:t>출력</a:t>
-                      </a:r>
-                      <a:endParaRPr lang="ko-KR" altLang="en-US" sz="1000" dirty="0"/>
                     </a:p>
                   </a:txBody>
                   <a:tcPr marL="99060" marR="99060" anchor="ctr">
@@ -26823,6 +26978,11 @@
                     </a:lnBlToTr>
                   </a:tcPr>
                 </a:tc>
+                <a:extLst>
+                  <a:ext uri="{0D108BD9-81ED-4DB2-BD59-A6C34878D82A}">
+                    <a16:rowId xmlns:a16="http://schemas.microsoft.com/office/drawing/2014/main" val="10012"/>
+                  </a:ext>
+                </a:extLst>
               </a:tr>
               <a:tr h="251124">
                 <a:tc>
@@ -26963,12 +27123,8 @@
                     <a:lstStyle/>
                     <a:p>
                       <a:r>
-                        <a:rPr lang="ko-KR" altLang="en-US" sz="1000" dirty="0" smtClean="0"/>
-                        <a:t>고정 </a:t>
-                      </a:r>
-                      <a:r>
                         <a:rPr lang="ko-KR" altLang="en-US" sz="1000" dirty="0"/>
-                        <a:t>소수점 형식으로 서식화</a:t>
+                        <a:t>고정 소수점 형식으로 서식화</a:t>
                       </a:r>
                     </a:p>
                   </a:txBody>
@@ -27027,6 +27183,11 @@
                     </a:lnBlToTr>
                   </a:tcPr>
                 </a:tc>
+                <a:extLst>
+                  <a:ext uri="{0D108BD9-81ED-4DB2-BD59-A6C34878D82A}">
+                    <a16:rowId xmlns:a16="http://schemas.microsoft.com/office/drawing/2014/main" val="10013"/>
+                  </a:ext>
+                </a:extLst>
               </a:tr>
               <a:tr h="251124">
                 <a:tc>
@@ -27167,12 +27328,8 @@
                     <a:lstStyle/>
                     <a:p>
                       <a:r>
-                        <a:rPr lang="ko-KR" altLang="en-US" sz="1000" dirty="0" smtClean="0"/>
-                        <a:t>지수 </a:t>
-                      </a:r>
-                      <a:r>
                         <a:rPr lang="ko-KR" altLang="en-US" sz="1000" dirty="0"/>
-                        <a:t>표기로 서식화</a:t>
+                        <a:t>지수 표기로 서식화</a:t>
                       </a:r>
                     </a:p>
                   </a:txBody>
@@ -27231,6 +27388,11 @@
                     </a:lnBlToTr>
                   </a:tcPr>
                 </a:tc>
+                <a:extLst>
+                  <a:ext uri="{0D108BD9-81ED-4DB2-BD59-A6C34878D82A}">
+                    <a16:rowId xmlns:a16="http://schemas.microsoft.com/office/drawing/2014/main" val="10014"/>
+                  </a:ext>
+                </a:extLst>
               </a:tr>
             </a:tbl>
           </a:graphicData>
@@ -27241,13 +27403,6 @@
   <p:clrMapOvr>
     <a:masterClrMapping/>
   </p:clrMapOvr>
-  <p:timing>
-    <p:tnLst>
-      <p:par>
-        <p:cTn id="1" dur="indefinite" restart="never" nodeType="tmRoot"/>
-      </p:par>
-    </p:tnLst>
-  </p:timing>
 </p:sld>
 </file>
 
@@ -27273,7 +27428,7 @@
           <p:cNvPr id="4" name="직선 연결선 3">
             <a:extLst>
               <a:ext uri="{FF2B5EF4-FFF2-40B4-BE49-F238E27FC236}">
-                <a16:creationId xmlns:a16="http://schemas.microsoft.com/office/drawing/2014/main" xmlns="" id="{8F39F5B7-40A4-49C1-BFB1-9FAFD5A9F098}"/>
+                <a16:creationId xmlns:a16="http://schemas.microsoft.com/office/drawing/2014/main" id="{8F39F5B7-40A4-49C1-BFB1-9FAFD5A9F098}"/>
               </a:ext>
             </a:extLst>
           </p:cNvPr>
@@ -27316,7 +27471,7 @@
           <p:cNvPr id="5" name="직선 연결선 4">
             <a:extLst>
               <a:ext uri="{FF2B5EF4-FFF2-40B4-BE49-F238E27FC236}">
-                <a16:creationId xmlns:a16="http://schemas.microsoft.com/office/drawing/2014/main" xmlns="" id="{ECD2CB5B-2829-4444-AE9A-20F5FBB8A32B}"/>
+                <a16:creationId xmlns:a16="http://schemas.microsoft.com/office/drawing/2014/main" id="{ECD2CB5B-2829-4444-AE9A-20F5FBB8A32B}"/>
               </a:ext>
             </a:extLst>
           </p:cNvPr>
@@ -27359,7 +27514,7 @@
           <p:cNvPr id="8" name="직사각형 7">
             <a:extLst>
               <a:ext uri="{FF2B5EF4-FFF2-40B4-BE49-F238E27FC236}">
-                <a16:creationId xmlns:a16="http://schemas.microsoft.com/office/drawing/2014/main" xmlns="" id="{3D7FA208-A66D-4451-898D-9A95CD548BC5}"/>
+                <a16:creationId xmlns:a16="http://schemas.microsoft.com/office/drawing/2014/main" id="{3D7FA208-A66D-4451-898D-9A95CD548BC5}"/>
               </a:ext>
             </a:extLst>
           </p:cNvPr>
@@ -27436,7 +27591,7 @@
           <p:cNvPr id="13" name="화살표: 갈매기형 수장 12">
             <a:extLst>
               <a:ext uri="{FF2B5EF4-FFF2-40B4-BE49-F238E27FC236}">
-                <a16:creationId xmlns:a16="http://schemas.microsoft.com/office/drawing/2014/main" xmlns="" id="{1A711834-EE74-4195-91B3-DAEA8F6A75A2}"/>
+                <a16:creationId xmlns:a16="http://schemas.microsoft.com/office/drawing/2014/main" id="{1A711834-EE74-4195-91B3-DAEA8F6A75A2}"/>
               </a:ext>
             </a:extLst>
           </p:cNvPr>
@@ -27525,7 +27680,7 @@
           <p:cNvPr id="17" name="직사각형 16">
             <a:extLst>
               <a:ext uri="{FF2B5EF4-FFF2-40B4-BE49-F238E27FC236}">
-                <a16:creationId xmlns:a16="http://schemas.microsoft.com/office/drawing/2014/main" xmlns="" id="{3D7FA208-A66D-4451-898D-9A95CD548BC5}"/>
+                <a16:creationId xmlns:a16="http://schemas.microsoft.com/office/drawing/2014/main" id="{3D7FA208-A66D-4451-898D-9A95CD548BC5}"/>
               </a:ext>
             </a:extLst>
           </p:cNvPr>
@@ -27602,7 +27757,7 @@
           <p:cNvPr id="18" name="직사각형 17">
             <a:extLst>
               <a:ext uri="{FF2B5EF4-FFF2-40B4-BE49-F238E27FC236}">
-                <a16:creationId xmlns:a16="http://schemas.microsoft.com/office/drawing/2014/main" xmlns="" id="{3D7FA208-A66D-4451-898D-9A95CD548BC5}"/>
+                <a16:creationId xmlns:a16="http://schemas.microsoft.com/office/drawing/2014/main" id="{3D7FA208-A66D-4451-898D-9A95CD548BC5}"/>
               </a:ext>
             </a:extLst>
           </p:cNvPr>
@@ -27679,7 +27834,7 @@
           <p:cNvPr id="19" name="직사각형 18">
             <a:extLst>
               <a:ext uri="{FF2B5EF4-FFF2-40B4-BE49-F238E27FC236}">
-                <a16:creationId xmlns:a16="http://schemas.microsoft.com/office/drawing/2014/main" xmlns="" id="{3D7FA208-A66D-4451-898D-9A95CD548BC5}"/>
+                <a16:creationId xmlns:a16="http://schemas.microsoft.com/office/drawing/2014/main" id="{3D7FA208-A66D-4451-898D-9A95CD548BC5}"/>
               </a:ext>
             </a:extLst>
           </p:cNvPr>
@@ -27754,7 +27909,7 @@
     </p:spTree>
     <p:extLst>
       <p:ext uri="{BB962C8B-B14F-4D97-AF65-F5344CB8AC3E}">
-        <p14:creationId xmlns:p14="http://schemas.microsoft.com/office/powerpoint/2010/main" xmlns="" val="545226184"/>
+        <p14:creationId xmlns:p14="http://schemas.microsoft.com/office/powerpoint/2010/main" val="545226184"/>
       </p:ext>
     </p:extLst>
   </p:cSld>
@@ -27786,7 +27941,7 @@
           <p:cNvPr id="4" name="평행 사변형 3">
             <a:extLst>
               <a:ext uri="{FF2B5EF4-FFF2-40B4-BE49-F238E27FC236}">
-                <a16:creationId xmlns:a16="http://schemas.microsoft.com/office/drawing/2014/main" xmlns="" id="{9E51E1B9-A2D7-4C59-B3F6-64ACA3CB7CB5}"/>
+                <a16:creationId xmlns:a16="http://schemas.microsoft.com/office/drawing/2014/main" id="{9E51E1B9-A2D7-4C59-B3F6-64ACA3CB7CB5}"/>
               </a:ext>
             </a:extLst>
           </p:cNvPr>
@@ -27838,7 +27993,7 @@
           <p:cNvPr id="5" name="평행 사변형 4">
             <a:extLst>
               <a:ext uri="{FF2B5EF4-FFF2-40B4-BE49-F238E27FC236}">
-                <a16:creationId xmlns:a16="http://schemas.microsoft.com/office/drawing/2014/main" xmlns="" id="{D24C7BD1-51A1-407F-9B25-E8E77595C01D}"/>
+                <a16:creationId xmlns:a16="http://schemas.microsoft.com/office/drawing/2014/main" id="{D24C7BD1-51A1-407F-9B25-E8E77595C01D}"/>
               </a:ext>
             </a:extLst>
           </p:cNvPr>
@@ -27890,7 +28045,7 @@
           <p:cNvPr id="6" name="이등변 삼각형 5">
             <a:extLst>
               <a:ext uri="{FF2B5EF4-FFF2-40B4-BE49-F238E27FC236}">
-                <a16:creationId xmlns:a16="http://schemas.microsoft.com/office/drawing/2014/main" xmlns="" id="{BFCEF8FF-4F33-403F-A761-5748498B500F}"/>
+                <a16:creationId xmlns:a16="http://schemas.microsoft.com/office/drawing/2014/main" id="{BFCEF8FF-4F33-403F-A761-5748498B500F}"/>
               </a:ext>
             </a:extLst>
           </p:cNvPr>
@@ -27944,7 +28099,7 @@
           <p:cNvPr id="8" name="TextBox 7">
             <a:extLst>
               <a:ext uri="{FF2B5EF4-FFF2-40B4-BE49-F238E27FC236}">
-                <a16:creationId xmlns:a16="http://schemas.microsoft.com/office/drawing/2014/main" xmlns="" id="{69B3AD0F-45C6-465C-8F85-6C00FE83F583}"/>
+                <a16:creationId xmlns:a16="http://schemas.microsoft.com/office/drawing/2014/main" id="{69B3AD0F-45C6-465C-8F85-6C00FE83F583}"/>
               </a:ext>
             </a:extLst>
           </p:cNvPr>
@@ -27989,7 +28144,7 @@
           <p:cNvPr id="9" name="TextBox 8">
             <a:extLst>
               <a:ext uri="{FF2B5EF4-FFF2-40B4-BE49-F238E27FC236}">
-                <a16:creationId xmlns:a16="http://schemas.microsoft.com/office/drawing/2014/main" xmlns="" id="{66586D1D-61BE-4619-BF73-556CB4D7B847}"/>
+                <a16:creationId xmlns:a16="http://schemas.microsoft.com/office/drawing/2014/main" id="{66586D1D-61BE-4619-BF73-556CB4D7B847}"/>
               </a:ext>
             </a:extLst>
           </p:cNvPr>
@@ -28044,7 +28199,7 @@
           <p:cNvPr id="10" name="TextBox 9">
             <a:extLst>
               <a:ext uri="{FF2B5EF4-FFF2-40B4-BE49-F238E27FC236}">
-                <a16:creationId xmlns:a16="http://schemas.microsoft.com/office/drawing/2014/main" xmlns="" id="{37228CF0-F9B6-42A2-A9BF-7E9A8E294943}"/>
+                <a16:creationId xmlns:a16="http://schemas.microsoft.com/office/drawing/2014/main" id="{37228CF0-F9B6-42A2-A9BF-7E9A8E294943}"/>
               </a:ext>
             </a:extLst>
           </p:cNvPr>
@@ -28099,7 +28254,7 @@
           <p:cNvPr id="11" name="TextBox 10">
             <a:extLst>
               <a:ext uri="{FF2B5EF4-FFF2-40B4-BE49-F238E27FC236}">
-                <a16:creationId xmlns:a16="http://schemas.microsoft.com/office/drawing/2014/main" xmlns="" id="{251FB0FF-51CD-4E4D-8B1F-D32C1ABC710C}"/>
+                <a16:creationId xmlns:a16="http://schemas.microsoft.com/office/drawing/2014/main" id="{251FB0FF-51CD-4E4D-8B1F-D32C1ABC710C}"/>
               </a:ext>
             </a:extLst>
           </p:cNvPr>
@@ -28142,7 +28297,7 @@
           <p:cNvPr id="12" name="직선 연결선 11">
             <a:extLst>
               <a:ext uri="{FF2B5EF4-FFF2-40B4-BE49-F238E27FC236}">
-                <a16:creationId xmlns:a16="http://schemas.microsoft.com/office/drawing/2014/main" xmlns="" id="{57F57434-15F1-4873-9D38-0CF9D38038A3}"/>
+                <a16:creationId xmlns:a16="http://schemas.microsoft.com/office/drawing/2014/main" id="{57F57434-15F1-4873-9D38-0CF9D38038A3}"/>
               </a:ext>
             </a:extLst>
           </p:cNvPr>
@@ -28185,7 +28340,7 @@
           <p:cNvPr id="13" name="직선 연결선 12">
             <a:extLst>
               <a:ext uri="{FF2B5EF4-FFF2-40B4-BE49-F238E27FC236}">
-                <a16:creationId xmlns:a16="http://schemas.microsoft.com/office/drawing/2014/main" xmlns="" id="{95C24FB6-175B-46E6-9D93-DDC5EC0814CF}"/>
+                <a16:creationId xmlns:a16="http://schemas.microsoft.com/office/drawing/2014/main" id="{95C24FB6-175B-46E6-9D93-DDC5EC0814CF}"/>
               </a:ext>
             </a:extLst>
           </p:cNvPr>
@@ -28228,7 +28383,7 @@
           <p:cNvPr id="14" name="직선 연결선 13">
             <a:extLst>
               <a:ext uri="{FF2B5EF4-FFF2-40B4-BE49-F238E27FC236}">
-                <a16:creationId xmlns:a16="http://schemas.microsoft.com/office/drawing/2014/main" xmlns="" id="{64D22D50-A8A3-471B-8F13-50A0188C4FAC}"/>
+                <a16:creationId xmlns:a16="http://schemas.microsoft.com/office/drawing/2014/main" id="{64D22D50-A8A3-471B-8F13-50A0188C4FAC}"/>
               </a:ext>
             </a:extLst>
           </p:cNvPr>
@@ -28271,7 +28426,7 @@
           <p:cNvPr id="15" name="TextBox 14">
             <a:extLst>
               <a:ext uri="{FF2B5EF4-FFF2-40B4-BE49-F238E27FC236}">
-                <a16:creationId xmlns:a16="http://schemas.microsoft.com/office/drawing/2014/main" xmlns="" id="{22C1B100-4DAA-4B4A-A3F7-B4547ED60775}"/>
+                <a16:creationId xmlns:a16="http://schemas.microsoft.com/office/drawing/2014/main" id="{22C1B100-4DAA-4B4A-A3F7-B4547ED60775}"/>
               </a:ext>
             </a:extLst>
           </p:cNvPr>
@@ -28323,7 +28478,7 @@
           <p:cNvPr id="16" name="TextBox 15">
             <a:extLst>
               <a:ext uri="{FF2B5EF4-FFF2-40B4-BE49-F238E27FC236}">
-                <a16:creationId xmlns:a16="http://schemas.microsoft.com/office/drawing/2014/main" xmlns="" id="{C39B9135-8910-41D2-9F6A-88AF5A728A64}"/>
+                <a16:creationId xmlns:a16="http://schemas.microsoft.com/office/drawing/2014/main" id="{C39B9135-8910-41D2-9F6A-88AF5A728A64}"/>
               </a:ext>
             </a:extLst>
           </p:cNvPr>
@@ -28375,7 +28530,7 @@
           <p:cNvPr id="17" name="평행 사변형 16">
             <a:extLst>
               <a:ext uri="{FF2B5EF4-FFF2-40B4-BE49-F238E27FC236}">
-                <a16:creationId xmlns:a16="http://schemas.microsoft.com/office/drawing/2014/main" xmlns="" id="{CAF5F578-8886-4991-973A-DD85EB8DE939}"/>
+                <a16:creationId xmlns:a16="http://schemas.microsoft.com/office/drawing/2014/main" id="{CAF5F578-8886-4991-973A-DD85EB8DE939}"/>
               </a:ext>
             </a:extLst>
           </p:cNvPr>
@@ -28427,7 +28582,7 @@
           <p:cNvPr id="18" name="평행 사변형 17">
             <a:extLst>
               <a:ext uri="{FF2B5EF4-FFF2-40B4-BE49-F238E27FC236}">
-                <a16:creationId xmlns:a16="http://schemas.microsoft.com/office/drawing/2014/main" xmlns="" id="{B4775B17-7FCA-498D-82DA-4C57BC221C1D}"/>
+                <a16:creationId xmlns:a16="http://schemas.microsoft.com/office/drawing/2014/main" id="{B4775B17-7FCA-498D-82DA-4C57BC221C1D}"/>
               </a:ext>
             </a:extLst>
           </p:cNvPr>
@@ -28479,7 +28634,7 @@
           <p:cNvPr id="19" name="TextBox 18">
             <a:extLst>
               <a:ext uri="{FF2B5EF4-FFF2-40B4-BE49-F238E27FC236}">
-                <a16:creationId xmlns:a16="http://schemas.microsoft.com/office/drawing/2014/main" xmlns="" id="{3C625DB5-2325-4CA3-97CA-3FA756487260}"/>
+                <a16:creationId xmlns:a16="http://schemas.microsoft.com/office/drawing/2014/main" id="{3C625DB5-2325-4CA3-97CA-3FA756487260}"/>
               </a:ext>
             </a:extLst>
           </p:cNvPr>
@@ -28531,7 +28686,7 @@
           <p:cNvPr id="20" name="TextBox 19">
             <a:extLst>
               <a:ext uri="{FF2B5EF4-FFF2-40B4-BE49-F238E27FC236}">
-                <a16:creationId xmlns:a16="http://schemas.microsoft.com/office/drawing/2014/main" xmlns="" id="{D0663ADA-AAB7-429F-B1F6-676B030FA147}"/>
+                <a16:creationId xmlns:a16="http://schemas.microsoft.com/office/drawing/2014/main" id="{D0663ADA-AAB7-429F-B1F6-676B030FA147}"/>
               </a:ext>
             </a:extLst>
           </p:cNvPr>
@@ -28583,7 +28738,7 @@
           <p:cNvPr id="21" name="연결선: 꺾임 20">
             <a:extLst>
               <a:ext uri="{FF2B5EF4-FFF2-40B4-BE49-F238E27FC236}">
-                <a16:creationId xmlns:a16="http://schemas.microsoft.com/office/drawing/2014/main" xmlns="" id="{217997B0-FC97-476E-AC46-9D494E5D038F}"/>
+                <a16:creationId xmlns:a16="http://schemas.microsoft.com/office/drawing/2014/main" id="{217997B0-FC97-476E-AC46-9D494E5D038F}"/>
               </a:ext>
             </a:extLst>
           </p:cNvPr>
@@ -28626,7 +28781,7 @@
           <p:cNvPr id="22" name="연결선: 꺾임 21">
             <a:extLst>
               <a:ext uri="{FF2B5EF4-FFF2-40B4-BE49-F238E27FC236}">
-                <a16:creationId xmlns:a16="http://schemas.microsoft.com/office/drawing/2014/main" xmlns="" id="{2F1E2269-0518-4227-8C6D-92A7A2FEA926}"/>
+                <a16:creationId xmlns:a16="http://schemas.microsoft.com/office/drawing/2014/main" id="{2F1E2269-0518-4227-8C6D-92A7A2FEA926}"/>
               </a:ext>
             </a:extLst>
           </p:cNvPr>
@@ -28667,7 +28822,7 @@
           <p:cNvPr id="23" name="연결선: 꺾임 22">
             <a:extLst>
               <a:ext uri="{FF2B5EF4-FFF2-40B4-BE49-F238E27FC236}">
-                <a16:creationId xmlns:a16="http://schemas.microsoft.com/office/drawing/2014/main" xmlns="" id="{08100C32-029F-4DC3-8455-512EDBBA8CD5}"/>
+                <a16:creationId xmlns:a16="http://schemas.microsoft.com/office/drawing/2014/main" id="{08100C32-029F-4DC3-8455-512EDBBA8CD5}"/>
               </a:ext>
             </a:extLst>
           </p:cNvPr>
@@ -28708,7 +28863,7 @@
           <p:cNvPr id="24" name="연결선: 꺾임 23">
             <a:extLst>
               <a:ext uri="{FF2B5EF4-FFF2-40B4-BE49-F238E27FC236}">
-                <a16:creationId xmlns:a16="http://schemas.microsoft.com/office/drawing/2014/main" xmlns="" id="{5B3AA9F3-D683-401F-ABED-C2F21F8DBC47}"/>
+                <a16:creationId xmlns:a16="http://schemas.microsoft.com/office/drawing/2014/main" id="{5B3AA9F3-D683-401F-ABED-C2F21F8DBC47}"/>
               </a:ext>
             </a:extLst>
           </p:cNvPr>
@@ -28749,7 +28904,7 @@
           <p:cNvPr id="25" name="TextBox 24">
             <a:extLst>
               <a:ext uri="{FF2B5EF4-FFF2-40B4-BE49-F238E27FC236}">
-                <a16:creationId xmlns:a16="http://schemas.microsoft.com/office/drawing/2014/main" xmlns="" id="{66586D1D-61BE-4619-BF73-556CB4D7B847}"/>
+                <a16:creationId xmlns:a16="http://schemas.microsoft.com/office/drawing/2014/main" id="{66586D1D-61BE-4619-BF73-556CB4D7B847}"/>
               </a:ext>
             </a:extLst>
           </p:cNvPr>
@@ -28802,7 +28957,7 @@
     </p:spTree>
     <p:extLst>
       <p:ext uri="{BB962C8B-B14F-4D97-AF65-F5344CB8AC3E}">
-        <p14:creationId xmlns:p14="http://schemas.microsoft.com/office/powerpoint/2010/main" xmlns="" val="901983232"/>
+        <p14:creationId xmlns:p14="http://schemas.microsoft.com/office/powerpoint/2010/main" val="901983232"/>
       </p:ext>
     </p:extLst>
   </p:cSld>
@@ -29320,7 +29475,7 @@
           <p:cNvPr id="17" name="그룹 5">
             <a:extLst>
               <a:ext uri="{FF2B5EF4-FFF2-40B4-BE49-F238E27FC236}">
-                <a16:creationId xmlns:a16="http://schemas.microsoft.com/office/drawing/2014/main" xmlns="" id="{44F5B724-E981-4F07-8699-85332FC5EF5A}"/>
+                <a16:creationId xmlns:a16="http://schemas.microsoft.com/office/drawing/2014/main" id="{44F5B724-E981-4F07-8699-85332FC5EF5A}"/>
               </a:ext>
             </a:extLst>
           </p:cNvPr>
@@ -29340,7 +29495,7 @@
             <p:cNvPr id="19" name="사각형: 둥근 모서리 6">
               <a:extLst>
                 <a:ext uri="{FF2B5EF4-FFF2-40B4-BE49-F238E27FC236}">
-                  <a16:creationId xmlns:a16="http://schemas.microsoft.com/office/drawing/2014/main" xmlns="" id="{0BA180D6-86CE-44E2-BB38-2511C93DED47}"/>
+                  <a16:creationId xmlns:a16="http://schemas.microsoft.com/office/drawing/2014/main" id="{0BA180D6-86CE-44E2-BB38-2511C93DED47}"/>
                 </a:ext>
               </a:extLst>
             </p:cNvPr>
@@ -29392,7 +29547,7 @@
             <p:cNvPr id="24" name="사각형: 둥근 모서리 7">
               <a:extLst>
                 <a:ext uri="{FF2B5EF4-FFF2-40B4-BE49-F238E27FC236}">
-                  <a16:creationId xmlns:a16="http://schemas.microsoft.com/office/drawing/2014/main" xmlns="" id="{00DA7CDB-E243-47B7-9A5C-6C6E008940D9}"/>
+                  <a16:creationId xmlns:a16="http://schemas.microsoft.com/office/drawing/2014/main" id="{00DA7CDB-E243-47B7-9A5C-6C6E008940D9}"/>
                 </a:ext>
               </a:extLst>
             </p:cNvPr>
@@ -29446,7 +29601,7 @@
             <p:cNvPr id="25" name="TextBox 24">
               <a:extLst>
                 <a:ext uri="{FF2B5EF4-FFF2-40B4-BE49-F238E27FC236}">
-                  <a16:creationId xmlns:a16="http://schemas.microsoft.com/office/drawing/2014/main" xmlns="" id="{CDDB91A3-B27F-4B00-A98D-FB4B45061C21}"/>
+                  <a16:creationId xmlns:a16="http://schemas.microsoft.com/office/drawing/2014/main" id="{CDDB91A3-B27F-4B00-A98D-FB4B45061C21}"/>
                 </a:ext>
               </a:extLst>
             </p:cNvPr>
@@ -29567,7 +29722,7 @@
           <p:cNvPr id="3" name="그룹 5">
             <a:extLst>
               <a:ext uri="{FF2B5EF4-FFF2-40B4-BE49-F238E27FC236}">
-                <a16:creationId xmlns:a16="http://schemas.microsoft.com/office/drawing/2014/main" xmlns="" id="{44F5B724-E981-4F07-8699-85332FC5EF5A}"/>
+                <a16:creationId xmlns:a16="http://schemas.microsoft.com/office/drawing/2014/main" id="{44F5B724-E981-4F07-8699-85332FC5EF5A}"/>
               </a:ext>
             </a:extLst>
           </p:cNvPr>
@@ -29587,7 +29742,7 @@
             <p:cNvPr id="4" name="사각형: 둥근 모서리 6">
               <a:extLst>
                 <a:ext uri="{FF2B5EF4-FFF2-40B4-BE49-F238E27FC236}">
-                  <a16:creationId xmlns:a16="http://schemas.microsoft.com/office/drawing/2014/main" xmlns="" id="{0BA180D6-86CE-44E2-BB38-2511C93DED47}"/>
+                  <a16:creationId xmlns:a16="http://schemas.microsoft.com/office/drawing/2014/main" id="{0BA180D6-86CE-44E2-BB38-2511C93DED47}"/>
                 </a:ext>
               </a:extLst>
             </p:cNvPr>
@@ -29639,7 +29794,7 @@
             <p:cNvPr id="5" name="사각형: 둥근 모서리 7">
               <a:extLst>
                 <a:ext uri="{FF2B5EF4-FFF2-40B4-BE49-F238E27FC236}">
-                  <a16:creationId xmlns:a16="http://schemas.microsoft.com/office/drawing/2014/main" xmlns="" id="{00DA7CDB-E243-47B7-9A5C-6C6E008940D9}"/>
+                  <a16:creationId xmlns:a16="http://schemas.microsoft.com/office/drawing/2014/main" id="{00DA7CDB-E243-47B7-9A5C-6C6E008940D9}"/>
                 </a:ext>
               </a:extLst>
             </p:cNvPr>
@@ -29693,7 +29848,7 @@
             <p:cNvPr id="6" name="TextBox 5">
               <a:extLst>
                 <a:ext uri="{FF2B5EF4-FFF2-40B4-BE49-F238E27FC236}">
-                  <a16:creationId xmlns:a16="http://schemas.microsoft.com/office/drawing/2014/main" xmlns="" id="{CDDB91A3-B27F-4B00-A98D-FB4B45061C21}"/>
+                  <a16:creationId xmlns:a16="http://schemas.microsoft.com/office/drawing/2014/main" id="{CDDB91A3-B27F-4B00-A98D-FB4B45061C21}"/>
                 </a:ext>
               </a:extLst>
             </p:cNvPr>
@@ -29746,7 +29901,7 @@
           <p:cNvPr id="7" name="그룹 6">
             <a:extLst>
               <a:ext uri="{FF2B5EF4-FFF2-40B4-BE49-F238E27FC236}">
-                <a16:creationId xmlns:a16="http://schemas.microsoft.com/office/drawing/2014/main" xmlns="" id="{D7266BFC-C227-4298-949F-B7455F629B48}"/>
+                <a16:creationId xmlns:a16="http://schemas.microsoft.com/office/drawing/2014/main" id="{D7266BFC-C227-4298-949F-B7455F629B48}"/>
               </a:ext>
             </a:extLst>
           </p:cNvPr>
@@ -31574,7 +31729,7 @@
           <p:cNvPr id="29" name="TextBox 28">
             <a:extLst>
               <a:ext uri="{FF2B5EF4-FFF2-40B4-BE49-F238E27FC236}">
-                <a16:creationId xmlns:a16="http://schemas.microsoft.com/office/drawing/2014/main" xmlns="" id="{227DFCE6-03D2-4E0A-9133-979A3D66F766}"/>
+                <a16:creationId xmlns:a16="http://schemas.microsoft.com/office/drawing/2014/main" id="{227DFCE6-03D2-4E0A-9133-979A3D66F766}"/>
               </a:ext>
             </a:extLst>
           </p:cNvPr>
@@ -31614,7 +31769,7 @@
           <p:cNvPr id="30" name="TextBox 29">
             <a:extLst>
               <a:ext uri="{FF2B5EF4-FFF2-40B4-BE49-F238E27FC236}">
-                <a16:creationId xmlns:a16="http://schemas.microsoft.com/office/drawing/2014/main" xmlns="" id="{63C5686E-CCD6-4317-8B20-07C964C4A6B6}"/>
+                <a16:creationId xmlns:a16="http://schemas.microsoft.com/office/drawing/2014/main" id="{63C5686E-CCD6-4317-8B20-07C964C4A6B6}"/>
               </a:ext>
             </a:extLst>
           </p:cNvPr>
@@ -31653,7 +31808,7 @@
           <p:cNvPr id="31" name="TextBox 30">
             <a:extLst>
               <a:ext uri="{FF2B5EF4-FFF2-40B4-BE49-F238E27FC236}">
-                <a16:creationId xmlns:a16="http://schemas.microsoft.com/office/drawing/2014/main" xmlns="" id="{18298FDF-AD6A-444F-8405-62A91D20B5C7}"/>
+                <a16:creationId xmlns:a16="http://schemas.microsoft.com/office/drawing/2014/main" id="{18298FDF-AD6A-444F-8405-62A91D20B5C7}"/>
               </a:ext>
             </a:extLst>
           </p:cNvPr>
@@ -31689,7 +31844,7 @@
           <p:cNvPr id="32" name="다이아몬드 31">
             <a:extLst>
               <a:ext uri="{FF2B5EF4-FFF2-40B4-BE49-F238E27FC236}">
-                <a16:creationId xmlns:a16="http://schemas.microsoft.com/office/drawing/2014/main" xmlns="" id="{769F929A-37BF-490E-850D-BD27CB54B6D3}"/>
+                <a16:creationId xmlns:a16="http://schemas.microsoft.com/office/drawing/2014/main" id="{769F929A-37BF-490E-850D-BD27CB54B6D3}"/>
               </a:ext>
             </a:extLst>
           </p:cNvPr>
@@ -31743,7 +31898,7 @@
           <p:cNvPr id="69" name="다이아몬드 68">
             <a:extLst>
               <a:ext uri="{FF2B5EF4-FFF2-40B4-BE49-F238E27FC236}">
-                <a16:creationId xmlns:a16="http://schemas.microsoft.com/office/drawing/2014/main" xmlns="" id="{5BE6BCA1-D444-4654-8F18-4D1FF78C67E0}"/>
+                <a16:creationId xmlns:a16="http://schemas.microsoft.com/office/drawing/2014/main" id="{5BE6BCA1-D444-4654-8F18-4D1FF78C67E0}"/>
               </a:ext>
             </a:extLst>
           </p:cNvPr>
@@ -31797,7 +31952,7 @@
           <p:cNvPr id="70" name="다이아몬드 69">
             <a:extLst>
               <a:ext uri="{FF2B5EF4-FFF2-40B4-BE49-F238E27FC236}">
-                <a16:creationId xmlns:a16="http://schemas.microsoft.com/office/drawing/2014/main" xmlns="" id="{1D0ECACC-1077-4170-85B3-9FE035015FEF}"/>
+                <a16:creationId xmlns:a16="http://schemas.microsoft.com/office/drawing/2014/main" id="{1D0ECACC-1077-4170-85B3-9FE035015FEF}"/>
               </a:ext>
             </a:extLst>
           </p:cNvPr>
@@ -31880,7 +32035,7 @@
           <p:nvPr>
             <p:extLst>
               <p:ext uri="{D42A27DB-BD31-4B8C-83A1-F6EECF244321}">
-                <p14:modId xmlns:p14="http://schemas.microsoft.com/office/powerpoint/2010/main" xmlns="" val="4016194543"/>
+                <p14:modId xmlns:p14="http://schemas.microsoft.com/office/powerpoint/2010/main" val="4016194543"/>
               </p:ext>
             </p:extLst>
           </p:nvPr>
@@ -31897,28 +32052,28 @@
                 <a:gridCol w="862348">
                   <a:extLst>
                     <a:ext uri="{9D8B030D-6E8A-4147-A177-3AD203B41FA5}">
-                      <a16:colId xmlns:a16="http://schemas.microsoft.com/office/drawing/2014/main" xmlns="" val="20000"/>
+                      <a16:colId xmlns:a16="http://schemas.microsoft.com/office/drawing/2014/main" val="20000"/>
                     </a:ext>
                   </a:extLst>
                 </a:gridCol>
                 <a:gridCol w="3240360">
                   <a:extLst>
                     <a:ext uri="{9D8B030D-6E8A-4147-A177-3AD203B41FA5}">
-                      <a16:colId xmlns:a16="http://schemas.microsoft.com/office/drawing/2014/main" xmlns="" val="20001"/>
+                      <a16:colId xmlns:a16="http://schemas.microsoft.com/office/drawing/2014/main" val="20001"/>
                     </a:ext>
                   </a:extLst>
                 </a:gridCol>
                 <a:gridCol w="909973">
                   <a:extLst>
                     <a:ext uri="{9D8B030D-6E8A-4147-A177-3AD203B41FA5}">
-                      <a16:colId xmlns:a16="http://schemas.microsoft.com/office/drawing/2014/main" xmlns="" val="20002"/>
+                      <a16:colId xmlns:a16="http://schemas.microsoft.com/office/drawing/2014/main" val="20002"/>
                     </a:ext>
                   </a:extLst>
                 </a:gridCol>
                 <a:gridCol w="2124236">
                   <a:extLst>
                     <a:ext uri="{9D8B030D-6E8A-4147-A177-3AD203B41FA5}">
-                      <a16:colId xmlns:a16="http://schemas.microsoft.com/office/drawing/2014/main" xmlns="" val="20003"/>
+                      <a16:colId xmlns:a16="http://schemas.microsoft.com/office/drawing/2014/main" val="20003"/>
                     </a:ext>
                   </a:extLst>
                 </a:gridCol>
@@ -32158,7 +32313,7 @@
                 </a:tc>
                 <a:extLst>
                   <a:ext uri="{0D108BD9-81ED-4DB2-BD59-A6C34878D82A}">
-                    <a16:rowId xmlns:a16="http://schemas.microsoft.com/office/drawing/2014/main" xmlns="" val="10000"/>
+                    <a16:rowId xmlns:a16="http://schemas.microsoft.com/office/drawing/2014/main" val="10000"/>
                   </a:ext>
                 </a:extLst>
               </a:tr>
@@ -32389,7 +32544,7 @@
                 </a:tc>
                 <a:extLst>
                   <a:ext uri="{0D108BD9-81ED-4DB2-BD59-A6C34878D82A}">
-                    <a16:rowId xmlns:a16="http://schemas.microsoft.com/office/drawing/2014/main" xmlns="" val="10001"/>
+                    <a16:rowId xmlns:a16="http://schemas.microsoft.com/office/drawing/2014/main" val="10001"/>
                   </a:ext>
                 </a:extLst>
               </a:tr>
@@ -32621,7 +32776,7 @@
                 </a:tc>
                 <a:extLst>
                   <a:ext uri="{0D108BD9-81ED-4DB2-BD59-A6C34878D82A}">
-                    <a16:rowId xmlns:a16="http://schemas.microsoft.com/office/drawing/2014/main" xmlns="" val="10002"/>
+                    <a16:rowId xmlns:a16="http://schemas.microsoft.com/office/drawing/2014/main" val="10002"/>
                   </a:ext>
                 </a:extLst>
               </a:tr>
@@ -32852,7 +33007,7 @@
                 </a:tc>
                 <a:extLst>
                   <a:ext uri="{0D108BD9-81ED-4DB2-BD59-A6C34878D82A}">
-                    <a16:rowId xmlns:a16="http://schemas.microsoft.com/office/drawing/2014/main" xmlns="" val="10003"/>
+                    <a16:rowId xmlns:a16="http://schemas.microsoft.com/office/drawing/2014/main" val="10003"/>
                   </a:ext>
                 </a:extLst>
               </a:tr>
@@ -33092,7 +33247,7 @@
                 </a:tc>
                 <a:extLst>
                   <a:ext uri="{0D108BD9-81ED-4DB2-BD59-A6C34878D82A}">
-                    <a16:rowId xmlns:a16="http://schemas.microsoft.com/office/drawing/2014/main" xmlns="" val="10004"/>
+                    <a16:rowId xmlns:a16="http://schemas.microsoft.com/office/drawing/2014/main" val="10004"/>
                   </a:ext>
                 </a:extLst>
               </a:tr>
@@ -33323,7 +33478,7 @@
                 </a:tc>
                 <a:extLst>
                   <a:ext uri="{0D108BD9-81ED-4DB2-BD59-A6C34878D82A}">
-                    <a16:rowId xmlns:a16="http://schemas.microsoft.com/office/drawing/2014/main" xmlns="" val="10005"/>
+                    <a16:rowId xmlns:a16="http://schemas.microsoft.com/office/drawing/2014/main" val="10005"/>
                   </a:ext>
                 </a:extLst>
               </a:tr>
@@ -33570,7 +33725,7 @@
                 </a:tc>
                 <a:extLst>
                   <a:ext uri="{0D108BD9-81ED-4DB2-BD59-A6C34878D82A}">
-                    <a16:rowId xmlns:a16="http://schemas.microsoft.com/office/drawing/2014/main" xmlns="" val="10006"/>
+                    <a16:rowId xmlns:a16="http://schemas.microsoft.com/office/drawing/2014/main" val="10006"/>
                   </a:ext>
                 </a:extLst>
               </a:tr>
@@ -33801,7 +33956,7 @@
                 </a:tc>
                 <a:extLst>
                   <a:ext uri="{0D108BD9-81ED-4DB2-BD59-A6C34878D82A}">
-                    <a16:rowId xmlns:a16="http://schemas.microsoft.com/office/drawing/2014/main" xmlns="" val="10007"/>
+                    <a16:rowId xmlns:a16="http://schemas.microsoft.com/office/drawing/2014/main" val="10007"/>
                   </a:ext>
                 </a:extLst>
               </a:tr>
@@ -34036,7 +34191,7 @@
                 </a:tc>
                 <a:extLst>
                   <a:ext uri="{0D108BD9-81ED-4DB2-BD59-A6C34878D82A}">
-                    <a16:rowId xmlns:a16="http://schemas.microsoft.com/office/drawing/2014/main" xmlns="" val="10008"/>
+                    <a16:rowId xmlns:a16="http://schemas.microsoft.com/office/drawing/2014/main" val="10008"/>
                   </a:ext>
                 </a:extLst>
               </a:tr>
@@ -34264,7 +34419,7 @@
                 </a:tc>
                 <a:extLst>
                   <a:ext uri="{0D108BD9-81ED-4DB2-BD59-A6C34878D82A}">
-                    <a16:rowId xmlns:a16="http://schemas.microsoft.com/office/drawing/2014/main" xmlns="" val="10009"/>
+                    <a16:rowId xmlns:a16="http://schemas.microsoft.com/office/drawing/2014/main" val="10009"/>
                   </a:ext>
                 </a:extLst>
               </a:tr>
@@ -34322,21 +34477,6 @@
               <a:buNone/>
               <a:tabLst/>
             </a:pPr>
-            <a:r>
-              <a:rPr kumimoji="1" lang="ko-KR" altLang="ko-KR" sz="1800" b="0" i="0" u="none" strike="noStrike" cap="none" normalizeH="0" baseline="0">
-                <a:ln>
-                  <a:noFill/>
-                </a:ln>
-                <a:solidFill>
-                  <a:schemeClr val="tx1"/>
-                </a:solidFill>
-                <a:effectLst/>
-                <a:latin typeface="굴림" charset="-127"/>
-                <a:ea typeface="굴림" charset="-127"/>
-                <a:cs typeface="굴림" charset="-127"/>
-              </a:rPr>
-              <a:t/>
-            </a:r>
             <a:br>
               <a:rPr kumimoji="1" lang="ko-KR" altLang="ko-KR" sz="1800" b="0" i="0" u="none" strike="noStrike" cap="none" normalizeH="0" baseline="0">
                 <a:ln>
@@ -34371,7 +34511,7 @@
           <p:cNvPr id="5" name="그룹 5">
             <a:extLst>
               <a:ext uri="{FF2B5EF4-FFF2-40B4-BE49-F238E27FC236}">
-                <a16:creationId xmlns:a16="http://schemas.microsoft.com/office/drawing/2014/main" xmlns="" id="{44F5B724-E981-4F07-8699-85332FC5EF5A}"/>
+                <a16:creationId xmlns:a16="http://schemas.microsoft.com/office/drawing/2014/main" id="{44F5B724-E981-4F07-8699-85332FC5EF5A}"/>
               </a:ext>
             </a:extLst>
           </p:cNvPr>
@@ -34391,7 +34531,7 @@
             <p:cNvPr id="6" name="사각형: 둥근 모서리 6">
               <a:extLst>
                 <a:ext uri="{FF2B5EF4-FFF2-40B4-BE49-F238E27FC236}">
-                  <a16:creationId xmlns:a16="http://schemas.microsoft.com/office/drawing/2014/main" xmlns="" id="{0BA180D6-86CE-44E2-BB38-2511C93DED47}"/>
+                  <a16:creationId xmlns:a16="http://schemas.microsoft.com/office/drawing/2014/main" id="{0BA180D6-86CE-44E2-BB38-2511C93DED47}"/>
                 </a:ext>
               </a:extLst>
             </p:cNvPr>
@@ -34443,7 +34583,7 @@
             <p:cNvPr id="7" name="사각형: 둥근 모서리 7">
               <a:extLst>
                 <a:ext uri="{FF2B5EF4-FFF2-40B4-BE49-F238E27FC236}">
-                  <a16:creationId xmlns:a16="http://schemas.microsoft.com/office/drawing/2014/main" xmlns="" id="{00DA7CDB-E243-47B7-9A5C-6C6E008940D9}"/>
+                  <a16:creationId xmlns:a16="http://schemas.microsoft.com/office/drawing/2014/main" id="{00DA7CDB-E243-47B7-9A5C-6C6E008940D9}"/>
                 </a:ext>
               </a:extLst>
             </p:cNvPr>
@@ -34497,7 +34637,7 @@
             <p:cNvPr id="8" name="TextBox 7">
               <a:extLst>
                 <a:ext uri="{FF2B5EF4-FFF2-40B4-BE49-F238E27FC236}">
-                  <a16:creationId xmlns:a16="http://schemas.microsoft.com/office/drawing/2014/main" xmlns="" id="{CDDB91A3-B27F-4B00-A98D-FB4B45061C21}"/>
+                  <a16:creationId xmlns:a16="http://schemas.microsoft.com/office/drawing/2014/main" id="{CDDB91A3-B27F-4B00-A98D-FB4B45061C21}"/>
                 </a:ext>
               </a:extLst>
             </p:cNvPr>
@@ -34619,28 +34759,28 @@
                 <a:gridCol w="936104">
                   <a:extLst>
                     <a:ext uri="{9D8B030D-6E8A-4147-A177-3AD203B41FA5}">
-                      <a16:colId xmlns:a16="http://schemas.microsoft.com/office/drawing/2014/main" xmlns="" val="20000"/>
+                      <a16:colId xmlns:a16="http://schemas.microsoft.com/office/drawing/2014/main" val="20000"/>
                     </a:ext>
                   </a:extLst>
                 </a:gridCol>
                 <a:gridCol w="3949586">
                   <a:extLst>
                     <a:ext uri="{9D8B030D-6E8A-4147-A177-3AD203B41FA5}">
-                      <a16:colId xmlns:a16="http://schemas.microsoft.com/office/drawing/2014/main" xmlns="" val="20001"/>
+                      <a16:colId xmlns:a16="http://schemas.microsoft.com/office/drawing/2014/main" val="20001"/>
                     </a:ext>
                   </a:extLst>
                 </a:gridCol>
                 <a:gridCol w="1014095">
                   <a:extLst>
                     <a:ext uri="{9D8B030D-6E8A-4147-A177-3AD203B41FA5}">
-                      <a16:colId xmlns:a16="http://schemas.microsoft.com/office/drawing/2014/main" xmlns="" val="20002"/>
+                      <a16:colId xmlns:a16="http://schemas.microsoft.com/office/drawing/2014/main" val="20002"/>
                     </a:ext>
                   </a:extLst>
                 </a:gridCol>
                 <a:gridCol w="1836204">
                   <a:extLst>
                     <a:ext uri="{9D8B030D-6E8A-4147-A177-3AD203B41FA5}">
-                      <a16:colId xmlns:a16="http://schemas.microsoft.com/office/drawing/2014/main" xmlns="" val="20003"/>
+                      <a16:colId xmlns:a16="http://schemas.microsoft.com/office/drawing/2014/main" val="20003"/>
                     </a:ext>
                   </a:extLst>
                 </a:gridCol>
@@ -34872,7 +35012,7 @@
                 </a:tc>
                 <a:extLst>
                   <a:ext uri="{0D108BD9-81ED-4DB2-BD59-A6C34878D82A}">
-                    <a16:rowId xmlns:a16="http://schemas.microsoft.com/office/drawing/2014/main" xmlns="" val="10000"/>
+                    <a16:rowId xmlns:a16="http://schemas.microsoft.com/office/drawing/2014/main" val="10000"/>
                   </a:ext>
                 </a:extLst>
               </a:tr>
@@ -35111,7 +35251,7 @@
                 </a:tc>
                 <a:extLst>
                   <a:ext uri="{0D108BD9-81ED-4DB2-BD59-A6C34878D82A}">
-                    <a16:rowId xmlns:a16="http://schemas.microsoft.com/office/drawing/2014/main" xmlns="" val="10001"/>
+                    <a16:rowId xmlns:a16="http://schemas.microsoft.com/office/drawing/2014/main" val="10001"/>
                   </a:ext>
                 </a:extLst>
               </a:tr>
@@ -35350,7 +35490,7 @@
                 </a:tc>
                 <a:extLst>
                   <a:ext uri="{0D108BD9-81ED-4DB2-BD59-A6C34878D82A}">
-                    <a16:rowId xmlns:a16="http://schemas.microsoft.com/office/drawing/2014/main" xmlns="" val="10002"/>
+                    <a16:rowId xmlns:a16="http://schemas.microsoft.com/office/drawing/2014/main" val="10002"/>
                   </a:ext>
                 </a:extLst>
               </a:tr>
@@ -35636,7 +35776,7 @@
                 </a:tc>
                 <a:extLst>
                   <a:ext uri="{0D108BD9-81ED-4DB2-BD59-A6C34878D82A}">
-                    <a16:rowId xmlns:a16="http://schemas.microsoft.com/office/drawing/2014/main" xmlns="" val="10003"/>
+                    <a16:rowId xmlns:a16="http://schemas.microsoft.com/office/drawing/2014/main" val="10003"/>
                   </a:ext>
                 </a:extLst>
               </a:tr>
@@ -35649,7 +35789,7 @@
           <p:cNvPr id="6" name="그룹 5">
             <a:extLst>
               <a:ext uri="{FF2B5EF4-FFF2-40B4-BE49-F238E27FC236}">
-                <a16:creationId xmlns:a16="http://schemas.microsoft.com/office/drawing/2014/main" xmlns="" id="{44F5B724-E981-4F07-8699-85332FC5EF5A}"/>
+                <a16:creationId xmlns:a16="http://schemas.microsoft.com/office/drawing/2014/main" id="{44F5B724-E981-4F07-8699-85332FC5EF5A}"/>
               </a:ext>
             </a:extLst>
           </p:cNvPr>
@@ -35669,7 +35809,7 @@
             <p:cNvPr id="7" name="사각형: 둥근 모서리 6">
               <a:extLst>
                 <a:ext uri="{FF2B5EF4-FFF2-40B4-BE49-F238E27FC236}">
-                  <a16:creationId xmlns:a16="http://schemas.microsoft.com/office/drawing/2014/main" xmlns="" id="{0BA180D6-86CE-44E2-BB38-2511C93DED47}"/>
+                  <a16:creationId xmlns:a16="http://schemas.microsoft.com/office/drawing/2014/main" id="{0BA180D6-86CE-44E2-BB38-2511C93DED47}"/>
                 </a:ext>
               </a:extLst>
             </p:cNvPr>
@@ -35721,7 +35861,7 @@
             <p:cNvPr id="8" name="사각형: 둥근 모서리 7">
               <a:extLst>
                 <a:ext uri="{FF2B5EF4-FFF2-40B4-BE49-F238E27FC236}">
-                  <a16:creationId xmlns:a16="http://schemas.microsoft.com/office/drawing/2014/main" xmlns="" id="{00DA7CDB-E243-47B7-9A5C-6C6E008940D9}"/>
+                  <a16:creationId xmlns:a16="http://schemas.microsoft.com/office/drawing/2014/main" id="{00DA7CDB-E243-47B7-9A5C-6C6E008940D9}"/>
                 </a:ext>
               </a:extLst>
             </p:cNvPr>
@@ -35775,7 +35915,7 @@
             <p:cNvPr id="9" name="TextBox 8">
               <a:extLst>
                 <a:ext uri="{FF2B5EF4-FFF2-40B4-BE49-F238E27FC236}">
-                  <a16:creationId xmlns:a16="http://schemas.microsoft.com/office/drawing/2014/main" xmlns="" id="{CDDB91A3-B27F-4B00-A98D-FB4B45061C21}"/>
+                  <a16:creationId xmlns:a16="http://schemas.microsoft.com/office/drawing/2014/main" id="{CDDB91A3-B27F-4B00-A98D-FB4B45061C21}"/>
                 </a:ext>
               </a:extLst>
             </p:cNvPr>
@@ -37547,7 +37687,7 @@
         </p:nvSpPr>
         <p:spPr>
           <a:xfrm>
-            <a:off x="4271276" y="4587682"/>
+            <a:off x="4271276" y="4567362"/>
             <a:ext cx="601447" cy="253916"/>
           </a:xfrm>
           <a:prstGeom prst="rect">
@@ -37562,14 +37702,13 @@
           <a:lstStyle/>
           <a:p>
             <a:r>
-              <a:rPr lang="en-US" altLang="ko-KR" sz="1000" dirty="0" smtClean="0"/>
+              <a:rPr lang="en-US" altLang="ko-KR" sz="1000" dirty="0"/>
               <a:t>32</a:t>
             </a:r>
             <a:r>
-              <a:rPr lang="ko-KR" altLang="en-US" sz="1000" dirty="0" smtClean="0"/>
+              <a:rPr lang="ko-KR" altLang="en-US" sz="1000" dirty="0"/>
               <a:t>비트</a:t>
             </a:r>
-            <a:endParaRPr lang="ko-KR" altLang="en-US" sz="1000" dirty="0"/>
           </a:p>
         </p:txBody>
       </p:sp>
@@ -37581,7 +37720,7 @@
         </p:nvSpPr>
         <p:spPr>
           <a:xfrm>
-            <a:off x="2082065" y="3048220"/>
+            <a:off x="1960145" y="3127468"/>
             <a:ext cx="1609736" cy="246221"/>
           </a:xfrm>
           <a:prstGeom prst="rect">
@@ -37596,23 +37735,23 @@
           <a:lstStyle/>
           <a:p>
             <a:r>
-              <a:rPr lang="en-US" altLang="ko-KR" sz="1000" dirty="0" smtClean="0"/>
+              <a:rPr lang="en-US" altLang="ko-KR" sz="1000" dirty="0"/>
               <a:t>8</a:t>
             </a:r>
             <a:r>
-              <a:rPr lang="ko-KR" altLang="en-US" sz="1000" dirty="0" smtClean="0"/>
+              <a:rPr lang="ko-KR" altLang="en-US" sz="1000" dirty="0"/>
               <a:t>비트 </a:t>
             </a:r>
             <a:r>
-              <a:rPr lang="ko-KR" altLang="en-US" sz="1000" dirty="0" err="1" smtClean="0"/>
+              <a:rPr lang="ko-KR" altLang="en-US" sz="1000" dirty="0" err="1"/>
               <a:t>지수부</a:t>
             </a:r>
             <a:r>
-              <a:rPr lang="ko-KR" altLang="en-US" sz="1000" dirty="0" smtClean="0"/>
+              <a:rPr lang="ko-KR" altLang="en-US" sz="1000" dirty="0"/>
               <a:t> </a:t>
             </a:r>
             <a:r>
-              <a:rPr lang="en-US" altLang="ko-KR" sz="1000" dirty="0" smtClean="0"/>
+              <a:rPr lang="en-US" altLang="ko-KR" sz="1000" dirty="0"/>
               <a:t>(Exponent)</a:t>
             </a:r>
             <a:endParaRPr lang="ko-KR" altLang="en-US" sz="1000" dirty="0"/>
@@ -37627,7 +37766,7 @@
         </p:nvSpPr>
         <p:spPr>
           <a:xfrm>
-            <a:off x="4527773" y="3294441"/>
+            <a:off x="4314413" y="3135945"/>
             <a:ext cx="1680268" cy="246221"/>
           </a:xfrm>
           <a:prstGeom prst="rect">
@@ -37642,31 +37781,31 @@
           <a:lstStyle/>
           <a:p>
             <a:r>
-              <a:rPr lang="en-US" altLang="ko-KR" sz="1000" dirty="0" smtClean="0"/>
+              <a:rPr lang="en-US" altLang="ko-KR" sz="1000" dirty="0"/>
               <a:t>32</a:t>
             </a:r>
             <a:r>
-              <a:rPr lang="ko-KR" altLang="en-US" sz="1000" dirty="0" smtClean="0"/>
+              <a:rPr lang="ko-KR" altLang="en-US" sz="1000" dirty="0"/>
               <a:t>비트 </a:t>
             </a:r>
             <a:r>
-              <a:rPr lang="ko-KR" altLang="en-US" sz="1000" dirty="0" err="1" smtClean="0"/>
+              <a:rPr lang="ko-KR" altLang="en-US" sz="1000" dirty="0" err="1"/>
               <a:t>가수부</a:t>
             </a:r>
             <a:r>
-              <a:rPr lang="ko-KR" altLang="en-US" sz="1000" dirty="0" smtClean="0"/>
+              <a:rPr lang="ko-KR" altLang="en-US" sz="1000" dirty="0"/>
               <a:t> </a:t>
             </a:r>
             <a:r>
-              <a:rPr lang="en-US" altLang="ko-KR" sz="1000" dirty="0" smtClean="0"/>
+              <a:rPr lang="en-US" altLang="ko-KR" sz="1000" dirty="0"/>
               <a:t>(</a:t>
             </a:r>
             <a:r>
-              <a:rPr lang="en-US" altLang="ko-KR" sz="1000" dirty="0" err="1" smtClean="0"/>
+              <a:rPr lang="en-US" altLang="ko-KR" sz="1000" dirty="0" err="1"/>
               <a:t>Maintissa</a:t>
             </a:r>
             <a:r>
-              <a:rPr lang="en-US" altLang="ko-KR" sz="1000" dirty="0" smtClean="0"/>
+              <a:rPr lang="en-US" altLang="ko-KR" sz="1000" dirty="0"/>
               <a:t>)</a:t>
             </a:r>
             <a:endParaRPr lang="ko-KR" altLang="en-US" sz="1000" dirty="0"/>
@@ -37681,7 +37820,7 @@
         </p:nvSpPr>
         <p:spPr>
           <a:xfrm>
-            <a:off x="704005" y="3294441"/>
+            <a:off x="691813" y="3897945"/>
             <a:ext cx="1069524" cy="246221"/>
           </a:xfrm>
           <a:prstGeom prst="rect">
@@ -37696,14 +37835,13 @@
           <a:lstStyle/>
           <a:p>
             <a:r>
-              <a:rPr lang="en-US" altLang="ko-KR" sz="1000" dirty="0" smtClean="0"/>
+              <a:rPr lang="en-US" altLang="ko-KR" sz="1000" dirty="0"/>
               <a:t>1</a:t>
             </a:r>
             <a:r>
-              <a:rPr lang="ko-KR" altLang="en-US" sz="1000" dirty="0" smtClean="0"/>
+              <a:rPr lang="ko-KR" altLang="en-US" sz="1000" dirty="0"/>
               <a:t>비트 부호비트</a:t>
             </a:r>
-            <a:endParaRPr lang="ko-KR" altLang="en-US" sz="1000" dirty="0"/>
           </a:p>
         </p:txBody>
       </p:sp>
@@ -37820,7 +37958,7 @@
         </p:nvCxnSpPr>
         <p:spPr>
           <a:xfrm>
-            <a:off x="6994871" y="3605926"/>
+            <a:off x="7047275" y="3605926"/>
             <a:ext cx="0" cy="260734"/>
           </a:xfrm>
           <a:prstGeom prst="line">
@@ -37885,12 +38023,14 @@
       <p:cxnSp>
         <p:nvCxnSpPr>
           <p:cNvPr id="56" name="직선 연결선 55"/>
-          <p:cNvCxnSpPr/>
+          <p:cNvCxnSpPr>
+            <a:cxnSpLocks/>
+          </p:cNvCxnSpPr>
           <p:nvPr/>
         </p:nvCxnSpPr>
         <p:spPr>
           <a:xfrm>
-            <a:off x="6994871" y="4326948"/>
+            <a:off x="7058127" y="4326948"/>
             <a:ext cx="0" cy="260734"/>
           </a:xfrm>
           <a:prstGeom prst="line">
@@ -37920,13 +38060,15 @@
       <p:cxnSp>
         <p:nvCxnSpPr>
           <p:cNvPr id="58" name="직선 화살표 연결선 57"/>
-          <p:cNvCxnSpPr/>
+          <p:cNvCxnSpPr>
+            <a:cxnSpLocks/>
+          </p:cNvCxnSpPr>
           <p:nvPr/>
         </p:nvCxnSpPr>
         <p:spPr>
           <a:xfrm>
             <a:off x="1961886" y="4461960"/>
-            <a:ext cx="5032985" cy="0"/>
+            <a:ext cx="5100340" cy="0"/>
           </a:xfrm>
           <a:prstGeom prst="straightConnector1">
             <a:avLst/>
@@ -37957,13 +38099,15 @@
       <p:cxnSp>
         <p:nvCxnSpPr>
           <p:cNvPr id="59" name="직선 화살표 연결선 58"/>
-          <p:cNvCxnSpPr/>
+          <p:cNvCxnSpPr>
+            <a:cxnSpLocks/>
+          </p:cNvCxnSpPr>
           <p:nvPr/>
         </p:nvCxnSpPr>
         <p:spPr>
           <a:xfrm>
             <a:off x="2124016" y="3696875"/>
-            <a:ext cx="1253760" cy="0"/>
+            <a:ext cx="1253255" cy="0"/>
           </a:xfrm>
           <a:prstGeom prst="straightConnector1">
             <a:avLst/>
@@ -37994,13 +38138,15 @@
       <p:cxnSp>
         <p:nvCxnSpPr>
           <p:cNvPr id="62" name="직선 화살표 연결선 61"/>
-          <p:cNvCxnSpPr/>
+          <p:cNvCxnSpPr>
+            <a:cxnSpLocks/>
+          </p:cNvCxnSpPr>
           <p:nvPr/>
         </p:nvCxnSpPr>
         <p:spPr>
           <a:xfrm>
-            <a:off x="3377776" y="3696875"/>
-            <a:ext cx="3617095" cy="0"/>
+            <a:off x="3377271" y="3696875"/>
+            <a:ext cx="3680856" cy="45005"/>
           </a:xfrm>
           <a:prstGeom prst="straightConnector1">
             <a:avLst/>
@@ -38031,13 +38177,15 @@
       <p:cxnSp>
         <p:nvCxnSpPr>
           <p:cNvPr id="64" name="직선 화살표 연결선 63"/>
-          <p:cNvCxnSpPr/>
+          <p:cNvCxnSpPr>
+            <a:cxnSpLocks/>
+          </p:cNvCxnSpPr>
           <p:nvPr/>
         </p:nvCxnSpPr>
         <p:spPr>
           <a:xfrm>
-            <a:off x="1925773" y="3696875"/>
-            <a:ext cx="193378" cy="0"/>
+            <a:off x="1961886" y="3696875"/>
+            <a:ext cx="157265" cy="0"/>
           </a:xfrm>
           <a:prstGeom prst="straightConnector1">
             <a:avLst/>
@@ -38107,7 +38255,7 @@
         </p:blipFill>
         <p:spPr bwMode="auto">
           <a:xfrm>
-            <a:off x="5038230" y="2436735"/>
+            <a:off x="5029659" y="2301720"/>
             <a:ext cx="2232248" cy="720080"/>
           </a:xfrm>
           <a:prstGeom prst="rect">
@@ -38133,7 +38281,7 @@
         </p:blipFill>
         <p:spPr bwMode="auto">
           <a:xfrm>
-            <a:off x="1149798" y="1986685"/>
+            <a:off x="1141227" y="1851670"/>
             <a:ext cx="3888432" cy="1584176"/>
           </a:xfrm>
           <a:prstGeom prst="rect">
@@ -38147,7 +38295,7 @@
           <p:cNvPr id="2" name="그룹 5">
             <a:extLst>
               <a:ext uri="{FF2B5EF4-FFF2-40B4-BE49-F238E27FC236}">
-                <a16:creationId xmlns:a16="http://schemas.microsoft.com/office/drawing/2014/main" xmlns="" id="{44F5B724-E981-4F07-8699-85332FC5EF5A}"/>
+                <a16:creationId xmlns:a16="http://schemas.microsoft.com/office/drawing/2014/main" id="{44F5B724-E981-4F07-8699-85332FC5EF5A}"/>
               </a:ext>
             </a:extLst>
           </p:cNvPr>
@@ -38167,7 +38315,7 @@
             <p:cNvPr id="7" name="사각형: 둥근 모서리 6">
               <a:extLst>
                 <a:ext uri="{FF2B5EF4-FFF2-40B4-BE49-F238E27FC236}">
-                  <a16:creationId xmlns:a16="http://schemas.microsoft.com/office/drawing/2014/main" xmlns="" id="{0BA180D6-86CE-44E2-BB38-2511C93DED47}"/>
+                  <a16:creationId xmlns:a16="http://schemas.microsoft.com/office/drawing/2014/main" id="{0BA180D6-86CE-44E2-BB38-2511C93DED47}"/>
                 </a:ext>
               </a:extLst>
             </p:cNvPr>
@@ -38219,7 +38367,7 @@
             <p:cNvPr id="8" name="사각형: 둥근 모서리 7">
               <a:extLst>
                 <a:ext uri="{FF2B5EF4-FFF2-40B4-BE49-F238E27FC236}">
-                  <a16:creationId xmlns:a16="http://schemas.microsoft.com/office/drawing/2014/main" xmlns="" id="{00DA7CDB-E243-47B7-9A5C-6C6E008940D9}"/>
+                  <a16:creationId xmlns:a16="http://schemas.microsoft.com/office/drawing/2014/main" id="{00DA7CDB-E243-47B7-9A5C-6C6E008940D9}"/>
                 </a:ext>
               </a:extLst>
             </p:cNvPr>
@@ -38273,7 +38421,7 @@
             <p:cNvPr id="9" name="TextBox 8">
               <a:extLst>
                 <a:ext uri="{FF2B5EF4-FFF2-40B4-BE49-F238E27FC236}">
-                  <a16:creationId xmlns:a16="http://schemas.microsoft.com/office/drawing/2014/main" xmlns="" id="{CDDB91A3-B27F-4B00-A98D-FB4B45061C21}"/>
+                  <a16:creationId xmlns:a16="http://schemas.microsoft.com/office/drawing/2014/main" id="{CDDB91A3-B27F-4B00-A98D-FB4B45061C21}"/>
                 </a:ext>
               </a:extLst>
             </p:cNvPr>
@@ -38418,10 +38566,16 @@
           <p:cNvGraphicFramePr>
             <a:graphicFrameLocks noGrp="1"/>
           </p:cNvGraphicFramePr>
-          <p:nvPr/>
+          <p:nvPr>
+            <p:extLst>
+              <p:ext uri="{D42A27DB-BD31-4B8C-83A1-F6EECF244321}">
+                <p14:modId xmlns:p14="http://schemas.microsoft.com/office/powerpoint/2010/main" val="878897572"/>
+              </p:ext>
+            </p:extLst>
+          </p:nvPr>
         </p:nvGraphicFramePr>
         <p:xfrm>
-          <a:off x="1691680" y="843558"/>
+          <a:off x="1691680" y="843659"/>
           <a:ext cx="5782945" cy="621792"/>
         </p:xfrm>
         <a:graphic>
@@ -38432,28 +38586,28 @@
                 <a:gridCol w="1210945">
                   <a:extLst>
                     <a:ext uri="{9D8B030D-6E8A-4147-A177-3AD203B41FA5}">
-                      <a16:colId xmlns:a16="http://schemas.microsoft.com/office/drawing/2014/main" xmlns="" val="20000"/>
+                      <a16:colId xmlns:a16="http://schemas.microsoft.com/office/drawing/2014/main" val="20000"/>
                     </a:ext>
                   </a:extLst>
                 </a:gridCol>
                 <a:gridCol w="1524000">
                   <a:extLst>
                     <a:ext uri="{9D8B030D-6E8A-4147-A177-3AD203B41FA5}">
-                      <a16:colId xmlns:a16="http://schemas.microsoft.com/office/drawing/2014/main" xmlns="" val="20001"/>
+                      <a16:colId xmlns:a16="http://schemas.microsoft.com/office/drawing/2014/main" val="20001"/>
                     </a:ext>
                   </a:extLst>
                 </a:gridCol>
                 <a:gridCol w="1524000">
                   <a:extLst>
                     <a:ext uri="{9D8B030D-6E8A-4147-A177-3AD203B41FA5}">
-                      <a16:colId xmlns:a16="http://schemas.microsoft.com/office/drawing/2014/main" xmlns="" val="20002"/>
+                      <a16:colId xmlns:a16="http://schemas.microsoft.com/office/drawing/2014/main" val="20002"/>
                     </a:ext>
                   </a:extLst>
                 </a:gridCol>
                 <a:gridCol w="1524000">
                   <a:extLst>
                     <a:ext uri="{9D8B030D-6E8A-4147-A177-3AD203B41FA5}">
-                      <a16:colId xmlns:a16="http://schemas.microsoft.com/office/drawing/2014/main" xmlns="" val="20003"/>
+                      <a16:colId xmlns:a16="http://schemas.microsoft.com/office/drawing/2014/main" val="20003"/>
                     </a:ext>
                   </a:extLst>
                 </a:gridCol>
@@ -38673,7 +38827,7 @@
                 </a:tc>
                 <a:extLst>
                   <a:ext uri="{0D108BD9-81ED-4DB2-BD59-A6C34878D82A}">
-                    <a16:rowId xmlns:a16="http://schemas.microsoft.com/office/drawing/2014/main" xmlns="" val="10000"/>
+                    <a16:rowId xmlns:a16="http://schemas.microsoft.com/office/drawing/2014/main" val="10000"/>
                   </a:ext>
                 </a:extLst>
               </a:tr>
@@ -38900,7 +39054,7 @@
                 </a:tc>
                 <a:extLst>
                   <a:ext uri="{0D108BD9-81ED-4DB2-BD59-A6C34878D82A}">
-                    <a16:rowId xmlns:a16="http://schemas.microsoft.com/office/drawing/2014/main" xmlns="" val="10001"/>
+                    <a16:rowId xmlns:a16="http://schemas.microsoft.com/office/drawing/2014/main" val="10001"/>
                   </a:ext>
                 </a:extLst>
               </a:tr>
@@ -38913,7 +39067,7 @@
           <p:cNvPr id="4" name="그룹 5">
             <a:extLst>
               <a:ext uri="{FF2B5EF4-FFF2-40B4-BE49-F238E27FC236}">
-                <a16:creationId xmlns:a16="http://schemas.microsoft.com/office/drawing/2014/main" xmlns="" id="{44F5B724-E981-4F07-8699-85332FC5EF5A}"/>
+                <a16:creationId xmlns:a16="http://schemas.microsoft.com/office/drawing/2014/main" id="{44F5B724-E981-4F07-8699-85332FC5EF5A}"/>
               </a:ext>
             </a:extLst>
           </p:cNvPr>
@@ -38933,7 +39087,7 @@
             <p:cNvPr id="5" name="사각형: 둥근 모서리 6">
               <a:extLst>
                 <a:ext uri="{FF2B5EF4-FFF2-40B4-BE49-F238E27FC236}">
-                  <a16:creationId xmlns:a16="http://schemas.microsoft.com/office/drawing/2014/main" xmlns="" id="{0BA180D6-86CE-44E2-BB38-2511C93DED47}"/>
+                  <a16:creationId xmlns:a16="http://schemas.microsoft.com/office/drawing/2014/main" id="{0BA180D6-86CE-44E2-BB38-2511C93DED47}"/>
                 </a:ext>
               </a:extLst>
             </p:cNvPr>
@@ -38985,7 +39139,7 @@
             <p:cNvPr id="6" name="사각형: 둥근 모서리 7">
               <a:extLst>
                 <a:ext uri="{FF2B5EF4-FFF2-40B4-BE49-F238E27FC236}">
-                  <a16:creationId xmlns:a16="http://schemas.microsoft.com/office/drawing/2014/main" xmlns="" id="{00DA7CDB-E243-47B7-9A5C-6C6E008940D9}"/>
+                  <a16:creationId xmlns:a16="http://schemas.microsoft.com/office/drawing/2014/main" id="{00DA7CDB-E243-47B7-9A5C-6C6E008940D9}"/>
                 </a:ext>
               </a:extLst>
             </p:cNvPr>
@@ -39039,7 +39193,7 @@
             <p:cNvPr id="7" name="TextBox 6">
               <a:extLst>
                 <a:ext uri="{FF2B5EF4-FFF2-40B4-BE49-F238E27FC236}">
-                  <a16:creationId xmlns:a16="http://schemas.microsoft.com/office/drawing/2014/main" xmlns="" id="{CDDB91A3-B27F-4B00-A98D-FB4B45061C21}"/>
+                  <a16:creationId xmlns:a16="http://schemas.microsoft.com/office/drawing/2014/main" id="{CDDB91A3-B27F-4B00-A98D-FB4B45061C21}"/>
                 </a:ext>
               </a:extLst>
             </p:cNvPr>
@@ -39146,7 +39300,7 @@
           <p:cNvPr id="3" name="그룹 5">
             <a:extLst>
               <a:ext uri="{FF2B5EF4-FFF2-40B4-BE49-F238E27FC236}">
-                <a16:creationId xmlns:a16="http://schemas.microsoft.com/office/drawing/2014/main" xmlns="" id="{44F5B724-E981-4F07-8699-85332FC5EF5A}"/>
+                <a16:creationId xmlns:a16="http://schemas.microsoft.com/office/drawing/2014/main" id="{44F5B724-E981-4F07-8699-85332FC5EF5A}"/>
               </a:ext>
             </a:extLst>
           </p:cNvPr>
@@ -39166,7 +39320,7 @@
             <p:cNvPr id="4" name="사각형: 둥근 모서리 6">
               <a:extLst>
                 <a:ext uri="{FF2B5EF4-FFF2-40B4-BE49-F238E27FC236}">
-                  <a16:creationId xmlns:a16="http://schemas.microsoft.com/office/drawing/2014/main" xmlns="" id="{0BA180D6-86CE-44E2-BB38-2511C93DED47}"/>
+                  <a16:creationId xmlns:a16="http://schemas.microsoft.com/office/drawing/2014/main" id="{0BA180D6-86CE-44E2-BB38-2511C93DED47}"/>
                 </a:ext>
               </a:extLst>
             </p:cNvPr>
@@ -39218,7 +39372,7 @@
             <p:cNvPr id="5" name="사각형: 둥근 모서리 7">
               <a:extLst>
                 <a:ext uri="{FF2B5EF4-FFF2-40B4-BE49-F238E27FC236}">
-                  <a16:creationId xmlns:a16="http://schemas.microsoft.com/office/drawing/2014/main" xmlns="" id="{00DA7CDB-E243-47B7-9A5C-6C6E008940D9}"/>
+                  <a16:creationId xmlns:a16="http://schemas.microsoft.com/office/drawing/2014/main" id="{00DA7CDB-E243-47B7-9A5C-6C6E008940D9}"/>
                 </a:ext>
               </a:extLst>
             </p:cNvPr>
@@ -39272,7 +39426,7 @@
             <p:cNvPr id="6" name="TextBox 5">
               <a:extLst>
                 <a:ext uri="{FF2B5EF4-FFF2-40B4-BE49-F238E27FC236}">
-                  <a16:creationId xmlns:a16="http://schemas.microsoft.com/office/drawing/2014/main" xmlns="" id="{CDDB91A3-B27F-4B00-A98D-FB4B45061C21}"/>
+                  <a16:creationId xmlns:a16="http://schemas.microsoft.com/office/drawing/2014/main" id="{CDDB91A3-B27F-4B00-A98D-FB4B45061C21}"/>
                 </a:ext>
               </a:extLst>
             </p:cNvPr>
@@ -39362,7 +39516,7 @@
           <p:cNvPr id="2" name="그룹 1">
             <a:extLst>
               <a:ext uri="{FF2B5EF4-FFF2-40B4-BE49-F238E27FC236}">
-                <a16:creationId xmlns:a16="http://schemas.microsoft.com/office/drawing/2014/main" xmlns="" id="{5773BDAF-D490-4C81-8DFF-078EFB81B8F7}"/>
+                <a16:creationId xmlns:a16="http://schemas.microsoft.com/office/drawing/2014/main" id="{5773BDAF-D490-4C81-8DFF-078EFB81B8F7}"/>
               </a:ext>
             </a:extLst>
           </p:cNvPr>
@@ -40592,7 +40746,7 @@
           <p:cNvPr id="48" name="그룹 47">
             <a:extLst>
               <a:ext uri="{FF2B5EF4-FFF2-40B4-BE49-F238E27FC236}">
-                <a16:creationId xmlns:a16="http://schemas.microsoft.com/office/drawing/2014/main" xmlns="" id="{161AA5D4-3D8E-4CC6-9C2F-785E6521DF14}"/>
+                <a16:creationId xmlns:a16="http://schemas.microsoft.com/office/drawing/2014/main" id="{161AA5D4-3D8E-4CC6-9C2F-785E6521DF14}"/>
               </a:ext>
             </a:extLst>
           </p:cNvPr>
@@ -40612,7 +40766,7 @@
             <p:cNvPr id="40" name="TextBox 39">
               <a:extLst>
                 <a:ext uri="{FF2B5EF4-FFF2-40B4-BE49-F238E27FC236}">
-                  <a16:creationId xmlns:a16="http://schemas.microsoft.com/office/drawing/2014/main" xmlns="" id="{7E8E2EDB-78E5-4B40-96AF-C0C5BAC842B5}"/>
+                  <a16:creationId xmlns:a16="http://schemas.microsoft.com/office/drawing/2014/main" id="{7E8E2EDB-78E5-4B40-96AF-C0C5BAC842B5}"/>
                 </a:ext>
               </a:extLst>
             </p:cNvPr>
@@ -40648,7 +40802,7 @@
             <p:cNvPr id="42" name="TextBox 41">
               <a:extLst>
                 <a:ext uri="{FF2B5EF4-FFF2-40B4-BE49-F238E27FC236}">
-                  <a16:creationId xmlns:a16="http://schemas.microsoft.com/office/drawing/2014/main" xmlns="" id="{9D00985C-749D-4996-94C1-6A3DF9AE89FB}"/>
+                  <a16:creationId xmlns:a16="http://schemas.microsoft.com/office/drawing/2014/main" id="{9D00985C-749D-4996-94C1-6A3DF9AE89FB}"/>
                 </a:ext>
               </a:extLst>
             </p:cNvPr>
@@ -40683,7 +40837,7 @@
             <p:cNvPr id="44" name="TextBox 43">
               <a:extLst>
                 <a:ext uri="{FF2B5EF4-FFF2-40B4-BE49-F238E27FC236}">
-                  <a16:creationId xmlns:a16="http://schemas.microsoft.com/office/drawing/2014/main" xmlns="" id="{6C188BD5-DDDF-4512-92B8-DE11AEEF2BF3}"/>
+                  <a16:creationId xmlns:a16="http://schemas.microsoft.com/office/drawing/2014/main" id="{6C188BD5-DDDF-4512-92B8-DE11AEEF2BF3}"/>
                 </a:ext>
               </a:extLst>
             </p:cNvPr>
@@ -40742,7 +40896,7 @@
             <p:cNvPr id="45" name="다이아몬드 44">
               <a:extLst>
                 <a:ext uri="{FF2B5EF4-FFF2-40B4-BE49-F238E27FC236}">
-                  <a16:creationId xmlns:a16="http://schemas.microsoft.com/office/drawing/2014/main" xmlns="" id="{1E7A6D9E-822C-4784-BDA9-C43106445446}"/>
+                  <a16:creationId xmlns:a16="http://schemas.microsoft.com/office/drawing/2014/main" id="{1E7A6D9E-822C-4784-BDA9-C43106445446}"/>
                 </a:ext>
               </a:extLst>
             </p:cNvPr>
@@ -40796,7 +40950,7 @@
             <p:cNvPr id="46" name="다이아몬드 45">
               <a:extLst>
                 <a:ext uri="{FF2B5EF4-FFF2-40B4-BE49-F238E27FC236}">
-                  <a16:creationId xmlns:a16="http://schemas.microsoft.com/office/drawing/2014/main" xmlns="" id="{39EB3E1F-E2C5-4D6F-A38C-DC6BCB433843}"/>
+                  <a16:creationId xmlns:a16="http://schemas.microsoft.com/office/drawing/2014/main" id="{39EB3E1F-E2C5-4D6F-A38C-DC6BCB433843}"/>
                 </a:ext>
               </a:extLst>
             </p:cNvPr>
@@ -40850,7 +41004,7 @@
             <p:cNvPr id="47" name="다이아몬드 46">
               <a:extLst>
                 <a:ext uri="{FF2B5EF4-FFF2-40B4-BE49-F238E27FC236}">
-                  <a16:creationId xmlns:a16="http://schemas.microsoft.com/office/drawing/2014/main" xmlns="" id="{5C2267E0-BC6B-4E91-A6E7-C0595C7F4486}"/>
+                  <a16:creationId xmlns:a16="http://schemas.microsoft.com/office/drawing/2014/main" id="{5C2267E0-BC6B-4E91-A6E7-C0595C7F4486}"/>
                 </a:ext>
               </a:extLst>
             </p:cNvPr>
